--- a/Angular.pptx
+++ b/Angular.pptx
@@ -5,10 +5,10 @@
     <p:sldMasterId id="2147483883" r:id="rId1"/>
   </p:sldMasterIdLst>
   <p:notesMasterIdLst>
-    <p:notesMasterId r:id="rId7"/>
+    <p:notesMasterId r:id="rId11"/>
   </p:notesMasterIdLst>
   <p:handoutMasterIdLst>
-    <p:handoutMasterId r:id="rId8"/>
+    <p:handoutMasterId r:id="rId12"/>
   </p:handoutMasterIdLst>
   <p:sldIdLst>
     <p:sldId id="256" r:id="rId2"/>
@@ -16,6 +16,10 @@
     <p:sldId id="259" r:id="rId4"/>
     <p:sldId id="260" r:id="rId5"/>
     <p:sldId id="261" r:id="rId6"/>
+    <p:sldId id="262" r:id="rId7"/>
+    <p:sldId id="263" r:id="rId8"/>
+    <p:sldId id="264" r:id="rId9"/>
+    <p:sldId id="265" r:id="rId10"/>
   </p:sldIdLst>
   <p:sldSz cx="12192000" cy="6858000"/>
   <p:notesSz cx="6858000" cy="9144000"/>
@@ -114,6 +118,11 @@
       </a:defRPr>
     </a:lvl9pPr>
   </p:defaultTextStyle>
+  <p:extLst>
+    <p:ext uri="{EFAFB233-063F-42B5-8137-9DF3F51BA10A}">
+      <p15:sldGuideLst xmlns:p15="http://schemas.microsoft.com/office/powerpoint/2012/main"/>
+    </p:ext>
+  </p:extLst>
 </p:presentation>
 </file>
 
@@ -199,7 +208,7 @@
           <a:p>
             <a:fld id="{F2907855-94AC-4F24-8B2E-86C4A3118337}" type="datetimeFigureOut">
               <a:rPr lang="en-US" smtClean="0"/>
-              <a:t>10/10/2017</a:t>
+              <a:t>10/18/2017</a:t>
             </a:fld>
             <a:endParaRPr lang="en-US"/>
           </a:p>
@@ -365,7 +374,7 @@
           <a:p>
             <a:fld id="{34BE262F-771E-4259-B3BD-5B0150CB9D3B}" type="datetimeFigureOut">
               <a:rPr lang="en-US" smtClean="0"/>
-              <a:t>10/10/2017</a:t>
+              <a:t>10/18/2017</a:t>
             </a:fld>
             <a:endParaRPr lang="en-US"/>
           </a:p>
@@ -969,7 +978,7 @@
           <a:p>
             <a:fld id="{2A72ECDD-C991-401D-B17C-D2A3247EDFE0}" type="datetime1">
               <a:rPr lang="en-US" smtClean="0"/>
-              <a:t>10/10/2017</a:t>
+              <a:t>10/18/2017</a:t>
             </a:fld>
             <a:endParaRPr lang="en-US" dirty="0"/>
           </a:p>
@@ -2063,7 +2072,7 @@
           <a:p>
             <a:fld id="{4E45B9DA-5A6C-4F3F-9383-6E87E1EF9A23}" type="datetime1">
               <a:rPr lang="en-US" smtClean="0"/>
-              <a:t>10/10/2017</a:t>
+              <a:t>10/18/2017</a:t>
             </a:fld>
             <a:endParaRPr lang="en-US" dirty="0"/>
           </a:p>
@@ -3049,7 +3058,7 @@
           <a:p>
             <a:fld id="{901D1230-8546-44E2-989F-83B2EB59ED2F}" type="datetime1">
               <a:rPr lang="en-US" smtClean="0"/>
-              <a:t>10/10/2017</a:t>
+              <a:t>10/18/2017</a:t>
             </a:fld>
             <a:endParaRPr lang="en-US" dirty="0"/>
           </a:p>
@@ -4189,7 +4198,7 @@
           <a:p>
             <a:fld id="{490C7793-0450-43FD-B1C7-764874FA1C83}" type="datetime1">
               <a:rPr lang="en-US" smtClean="0"/>
-              <a:t>10/10/2017</a:t>
+              <a:t>10/18/2017</a:t>
             </a:fld>
             <a:endParaRPr lang="en-US" dirty="0"/>
           </a:p>
@@ -5228,7 +5237,7 @@
           <a:p>
             <a:fld id="{B4DF1DED-90F9-4F8D-938B-D17A7BCB13BB}" type="datetime1">
               <a:rPr lang="en-US" smtClean="0"/>
-              <a:t>10/10/2017</a:t>
+              <a:t>10/18/2017</a:t>
             </a:fld>
             <a:endParaRPr lang="en-US" dirty="0"/>
           </a:p>
@@ -5894,7 +5903,7 @@
           <a:p>
             <a:fld id="{88EB7147-2204-47E2-8B58-C7AE012F4369}" type="datetime1">
               <a:rPr lang="en-US" smtClean="0"/>
-              <a:t>10/10/2017</a:t>
+              <a:t>10/18/2017</a:t>
             </a:fld>
             <a:endParaRPr lang="en-US" dirty="0"/>
           </a:p>
@@ -6761,7 +6770,7 @@
           <a:p>
             <a:fld id="{92A116B0-DFD8-43E9-8F39-41E5C85C44DD}" type="datetime1">
               <a:rPr lang="en-US" smtClean="0"/>
-              <a:t>10/10/2017</a:t>
+              <a:t>10/18/2017</a:t>
             </a:fld>
             <a:endParaRPr lang="en-US" dirty="0"/>
           </a:p>
@@ -6957,7 +6966,7 @@
           <a:p>
             <a:fld id="{F59CDAB6-BF22-4B0D-BE67-48CBF28FAEBE}" type="datetime1">
               <a:rPr lang="en-US" smtClean="0"/>
-              <a:t>10/10/2017</a:t>
+              <a:t>10/18/2017</a:t>
             </a:fld>
             <a:endParaRPr lang="en-US" dirty="0"/>
           </a:p>
@@ -7935,7 +7944,7 @@
           <a:p>
             <a:fld id="{35B4BECC-4407-4460-A36C-8A4EF6447D73}" type="datetime1">
               <a:rPr lang="en-US" smtClean="0"/>
-              <a:t>10/10/2017</a:t>
+              <a:t>10/18/2017</a:t>
             </a:fld>
             <a:endParaRPr lang="en-US" dirty="0"/>
           </a:p>
@@ -8152,7 +8161,7 @@
           <a:p>
             <a:fld id="{F5D4828C-1271-4274-AB06-3F6DCE35ADA6}" type="datetime1">
               <a:rPr lang="en-US" smtClean="0"/>
-              <a:t>10/10/2017</a:t>
+              <a:t>10/18/2017</a:t>
             </a:fld>
             <a:endParaRPr lang="en-US" dirty="0"/>
           </a:p>
@@ -9192,7 +9201,7 @@
           <a:p>
             <a:fld id="{441AF129-8322-4EBB-92A3-6A99073BB181}" type="datetime1">
               <a:rPr lang="en-US" smtClean="0"/>
-              <a:t>10/10/2017</a:t>
+              <a:t>10/18/2017</a:t>
             </a:fld>
             <a:endParaRPr lang="en-US" dirty="0"/>
           </a:p>
@@ -9470,7 +9479,7 @@
           <a:p>
             <a:fld id="{BB0E64B6-0390-42C5-9607-DF3A980909FC}" type="datetime1">
               <a:rPr lang="en-US" smtClean="0"/>
-              <a:t>10/10/2017</a:t>
+              <a:t>10/18/2017</a:t>
             </a:fld>
             <a:endParaRPr lang="en-US" dirty="0"/>
           </a:p>
@@ -9886,7 +9895,7 @@
           <a:p>
             <a:fld id="{C35C3AAC-69B0-4658-9B27-A87F0222AB5C}" type="datetime1">
               <a:rPr lang="en-US" smtClean="0"/>
-              <a:t>10/10/2017</a:t>
+              <a:t>10/18/2017</a:t>
             </a:fld>
             <a:endParaRPr lang="en-US" dirty="0"/>
           </a:p>
@@ -10019,7 +10028,7 @@
           <a:p>
             <a:fld id="{3DC681C6-3818-4199-955B-EEB975715093}" type="datetime1">
               <a:rPr lang="en-US" smtClean="0"/>
-              <a:t>10/10/2017</a:t>
+              <a:t>10/18/2017</a:t>
             </a:fld>
             <a:endParaRPr lang="en-US" dirty="0"/>
           </a:p>
@@ -10120,7 +10129,7 @@
           <a:p>
             <a:fld id="{F2BCFD94-FF34-4C14-BE66-0012022506A3}" type="datetime1">
               <a:rPr lang="en-US" smtClean="0"/>
-              <a:t>10/10/2017</a:t>
+              <a:t>10/18/2017</a:t>
             </a:fld>
             <a:endParaRPr lang="en-US" dirty="0"/>
           </a:p>
@@ -11207,7 +11216,7 @@
           <a:p>
             <a:fld id="{189B7B57-4C95-4166-96AF-0FB8DA578520}" type="datetime1">
               <a:rPr lang="en-US" smtClean="0"/>
-              <a:t>10/10/2017</a:t>
+              <a:t>10/18/2017</a:t>
             </a:fld>
             <a:endParaRPr lang="en-US" dirty="0"/>
           </a:p>
@@ -12321,7 +12330,7 @@
           <a:p>
             <a:fld id="{D53E2918-3B76-4823-B4B5-9D4076D6B0AC}" type="datetime1">
               <a:rPr lang="en-US" smtClean="0"/>
-              <a:t>10/10/2017</a:t>
+              <a:t>10/18/2017</a:t>
             </a:fld>
             <a:endParaRPr lang="en-US" dirty="0"/>
           </a:p>
@@ -13324,7 +13333,7 @@
           <a:p>
             <a:fld id="{33DF0678-3ACC-465D-B148-D65EDA9E61D8}" type="datetime1">
               <a:rPr lang="en-US" smtClean="0"/>
-              <a:t>10/10/2017</a:t>
+              <a:t>10/18/2017</a:t>
             </a:fld>
             <a:endParaRPr lang="en-US" dirty="0"/>
           </a:p>
@@ -14033,7 +14042,7 @@
                             </p:stCondLst>
                             <p:childTnLst>
                               <p:par>
-                                <p:cTn id="5" presetID="42" presetClass="entr" presetSubtype="0" fill="hold" grpId="0" nodeType="clickEffect">
+                                <p:cTn id="5" presetID="42" presetClass="entr" presetSubtype="0" fill="hold" nodeType="clickEffect">
                                   <p:stCondLst>
                                     <p:cond delay="0"/>
                                   </p:stCondLst>
@@ -14041,6 +14050,87 @@
                                     <p:set>
                                       <p:cBhvr>
                                         <p:cTn id="6" dur="1" fill="hold">
+                                          <p:stCondLst>
+                                            <p:cond delay="0"/>
+                                          </p:stCondLst>
+                                        </p:cTn>
+                                        <p:tgtEl>
+                                          <p:spTgt spid="8"/>
+                                        </p:tgtEl>
+                                        <p:attrNameLst>
+                                          <p:attrName>style.visibility</p:attrName>
+                                        </p:attrNameLst>
+                                      </p:cBhvr>
+                                      <p:to>
+                                        <p:strVal val="visible"/>
+                                      </p:to>
+                                    </p:set>
+                                    <p:animEffect transition="in" filter="fade">
+                                      <p:cBhvr>
+                                        <p:cTn id="7" dur="1000"/>
+                                        <p:tgtEl>
+                                          <p:spTgt spid="8"/>
+                                        </p:tgtEl>
+                                      </p:cBhvr>
+                                    </p:animEffect>
+                                    <p:anim calcmode="lin" valueType="num">
+                                      <p:cBhvr>
+                                        <p:cTn id="8" dur="1000" fill="hold"/>
+                                        <p:tgtEl>
+                                          <p:spTgt spid="8"/>
+                                        </p:tgtEl>
+                                        <p:attrNameLst>
+                                          <p:attrName>ppt_x</p:attrName>
+                                        </p:attrNameLst>
+                                      </p:cBhvr>
+                                      <p:tavLst>
+                                        <p:tav tm="0">
+                                          <p:val>
+                                            <p:strVal val="#ppt_x"/>
+                                          </p:val>
+                                        </p:tav>
+                                        <p:tav tm="100000">
+                                          <p:val>
+                                            <p:strVal val="#ppt_x"/>
+                                          </p:val>
+                                        </p:tav>
+                                      </p:tavLst>
+                                    </p:anim>
+                                    <p:anim calcmode="lin" valueType="num">
+                                      <p:cBhvr>
+                                        <p:cTn id="9" dur="1000" fill="hold"/>
+                                        <p:tgtEl>
+                                          <p:spTgt spid="8"/>
+                                        </p:tgtEl>
+                                        <p:attrNameLst>
+                                          <p:attrName>ppt_y</p:attrName>
+                                        </p:attrNameLst>
+                                      </p:cBhvr>
+                                      <p:tavLst>
+                                        <p:tav tm="0">
+                                          <p:val>
+                                            <p:strVal val="#ppt_y+.1"/>
+                                          </p:val>
+                                        </p:tav>
+                                        <p:tav tm="100000">
+                                          <p:val>
+                                            <p:strVal val="#ppt_y"/>
+                                          </p:val>
+                                        </p:tav>
+                                      </p:tavLst>
+                                    </p:anim>
+                                  </p:childTnLst>
+                                </p:cTn>
+                              </p:par>
+                              <p:par>
+                                <p:cTn id="10" presetID="42" presetClass="entr" presetSubtype="0" fill="hold" grpId="0" nodeType="withEffect">
+                                  <p:stCondLst>
+                                    <p:cond delay="0"/>
+                                  </p:stCondLst>
+                                  <p:childTnLst>
+                                    <p:set>
+                                      <p:cBhvr>
+                                        <p:cTn id="11" dur="1" fill="hold">
                                           <p:stCondLst>
                                             <p:cond delay="0"/>
                                           </p:stCondLst>
@@ -14058,7 +14148,7 @@
                                     </p:set>
                                     <p:animEffect transition="in" filter="fade">
                                       <p:cBhvr>
-                                        <p:cTn id="7" dur="1000"/>
+                                        <p:cTn id="12" dur="1000"/>
                                         <p:tgtEl>
                                           <p:spTgt spid="10"/>
                                         </p:tgtEl>
@@ -14066,7 +14156,7 @@
                                     </p:animEffect>
                                     <p:anim calcmode="lin" valueType="num">
                                       <p:cBhvr>
-                                        <p:cTn id="8" dur="1000" fill="hold"/>
+                                        <p:cTn id="13" dur="1000" fill="hold"/>
                                         <p:tgtEl>
                                           <p:spTgt spid="10"/>
                                         </p:tgtEl>
@@ -14089,108 +14179,9 @@
                                     </p:anim>
                                     <p:anim calcmode="lin" valueType="num">
                                       <p:cBhvr>
-                                        <p:cTn id="9" dur="1000" fill="hold"/>
+                                        <p:cTn id="14" dur="1000" fill="hold"/>
                                         <p:tgtEl>
                                           <p:spTgt spid="10"/>
-                                        </p:tgtEl>
-                                        <p:attrNameLst>
-                                          <p:attrName>ppt_y</p:attrName>
-                                        </p:attrNameLst>
-                                      </p:cBhvr>
-                                      <p:tavLst>
-                                        <p:tav tm="0">
-                                          <p:val>
-                                            <p:strVal val="#ppt_y+.1"/>
-                                          </p:val>
-                                        </p:tav>
-                                        <p:tav tm="100000">
-                                          <p:val>
-                                            <p:strVal val="#ppt_y"/>
-                                          </p:val>
-                                        </p:tav>
-                                      </p:tavLst>
-                                    </p:anim>
-                                  </p:childTnLst>
-                                </p:cTn>
-                              </p:par>
-                            </p:childTnLst>
-                          </p:cTn>
-                        </p:par>
-                      </p:childTnLst>
-                    </p:cTn>
-                  </p:par>
-                  <p:par>
-                    <p:cTn id="10" fill="hold">
-                      <p:stCondLst>
-                        <p:cond delay="indefinite"/>
-                      </p:stCondLst>
-                      <p:childTnLst>
-                        <p:par>
-                          <p:cTn id="11" fill="hold">
-                            <p:stCondLst>
-                              <p:cond delay="0"/>
-                            </p:stCondLst>
-                            <p:childTnLst>
-                              <p:par>
-                                <p:cTn id="12" presetID="42" presetClass="entr" presetSubtype="0" fill="hold" nodeType="clickEffect">
-                                  <p:stCondLst>
-                                    <p:cond delay="0"/>
-                                  </p:stCondLst>
-                                  <p:childTnLst>
-                                    <p:set>
-                                      <p:cBhvr>
-                                        <p:cTn id="13" dur="1" fill="hold">
-                                          <p:stCondLst>
-                                            <p:cond delay="0"/>
-                                          </p:stCondLst>
-                                        </p:cTn>
-                                        <p:tgtEl>
-                                          <p:spTgt spid="8"/>
-                                        </p:tgtEl>
-                                        <p:attrNameLst>
-                                          <p:attrName>style.visibility</p:attrName>
-                                        </p:attrNameLst>
-                                      </p:cBhvr>
-                                      <p:to>
-                                        <p:strVal val="visible"/>
-                                      </p:to>
-                                    </p:set>
-                                    <p:animEffect transition="in" filter="fade">
-                                      <p:cBhvr>
-                                        <p:cTn id="14" dur="1000"/>
-                                        <p:tgtEl>
-                                          <p:spTgt spid="8"/>
-                                        </p:tgtEl>
-                                      </p:cBhvr>
-                                    </p:animEffect>
-                                    <p:anim calcmode="lin" valueType="num">
-                                      <p:cBhvr>
-                                        <p:cTn id="15" dur="1000" fill="hold"/>
-                                        <p:tgtEl>
-                                          <p:spTgt spid="8"/>
-                                        </p:tgtEl>
-                                        <p:attrNameLst>
-                                          <p:attrName>ppt_x</p:attrName>
-                                        </p:attrNameLst>
-                                      </p:cBhvr>
-                                      <p:tavLst>
-                                        <p:tav tm="0">
-                                          <p:val>
-                                            <p:strVal val="#ppt_x"/>
-                                          </p:val>
-                                        </p:tav>
-                                        <p:tav tm="100000">
-                                          <p:val>
-                                            <p:strVal val="#ppt_x"/>
-                                          </p:val>
-                                        </p:tav>
-                                      </p:tavLst>
-                                    </p:anim>
-                                    <p:anim calcmode="lin" valueType="num">
-                                      <p:cBhvr>
-                                        <p:cTn id="16" dur="1000" fill="hold"/>
-                                        <p:tgtEl>
-                                          <p:spTgt spid="8"/>
                                         </p:tgtEl>
                                         <p:attrNameLst>
                                           <p:attrName>ppt_y</p:attrName>
@@ -15064,7 +15055,7 @@
                             </p:stCondLst>
                             <p:childTnLst>
                               <p:par>
-                                <p:cTn id="12" presetID="10" presetClass="entr" presetSubtype="0" fill="hold" grpId="0" nodeType="clickEffect">
+                                <p:cTn id="12" presetID="42" presetClass="entr" presetSubtype="0" fill="hold" grpId="0" nodeType="clickEffect">
                                   <p:stCondLst>
                                     <p:cond delay="0"/>
                                   </p:stCondLst>
@@ -15089,35 +15080,63 @@
                                     </p:set>
                                     <p:animEffect transition="in" filter="fade">
                                       <p:cBhvr>
-                                        <p:cTn id="14" dur="500"/>
+                                        <p:cTn id="14" dur="1000"/>
                                         <p:tgtEl>
                                           <p:spTgt spid="2"/>
                                         </p:tgtEl>
                                       </p:cBhvr>
                                     </p:animEffect>
+                                    <p:anim calcmode="lin" valueType="num">
+                                      <p:cBhvr>
+                                        <p:cTn id="15" dur="1000" fill="hold"/>
+                                        <p:tgtEl>
+                                          <p:spTgt spid="2"/>
+                                        </p:tgtEl>
+                                        <p:attrNameLst>
+                                          <p:attrName>ppt_x</p:attrName>
+                                        </p:attrNameLst>
+                                      </p:cBhvr>
+                                      <p:tavLst>
+                                        <p:tav tm="0">
+                                          <p:val>
+                                            <p:strVal val="#ppt_x"/>
+                                          </p:val>
+                                        </p:tav>
+                                        <p:tav tm="100000">
+                                          <p:val>
+                                            <p:strVal val="#ppt_x"/>
+                                          </p:val>
+                                        </p:tav>
+                                      </p:tavLst>
+                                    </p:anim>
+                                    <p:anim calcmode="lin" valueType="num">
+                                      <p:cBhvr>
+                                        <p:cTn id="16" dur="1000" fill="hold"/>
+                                        <p:tgtEl>
+                                          <p:spTgt spid="2"/>
+                                        </p:tgtEl>
+                                        <p:attrNameLst>
+                                          <p:attrName>ppt_y</p:attrName>
+                                        </p:attrNameLst>
+                                      </p:cBhvr>
+                                      <p:tavLst>
+                                        <p:tav tm="0">
+                                          <p:val>
+                                            <p:strVal val="#ppt_y+.1"/>
+                                          </p:val>
+                                        </p:tav>
+                                        <p:tav tm="100000">
+                                          <p:val>
+                                            <p:strVal val="#ppt_y"/>
+                                          </p:val>
+                                        </p:tav>
+                                      </p:tavLst>
+                                    </p:anim>
                                   </p:childTnLst>
                                 </p:cTn>
                               </p:par>
-                            </p:childTnLst>
-                          </p:cTn>
-                        </p:par>
-                      </p:childTnLst>
-                    </p:cTn>
-                  </p:par>
-                  <p:par>
-                    <p:cTn id="15" fill="hold">
-                      <p:stCondLst>
-                        <p:cond delay="indefinite"/>
-                      </p:stCondLst>
-                      <p:childTnLst>
-                        <p:par>
-                          <p:cTn id="16" fill="hold">
-                            <p:stCondLst>
-                              <p:cond delay="0"/>
-                            </p:stCondLst>
-                            <p:childTnLst>
                               <p:par>
-                                <p:cTn id="17" presetID="10" presetClass="entr" presetSubtype="0" fill="hold" grpId="0" nodeType="clickEffect">
+                                <p:cTn id="17" presetID="42" presetClass="entr" presetSubtype="0" fill="hold" grpId="0" nodeType="withEffect">
                                   <p:stCondLst>
                                     <p:cond delay="0"/>
                                   </p:stCondLst>
@@ -15142,35 +15161,63 @@
                                     </p:set>
                                     <p:animEffect transition="in" filter="fade">
                                       <p:cBhvr>
-                                        <p:cTn id="19" dur="500"/>
+                                        <p:cTn id="19" dur="1000"/>
                                         <p:tgtEl>
                                           <p:spTgt spid="3"/>
                                         </p:tgtEl>
                                       </p:cBhvr>
                                     </p:animEffect>
+                                    <p:anim calcmode="lin" valueType="num">
+                                      <p:cBhvr>
+                                        <p:cTn id="20" dur="1000" fill="hold"/>
+                                        <p:tgtEl>
+                                          <p:spTgt spid="3"/>
+                                        </p:tgtEl>
+                                        <p:attrNameLst>
+                                          <p:attrName>ppt_x</p:attrName>
+                                        </p:attrNameLst>
+                                      </p:cBhvr>
+                                      <p:tavLst>
+                                        <p:tav tm="0">
+                                          <p:val>
+                                            <p:strVal val="#ppt_x"/>
+                                          </p:val>
+                                        </p:tav>
+                                        <p:tav tm="100000">
+                                          <p:val>
+                                            <p:strVal val="#ppt_x"/>
+                                          </p:val>
+                                        </p:tav>
+                                      </p:tavLst>
+                                    </p:anim>
+                                    <p:anim calcmode="lin" valueType="num">
+                                      <p:cBhvr>
+                                        <p:cTn id="21" dur="1000" fill="hold"/>
+                                        <p:tgtEl>
+                                          <p:spTgt spid="3"/>
+                                        </p:tgtEl>
+                                        <p:attrNameLst>
+                                          <p:attrName>ppt_y</p:attrName>
+                                        </p:attrNameLst>
+                                      </p:cBhvr>
+                                      <p:tavLst>
+                                        <p:tav tm="0">
+                                          <p:val>
+                                            <p:strVal val="#ppt_y+.1"/>
+                                          </p:val>
+                                        </p:tav>
+                                        <p:tav tm="100000">
+                                          <p:val>
+                                            <p:strVal val="#ppt_y"/>
+                                          </p:val>
+                                        </p:tav>
+                                      </p:tavLst>
+                                    </p:anim>
                                   </p:childTnLst>
                                 </p:cTn>
                               </p:par>
-                            </p:childTnLst>
-                          </p:cTn>
-                        </p:par>
-                      </p:childTnLst>
-                    </p:cTn>
-                  </p:par>
-                  <p:par>
-                    <p:cTn id="20" fill="hold">
-                      <p:stCondLst>
-                        <p:cond delay="indefinite"/>
-                      </p:stCondLst>
-                      <p:childTnLst>
-                        <p:par>
-                          <p:cTn id="21" fill="hold">
-                            <p:stCondLst>
-                              <p:cond delay="0"/>
-                            </p:stCondLst>
-                            <p:childTnLst>
                               <p:par>
-                                <p:cTn id="22" presetID="10" presetClass="entr" presetSubtype="0" fill="hold" grpId="0" nodeType="clickEffect">
+                                <p:cTn id="22" presetID="42" presetClass="entr" presetSubtype="0" fill="hold" grpId="0" nodeType="withEffect">
                                   <p:stCondLst>
                                     <p:cond delay="0"/>
                                   </p:stCondLst>
@@ -15195,35 +15242,63 @@
                                     </p:set>
                                     <p:animEffect transition="in" filter="fade">
                                       <p:cBhvr>
-                                        <p:cTn id="24" dur="500"/>
+                                        <p:cTn id="24" dur="1000"/>
                                         <p:tgtEl>
                                           <p:spTgt spid="4"/>
                                         </p:tgtEl>
                                       </p:cBhvr>
                                     </p:animEffect>
+                                    <p:anim calcmode="lin" valueType="num">
+                                      <p:cBhvr>
+                                        <p:cTn id="25" dur="1000" fill="hold"/>
+                                        <p:tgtEl>
+                                          <p:spTgt spid="4"/>
+                                        </p:tgtEl>
+                                        <p:attrNameLst>
+                                          <p:attrName>ppt_x</p:attrName>
+                                        </p:attrNameLst>
+                                      </p:cBhvr>
+                                      <p:tavLst>
+                                        <p:tav tm="0">
+                                          <p:val>
+                                            <p:strVal val="#ppt_x"/>
+                                          </p:val>
+                                        </p:tav>
+                                        <p:tav tm="100000">
+                                          <p:val>
+                                            <p:strVal val="#ppt_x"/>
+                                          </p:val>
+                                        </p:tav>
+                                      </p:tavLst>
+                                    </p:anim>
+                                    <p:anim calcmode="lin" valueType="num">
+                                      <p:cBhvr>
+                                        <p:cTn id="26" dur="1000" fill="hold"/>
+                                        <p:tgtEl>
+                                          <p:spTgt spid="4"/>
+                                        </p:tgtEl>
+                                        <p:attrNameLst>
+                                          <p:attrName>ppt_y</p:attrName>
+                                        </p:attrNameLst>
+                                      </p:cBhvr>
+                                      <p:tavLst>
+                                        <p:tav tm="0">
+                                          <p:val>
+                                            <p:strVal val="#ppt_y+.1"/>
+                                          </p:val>
+                                        </p:tav>
+                                        <p:tav tm="100000">
+                                          <p:val>
+                                            <p:strVal val="#ppt_y"/>
+                                          </p:val>
+                                        </p:tav>
+                                      </p:tavLst>
+                                    </p:anim>
                                   </p:childTnLst>
                                 </p:cTn>
                               </p:par>
-                            </p:childTnLst>
-                          </p:cTn>
-                        </p:par>
-                      </p:childTnLst>
-                    </p:cTn>
-                  </p:par>
-                  <p:par>
-                    <p:cTn id="25" fill="hold">
-                      <p:stCondLst>
-                        <p:cond delay="indefinite"/>
-                      </p:stCondLst>
-                      <p:childTnLst>
-                        <p:par>
-                          <p:cTn id="26" fill="hold">
-                            <p:stCondLst>
-                              <p:cond delay="0"/>
-                            </p:stCondLst>
-                            <p:childTnLst>
                               <p:par>
-                                <p:cTn id="27" presetID="10" presetClass="entr" presetSubtype="0" fill="hold" grpId="0" nodeType="clickEffect">
+                                <p:cTn id="27" presetID="42" presetClass="entr" presetSubtype="0" fill="hold" grpId="0" nodeType="withEffect">
                                   <p:stCondLst>
                                     <p:cond delay="0"/>
                                   </p:stCondLst>
@@ -15248,12 +15323,58 @@
                                     </p:set>
                                     <p:animEffect transition="in" filter="fade">
                                       <p:cBhvr>
-                                        <p:cTn id="29" dur="500"/>
+                                        <p:cTn id="29" dur="1000"/>
                                         <p:tgtEl>
                                           <p:spTgt spid="5"/>
                                         </p:tgtEl>
                                       </p:cBhvr>
                                     </p:animEffect>
+                                    <p:anim calcmode="lin" valueType="num">
+                                      <p:cBhvr>
+                                        <p:cTn id="30" dur="1000" fill="hold"/>
+                                        <p:tgtEl>
+                                          <p:spTgt spid="5"/>
+                                        </p:tgtEl>
+                                        <p:attrNameLst>
+                                          <p:attrName>ppt_x</p:attrName>
+                                        </p:attrNameLst>
+                                      </p:cBhvr>
+                                      <p:tavLst>
+                                        <p:tav tm="0">
+                                          <p:val>
+                                            <p:strVal val="#ppt_x"/>
+                                          </p:val>
+                                        </p:tav>
+                                        <p:tav tm="100000">
+                                          <p:val>
+                                            <p:strVal val="#ppt_x"/>
+                                          </p:val>
+                                        </p:tav>
+                                      </p:tavLst>
+                                    </p:anim>
+                                    <p:anim calcmode="lin" valueType="num">
+                                      <p:cBhvr>
+                                        <p:cTn id="31" dur="1000" fill="hold"/>
+                                        <p:tgtEl>
+                                          <p:spTgt spid="5"/>
+                                        </p:tgtEl>
+                                        <p:attrNameLst>
+                                          <p:attrName>ppt_y</p:attrName>
+                                        </p:attrNameLst>
+                                      </p:cBhvr>
+                                      <p:tavLst>
+                                        <p:tav tm="0">
+                                          <p:val>
+                                            <p:strVal val="#ppt_y+.1"/>
+                                          </p:val>
+                                        </p:tav>
+                                        <p:tav tm="100000">
+                                          <p:val>
+                                            <p:strVal val="#ppt_y"/>
+                                          </p:val>
+                                        </p:tav>
+                                      </p:tavLst>
+                                    </p:anim>
                                   </p:childTnLst>
                                 </p:cTn>
                               </p:par>
@@ -15372,11 +15493,6 @@
               </a:rPr>
               <a:t>Step 2. Create a new project</a:t>
             </a:r>
-            <a:endParaRPr lang="en-US" sz="3200" b="1" u="sng" dirty="0">
-              <a:solidFill>
-                <a:schemeClr val="accent4"/>
-              </a:solidFill>
-            </a:endParaRPr>
           </a:p>
         </p:txBody>
       </p:sp>
@@ -15706,7 +15822,7 @@
                             </p:stCondLst>
                             <p:childTnLst>
                               <p:par>
-                                <p:cTn id="12" presetID="10" presetClass="entr" presetSubtype="0" fill="hold" grpId="0" nodeType="clickEffect">
+                                <p:cTn id="12" presetID="42" presetClass="entr" presetSubtype="0" fill="hold" grpId="0" nodeType="clickEffect">
                                   <p:stCondLst>
                                     <p:cond delay="0"/>
                                   </p:stCondLst>
@@ -15731,35 +15847,63 @@
                                     </p:set>
                                     <p:animEffect transition="in" filter="fade">
                                       <p:cBhvr>
-                                        <p:cTn id="14" dur="500"/>
+                                        <p:cTn id="14" dur="1000"/>
                                         <p:tgtEl>
                                           <p:spTgt spid="2"/>
                                         </p:tgtEl>
                                       </p:cBhvr>
                                     </p:animEffect>
+                                    <p:anim calcmode="lin" valueType="num">
+                                      <p:cBhvr>
+                                        <p:cTn id="15" dur="1000" fill="hold"/>
+                                        <p:tgtEl>
+                                          <p:spTgt spid="2"/>
+                                        </p:tgtEl>
+                                        <p:attrNameLst>
+                                          <p:attrName>ppt_x</p:attrName>
+                                        </p:attrNameLst>
+                                      </p:cBhvr>
+                                      <p:tavLst>
+                                        <p:tav tm="0">
+                                          <p:val>
+                                            <p:strVal val="#ppt_x"/>
+                                          </p:val>
+                                        </p:tav>
+                                        <p:tav tm="100000">
+                                          <p:val>
+                                            <p:strVal val="#ppt_x"/>
+                                          </p:val>
+                                        </p:tav>
+                                      </p:tavLst>
+                                    </p:anim>
+                                    <p:anim calcmode="lin" valueType="num">
+                                      <p:cBhvr>
+                                        <p:cTn id="16" dur="1000" fill="hold"/>
+                                        <p:tgtEl>
+                                          <p:spTgt spid="2"/>
+                                        </p:tgtEl>
+                                        <p:attrNameLst>
+                                          <p:attrName>ppt_y</p:attrName>
+                                        </p:attrNameLst>
+                                      </p:cBhvr>
+                                      <p:tavLst>
+                                        <p:tav tm="0">
+                                          <p:val>
+                                            <p:strVal val="#ppt_y+.1"/>
+                                          </p:val>
+                                        </p:tav>
+                                        <p:tav tm="100000">
+                                          <p:val>
+                                            <p:strVal val="#ppt_y"/>
+                                          </p:val>
+                                        </p:tav>
+                                      </p:tavLst>
+                                    </p:anim>
                                   </p:childTnLst>
                                 </p:cTn>
                               </p:par>
-                            </p:childTnLst>
-                          </p:cTn>
-                        </p:par>
-                      </p:childTnLst>
-                    </p:cTn>
-                  </p:par>
-                  <p:par>
-                    <p:cTn id="15" fill="hold">
-                      <p:stCondLst>
-                        <p:cond delay="indefinite"/>
-                      </p:stCondLst>
-                      <p:childTnLst>
-                        <p:par>
-                          <p:cTn id="16" fill="hold">
-                            <p:stCondLst>
-                              <p:cond delay="0"/>
-                            </p:stCondLst>
-                            <p:childTnLst>
                               <p:par>
-                                <p:cTn id="17" presetID="10" presetClass="entr" presetSubtype="0" fill="hold" grpId="0" nodeType="clickEffect">
+                                <p:cTn id="17" presetID="42" presetClass="entr" presetSubtype="0" fill="hold" grpId="0" nodeType="withEffect">
                                   <p:stCondLst>
                                     <p:cond delay="0"/>
                                   </p:stCondLst>
@@ -15784,35 +15928,63 @@
                                     </p:set>
                                     <p:animEffect transition="in" filter="fade">
                                       <p:cBhvr>
-                                        <p:cTn id="19" dur="500"/>
+                                        <p:cTn id="19" dur="1000"/>
                                         <p:tgtEl>
                                           <p:spTgt spid="5"/>
                                         </p:tgtEl>
                                       </p:cBhvr>
                                     </p:animEffect>
+                                    <p:anim calcmode="lin" valueType="num">
+                                      <p:cBhvr>
+                                        <p:cTn id="20" dur="1000" fill="hold"/>
+                                        <p:tgtEl>
+                                          <p:spTgt spid="5"/>
+                                        </p:tgtEl>
+                                        <p:attrNameLst>
+                                          <p:attrName>ppt_x</p:attrName>
+                                        </p:attrNameLst>
+                                      </p:cBhvr>
+                                      <p:tavLst>
+                                        <p:tav tm="0">
+                                          <p:val>
+                                            <p:strVal val="#ppt_x"/>
+                                          </p:val>
+                                        </p:tav>
+                                        <p:tav tm="100000">
+                                          <p:val>
+                                            <p:strVal val="#ppt_x"/>
+                                          </p:val>
+                                        </p:tav>
+                                      </p:tavLst>
+                                    </p:anim>
+                                    <p:anim calcmode="lin" valueType="num">
+                                      <p:cBhvr>
+                                        <p:cTn id="21" dur="1000" fill="hold"/>
+                                        <p:tgtEl>
+                                          <p:spTgt spid="5"/>
+                                        </p:tgtEl>
+                                        <p:attrNameLst>
+                                          <p:attrName>ppt_y</p:attrName>
+                                        </p:attrNameLst>
+                                      </p:cBhvr>
+                                      <p:tavLst>
+                                        <p:tav tm="0">
+                                          <p:val>
+                                            <p:strVal val="#ppt_y+.1"/>
+                                          </p:val>
+                                        </p:tav>
+                                        <p:tav tm="100000">
+                                          <p:val>
+                                            <p:strVal val="#ppt_y"/>
+                                          </p:val>
+                                        </p:tav>
+                                      </p:tavLst>
+                                    </p:anim>
                                   </p:childTnLst>
                                 </p:cTn>
                               </p:par>
-                            </p:childTnLst>
-                          </p:cTn>
-                        </p:par>
-                      </p:childTnLst>
-                    </p:cTn>
-                  </p:par>
-                  <p:par>
-                    <p:cTn id="20" fill="hold">
-                      <p:stCondLst>
-                        <p:cond delay="indefinite"/>
-                      </p:stCondLst>
-                      <p:childTnLst>
-                        <p:par>
-                          <p:cTn id="21" fill="hold">
-                            <p:stCondLst>
-                              <p:cond delay="0"/>
-                            </p:stCondLst>
-                            <p:childTnLst>
                               <p:par>
-                                <p:cTn id="22" presetID="10" presetClass="entr" presetSubtype="0" fill="hold" grpId="0" nodeType="clickEffect">
+                                <p:cTn id="22" presetID="42" presetClass="entr" presetSubtype="0" fill="hold" grpId="0" nodeType="withEffect">
                                   <p:stCondLst>
                                     <p:cond delay="0"/>
                                   </p:stCondLst>
@@ -15837,12 +16009,58 @@
                                     </p:set>
                                     <p:animEffect transition="in" filter="fade">
                                       <p:cBhvr>
-                                        <p:cTn id="24" dur="500"/>
+                                        <p:cTn id="24" dur="1000"/>
                                         <p:tgtEl>
                                           <p:spTgt spid="3"/>
                                         </p:tgtEl>
                                       </p:cBhvr>
                                     </p:animEffect>
+                                    <p:anim calcmode="lin" valueType="num">
+                                      <p:cBhvr>
+                                        <p:cTn id="25" dur="1000" fill="hold"/>
+                                        <p:tgtEl>
+                                          <p:spTgt spid="3"/>
+                                        </p:tgtEl>
+                                        <p:attrNameLst>
+                                          <p:attrName>ppt_x</p:attrName>
+                                        </p:attrNameLst>
+                                      </p:cBhvr>
+                                      <p:tavLst>
+                                        <p:tav tm="0">
+                                          <p:val>
+                                            <p:strVal val="#ppt_x"/>
+                                          </p:val>
+                                        </p:tav>
+                                        <p:tav tm="100000">
+                                          <p:val>
+                                            <p:strVal val="#ppt_x"/>
+                                          </p:val>
+                                        </p:tav>
+                                      </p:tavLst>
+                                    </p:anim>
+                                    <p:anim calcmode="lin" valueType="num">
+                                      <p:cBhvr>
+                                        <p:cTn id="26" dur="1000" fill="hold"/>
+                                        <p:tgtEl>
+                                          <p:spTgt spid="3"/>
+                                        </p:tgtEl>
+                                        <p:attrNameLst>
+                                          <p:attrName>ppt_y</p:attrName>
+                                        </p:attrNameLst>
+                                      </p:cBhvr>
+                                      <p:tavLst>
+                                        <p:tav tm="0">
+                                          <p:val>
+                                            <p:strVal val="#ppt_y+.1"/>
+                                          </p:val>
+                                        </p:tav>
+                                        <p:tav tm="100000">
+                                          <p:val>
+                                            <p:strVal val="#ppt_y"/>
+                                          </p:val>
+                                        </p:tav>
+                                      </p:tavLst>
+                                    </p:anim>
                                   </p:childTnLst>
                                 </p:cTn>
                               </p:par>
@@ -15960,11 +16178,6 @@
               </a:rPr>
               <a:t>Step 3: Serve the application</a:t>
             </a:r>
-            <a:endParaRPr lang="en-US" sz="3200" b="1" u="sng" dirty="0">
-              <a:solidFill>
-                <a:schemeClr val="accent4"/>
-              </a:solidFill>
-            </a:endParaRPr>
           </a:p>
         </p:txBody>
       </p:sp>
@@ -16341,7 +16554,7 @@
                             </p:stCondLst>
                             <p:childTnLst>
                               <p:par>
-                                <p:cTn id="12" presetID="10" presetClass="entr" presetSubtype="0" fill="hold" grpId="0" nodeType="clickEffect">
+                                <p:cTn id="12" presetID="42" presetClass="entr" presetSubtype="0" fill="hold" grpId="0" nodeType="clickEffect">
                                   <p:stCondLst>
                                     <p:cond delay="0"/>
                                   </p:stCondLst>
@@ -16366,35 +16579,63 @@
                                     </p:set>
                                     <p:animEffect transition="in" filter="fade">
                                       <p:cBhvr>
-                                        <p:cTn id="14" dur="500"/>
+                                        <p:cTn id="14" dur="1000"/>
                                         <p:tgtEl>
                                           <p:spTgt spid="2"/>
                                         </p:tgtEl>
                                       </p:cBhvr>
                                     </p:animEffect>
+                                    <p:anim calcmode="lin" valueType="num">
+                                      <p:cBhvr>
+                                        <p:cTn id="15" dur="1000" fill="hold"/>
+                                        <p:tgtEl>
+                                          <p:spTgt spid="2"/>
+                                        </p:tgtEl>
+                                        <p:attrNameLst>
+                                          <p:attrName>ppt_x</p:attrName>
+                                        </p:attrNameLst>
+                                      </p:cBhvr>
+                                      <p:tavLst>
+                                        <p:tav tm="0">
+                                          <p:val>
+                                            <p:strVal val="#ppt_x"/>
+                                          </p:val>
+                                        </p:tav>
+                                        <p:tav tm="100000">
+                                          <p:val>
+                                            <p:strVal val="#ppt_x"/>
+                                          </p:val>
+                                        </p:tav>
+                                      </p:tavLst>
+                                    </p:anim>
+                                    <p:anim calcmode="lin" valueType="num">
+                                      <p:cBhvr>
+                                        <p:cTn id="16" dur="1000" fill="hold"/>
+                                        <p:tgtEl>
+                                          <p:spTgt spid="2"/>
+                                        </p:tgtEl>
+                                        <p:attrNameLst>
+                                          <p:attrName>ppt_y</p:attrName>
+                                        </p:attrNameLst>
+                                      </p:cBhvr>
+                                      <p:tavLst>
+                                        <p:tav tm="0">
+                                          <p:val>
+                                            <p:strVal val="#ppt_y+.1"/>
+                                          </p:val>
+                                        </p:tav>
+                                        <p:tav tm="100000">
+                                          <p:val>
+                                            <p:strVal val="#ppt_y"/>
+                                          </p:val>
+                                        </p:tav>
+                                      </p:tavLst>
+                                    </p:anim>
                                   </p:childTnLst>
                                 </p:cTn>
                               </p:par>
-                            </p:childTnLst>
-                          </p:cTn>
-                        </p:par>
-                      </p:childTnLst>
-                    </p:cTn>
-                  </p:par>
-                  <p:par>
-                    <p:cTn id="15" fill="hold">
-                      <p:stCondLst>
-                        <p:cond delay="indefinite"/>
-                      </p:stCondLst>
-                      <p:childTnLst>
-                        <p:par>
-                          <p:cTn id="16" fill="hold">
-                            <p:stCondLst>
-                              <p:cond delay="0"/>
-                            </p:stCondLst>
-                            <p:childTnLst>
                               <p:par>
-                                <p:cTn id="17" presetID="10" presetClass="entr" presetSubtype="0" fill="hold" grpId="0" nodeType="clickEffect">
+                                <p:cTn id="17" presetID="42" presetClass="entr" presetSubtype="0" fill="hold" grpId="0" nodeType="withEffect">
                                   <p:stCondLst>
                                     <p:cond delay="0"/>
                                   </p:stCondLst>
@@ -16419,35 +16660,63 @@
                                     </p:set>
                                     <p:animEffect transition="in" filter="fade">
                                       <p:cBhvr>
-                                        <p:cTn id="19" dur="500"/>
+                                        <p:cTn id="19" dur="1000"/>
                                         <p:tgtEl>
                                           <p:spTgt spid="5"/>
                                         </p:tgtEl>
                                       </p:cBhvr>
                                     </p:animEffect>
+                                    <p:anim calcmode="lin" valueType="num">
+                                      <p:cBhvr>
+                                        <p:cTn id="20" dur="1000" fill="hold"/>
+                                        <p:tgtEl>
+                                          <p:spTgt spid="5"/>
+                                        </p:tgtEl>
+                                        <p:attrNameLst>
+                                          <p:attrName>ppt_x</p:attrName>
+                                        </p:attrNameLst>
+                                      </p:cBhvr>
+                                      <p:tavLst>
+                                        <p:tav tm="0">
+                                          <p:val>
+                                            <p:strVal val="#ppt_x"/>
+                                          </p:val>
+                                        </p:tav>
+                                        <p:tav tm="100000">
+                                          <p:val>
+                                            <p:strVal val="#ppt_x"/>
+                                          </p:val>
+                                        </p:tav>
+                                      </p:tavLst>
+                                    </p:anim>
+                                    <p:anim calcmode="lin" valueType="num">
+                                      <p:cBhvr>
+                                        <p:cTn id="21" dur="1000" fill="hold"/>
+                                        <p:tgtEl>
+                                          <p:spTgt spid="5"/>
+                                        </p:tgtEl>
+                                        <p:attrNameLst>
+                                          <p:attrName>ppt_y</p:attrName>
+                                        </p:attrNameLst>
+                                      </p:cBhvr>
+                                      <p:tavLst>
+                                        <p:tav tm="0">
+                                          <p:val>
+                                            <p:strVal val="#ppt_y+.1"/>
+                                          </p:val>
+                                        </p:tav>
+                                        <p:tav tm="100000">
+                                          <p:val>
+                                            <p:strVal val="#ppt_y"/>
+                                          </p:val>
+                                        </p:tav>
+                                      </p:tavLst>
+                                    </p:anim>
                                   </p:childTnLst>
                                 </p:cTn>
                               </p:par>
-                            </p:childTnLst>
-                          </p:cTn>
-                        </p:par>
-                      </p:childTnLst>
-                    </p:cTn>
-                  </p:par>
-                  <p:par>
-                    <p:cTn id="20" fill="hold">
-                      <p:stCondLst>
-                        <p:cond delay="indefinite"/>
-                      </p:stCondLst>
-                      <p:childTnLst>
-                        <p:par>
-                          <p:cTn id="21" fill="hold">
-                            <p:stCondLst>
-                              <p:cond delay="0"/>
-                            </p:stCondLst>
-                            <p:childTnLst>
                               <p:par>
-                                <p:cTn id="22" presetID="10" presetClass="entr" presetSubtype="0" fill="hold" grpId="0" nodeType="clickEffect">
+                                <p:cTn id="22" presetID="42" presetClass="entr" presetSubtype="0" fill="hold" grpId="0" nodeType="withEffect">
                                   <p:stCondLst>
                                     <p:cond delay="0"/>
                                   </p:stCondLst>
@@ -16472,12 +16741,58 @@
                                     </p:set>
                                     <p:animEffect transition="in" filter="fade">
                                       <p:cBhvr>
-                                        <p:cTn id="24" dur="500"/>
+                                        <p:cTn id="24" dur="1000"/>
                                         <p:tgtEl>
                                           <p:spTgt spid="4"/>
                                         </p:tgtEl>
                                       </p:cBhvr>
                                     </p:animEffect>
+                                    <p:anim calcmode="lin" valueType="num">
+                                      <p:cBhvr>
+                                        <p:cTn id="25" dur="1000" fill="hold"/>
+                                        <p:tgtEl>
+                                          <p:spTgt spid="4"/>
+                                        </p:tgtEl>
+                                        <p:attrNameLst>
+                                          <p:attrName>ppt_x</p:attrName>
+                                        </p:attrNameLst>
+                                      </p:cBhvr>
+                                      <p:tavLst>
+                                        <p:tav tm="0">
+                                          <p:val>
+                                            <p:strVal val="#ppt_x"/>
+                                          </p:val>
+                                        </p:tav>
+                                        <p:tav tm="100000">
+                                          <p:val>
+                                            <p:strVal val="#ppt_x"/>
+                                          </p:val>
+                                        </p:tav>
+                                      </p:tavLst>
+                                    </p:anim>
+                                    <p:anim calcmode="lin" valueType="num">
+                                      <p:cBhvr>
+                                        <p:cTn id="26" dur="1000" fill="hold"/>
+                                        <p:tgtEl>
+                                          <p:spTgt spid="4"/>
+                                        </p:tgtEl>
+                                        <p:attrNameLst>
+                                          <p:attrName>ppt_y</p:attrName>
+                                        </p:attrNameLst>
+                                      </p:cBhvr>
+                                      <p:tavLst>
+                                        <p:tav tm="0">
+                                          <p:val>
+                                            <p:strVal val="#ppt_y+.1"/>
+                                          </p:val>
+                                        </p:tav>
+                                        <p:tav tm="100000">
+                                          <p:val>
+                                            <p:strVal val="#ppt_y"/>
+                                          </p:val>
+                                        </p:tav>
+                                      </p:tavLst>
+                                    </p:anim>
                                   </p:childTnLst>
                                 </p:cTn>
                               </p:par>
@@ -16513,6 +16828,4189 @@
       <p:bldP spid="2" grpId="0"/>
       <p:bldP spid="5" grpId="0" animBg="1"/>
       <p:bldP spid="4" grpId="0"/>
+    </p:bldLst>
+  </p:timing>
+</p:sld>
+</file>
+
+<file path=ppt/slides/slide6.xml><?xml version="1.0" encoding="utf-8"?>
+<p:sld xmlns:a="http://schemas.openxmlformats.org/drawingml/2006/main" xmlns:r="http://schemas.openxmlformats.org/officeDocument/2006/relationships" xmlns:p="http://schemas.openxmlformats.org/presentationml/2006/main">
+  <p:cSld>
+    <p:spTree>
+      <p:nvGrpSpPr>
+        <p:cNvPr id="1" name=""/>
+        <p:cNvGrpSpPr/>
+        <p:nvPr/>
+      </p:nvGrpSpPr>
+      <p:grpSpPr>
+        <a:xfrm>
+          <a:off x="0" y="0"/>
+          <a:ext cx="0" cy="0"/>
+          <a:chOff x="0" y="0"/>
+          <a:chExt cx="0" cy="0"/>
+        </a:xfrm>
+      </p:grpSpPr>
+      <p:pic>
+        <p:nvPicPr>
+          <p:cNvPr id="6" name="Picture 5"/>
+          <p:cNvPicPr>
+            <a:picLocks noChangeAspect="1"/>
+          </p:cNvPicPr>
+          <p:nvPr/>
+        </p:nvPicPr>
+        <p:blipFill>
+          <a:blip r:embed="rId2">
+            <a:extLst>
+              <a:ext uri="{28A0092B-C50C-407E-A947-70E740481C1C}">
+                <a14:useLocalDpi xmlns:a14="http://schemas.microsoft.com/office/drawing/2010/main" val="0"/>
+              </a:ext>
+            </a:extLst>
+          </a:blip>
+          <a:stretch>
+            <a:fillRect/>
+          </a:stretch>
+        </p:blipFill>
+        <p:spPr>
+          <a:xfrm>
+            <a:off x="10148454" y="41565"/>
+            <a:ext cx="1263536" cy="1263536"/>
+          </a:xfrm>
+          <a:prstGeom prst="rect">
+            <a:avLst/>
+          </a:prstGeom>
+        </p:spPr>
+      </p:pic>
+      <p:sp>
+        <p:nvSpPr>
+          <p:cNvPr id="22" name="TextBox 21"/>
+          <p:cNvSpPr txBox="1"/>
+          <p:nvPr/>
+        </p:nvSpPr>
+        <p:spPr>
+          <a:xfrm>
+            <a:off x="825594" y="673333"/>
+            <a:ext cx="3518912" cy="584775"/>
+          </a:xfrm>
+          <a:prstGeom prst="rect">
+            <a:avLst/>
+          </a:prstGeom>
+          <a:noFill/>
+        </p:spPr>
+        <p:txBody>
+          <a:bodyPr wrap="none" rtlCol="0">
+            <a:spAutoFit/>
+          </a:bodyPr>
+          <a:lstStyle/>
+          <a:p>
+            <a:r>
+              <a:rPr lang="en-US" sz="3200" b="1" u="sng" dirty="0">
+                <a:solidFill>
+                  <a:schemeClr val="accent4"/>
+                </a:solidFill>
+              </a:rPr>
+              <a:t>What Is Angular?</a:t>
+            </a:r>
+            <a:endParaRPr lang="en-US" sz="3200" b="1" u="sng" dirty="0">
+              <a:solidFill>
+                <a:schemeClr val="accent4"/>
+              </a:solidFill>
+            </a:endParaRPr>
+          </a:p>
+        </p:txBody>
+      </p:sp>
+      <p:sp>
+        <p:nvSpPr>
+          <p:cNvPr id="2" name="TextBox 1"/>
+          <p:cNvSpPr txBox="1"/>
+          <p:nvPr/>
+        </p:nvSpPr>
+        <p:spPr>
+          <a:xfrm>
+            <a:off x="1205347" y="1720734"/>
+            <a:ext cx="9925396" cy="2585323"/>
+          </a:xfrm>
+          <a:prstGeom prst="rect">
+            <a:avLst/>
+          </a:prstGeom>
+          <a:noFill/>
+        </p:spPr>
+        <p:txBody>
+          <a:bodyPr wrap="square" rtlCol="0">
+            <a:spAutoFit/>
+          </a:bodyPr>
+          <a:lstStyle/>
+          <a:p>
+            <a:pPr marL="285750" indent="-285750">
+              <a:lnSpc>
+                <a:spcPct val="200000"/>
+              </a:lnSpc>
+              <a:buFont typeface="Arial" panose="020B0604020202020204" pitchFamily="34" charset="0"/>
+              <a:buChar char="•"/>
+            </a:pPr>
+            <a:r>
+              <a:rPr lang="en-US" dirty="0">
+                <a:solidFill>
+                  <a:schemeClr val="bg1"/>
+                </a:solidFill>
+              </a:rPr>
+              <a:t>Angular is a framework for dynamic web </a:t>
+            </a:r>
+            <a:r>
+              <a:rPr lang="en-US" dirty="0" smtClean="0">
+                <a:solidFill>
+                  <a:schemeClr val="bg1"/>
+                </a:solidFill>
+              </a:rPr>
+              <a:t>applications.</a:t>
+            </a:r>
+          </a:p>
+          <a:p>
+            <a:pPr marL="285750" indent="-285750">
+              <a:lnSpc>
+                <a:spcPct val="150000"/>
+              </a:lnSpc>
+              <a:buFont typeface="Arial" panose="020B0604020202020204" pitchFamily="34" charset="0"/>
+              <a:buChar char="•"/>
+            </a:pPr>
+            <a:r>
+              <a:rPr lang="en-US" dirty="0">
+                <a:solidFill>
+                  <a:schemeClr val="bg1"/>
+                </a:solidFill>
+              </a:rPr>
+              <a:t>Provides a way to organize your HTML, JavaScript, and CSS to keep your front-end code clean</a:t>
+            </a:r>
+            <a:r>
+              <a:rPr lang="en-US" dirty="0" smtClean="0">
+                <a:solidFill>
+                  <a:schemeClr val="bg1"/>
+                </a:solidFill>
+              </a:rPr>
+              <a:t>.</a:t>
+            </a:r>
+          </a:p>
+          <a:p>
+            <a:pPr marL="285750" indent="-285750">
+              <a:lnSpc>
+                <a:spcPct val="200000"/>
+              </a:lnSpc>
+              <a:buFont typeface="Arial" panose="020B0604020202020204" pitchFamily="34" charset="0"/>
+              <a:buChar char="•"/>
+            </a:pPr>
+            <a:r>
+              <a:rPr lang="en-US" dirty="0">
+                <a:solidFill>
+                  <a:schemeClr val="bg1"/>
+                </a:solidFill>
+              </a:rPr>
+              <a:t>Released in 2011</a:t>
+            </a:r>
+            <a:r>
+              <a:rPr lang="en-US" dirty="0" smtClean="0">
+                <a:solidFill>
+                  <a:schemeClr val="bg1"/>
+                </a:solidFill>
+              </a:rPr>
+              <a:t>.</a:t>
+            </a:r>
+          </a:p>
+          <a:p>
+            <a:pPr marL="285750" indent="-285750">
+              <a:lnSpc>
+                <a:spcPct val="200000"/>
+              </a:lnSpc>
+              <a:buFont typeface="Arial" panose="020B0604020202020204" pitchFamily="34" charset="0"/>
+              <a:buChar char="•"/>
+            </a:pPr>
+            <a:r>
+              <a:rPr lang="en-US" dirty="0" smtClean="0">
+                <a:solidFill>
+                  <a:schemeClr val="bg1"/>
+                </a:solidFill>
+              </a:rPr>
+              <a:t>Mainly maintained by Google with the help of the open </a:t>
+            </a:r>
+            <a:r>
+              <a:rPr lang="en-US" dirty="0">
+                <a:solidFill>
+                  <a:schemeClr val="bg1"/>
+                </a:solidFill>
+              </a:rPr>
+              <a:t>source community.</a:t>
+            </a:r>
+            <a:endParaRPr lang="en-US" dirty="0" smtClean="0">
+              <a:solidFill>
+                <a:schemeClr val="bg1"/>
+              </a:solidFill>
+            </a:endParaRPr>
+          </a:p>
+        </p:txBody>
+      </p:sp>
+      <p:pic>
+        <p:nvPicPr>
+          <p:cNvPr id="7" name="Picture 6"/>
+          <p:cNvPicPr>
+            <a:picLocks noChangeAspect="1"/>
+          </p:cNvPicPr>
+          <p:nvPr/>
+        </p:nvPicPr>
+        <p:blipFill>
+          <a:blip r:embed="rId3"/>
+          <a:stretch>
+            <a:fillRect/>
+          </a:stretch>
+        </p:blipFill>
+        <p:spPr>
+          <a:xfrm>
+            <a:off x="8441835" y="1341531"/>
+            <a:ext cx="2688908" cy="852392"/>
+          </a:xfrm>
+          <a:prstGeom prst="rect">
+            <a:avLst/>
+          </a:prstGeom>
+        </p:spPr>
+      </p:pic>
+    </p:spTree>
+    <p:extLst>
+      <p:ext uri="{BB962C8B-B14F-4D97-AF65-F5344CB8AC3E}">
+        <p14:creationId xmlns:p14="http://schemas.microsoft.com/office/powerpoint/2010/main" val="4033146728"/>
+      </p:ext>
+    </p:extLst>
+  </p:cSld>
+  <p:clrMapOvr>
+    <a:masterClrMapping/>
+  </p:clrMapOvr>
+  <p:timing>
+    <p:tnLst>
+      <p:par>
+        <p:cTn id="1" dur="indefinite" restart="never" nodeType="tmRoot">
+          <p:childTnLst>
+            <p:seq concurrent="1" nextAc="seek">
+              <p:cTn id="2" dur="indefinite" nodeType="mainSeq">
+                <p:childTnLst>
+                  <p:par>
+                    <p:cTn id="3" fill="hold">
+                      <p:stCondLst>
+                        <p:cond delay="indefinite"/>
+                      </p:stCondLst>
+                      <p:childTnLst>
+                        <p:par>
+                          <p:cTn id="4" fill="hold">
+                            <p:stCondLst>
+                              <p:cond delay="0"/>
+                            </p:stCondLst>
+                            <p:childTnLst>
+                              <p:par>
+                                <p:cTn id="5" presetID="42" presetClass="entr" presetSubtype="0" fill="hold" grpId="0" nodeType="clickEffect">
+                                  <p:stCondLst>
+                                    <p:cond delay="0"/>
+                                  </p:stCondLst>
+                                  <p:childTnLst>
+                                    <p:set>
+                                      <p:cBhvr>
+                                        <p:cTn id="6" dur="1" fill="hold">
+                                          <p:stCondLst>
+                                            <p:cond delay="0"/>
+                                          </p:stCondLst>
+                                        </p:cTn>
+                                        <p:tgtEl>
+                                          <p:spTgt spid="22"/>
+                                        </p:tgtEl>
+                                        <p:attrNameLst>
+                                          <p:attrName>style.visibility</p:attrName>
+                                        </p:attrNameLst>
+                                      </p:cBhvr>
+                                      <p:to>
+                                        <p:strVal val="visible"/>
+                                      </p:to>
+                                    </p:set>
+                                    <p:animEffect transition="in" filter="fade">
+                                      <p:cBhvr>
+                                        <p:cTn id="7" dur="1000"/>
+                                        <p:tgtEl>
+                                          <p:spTgt spid="22"/>
+                                        </p:tgtEl>
+                                      </p:cBhvr>
+                                    </p:animEffect>
+                                    <p:anim calcmode="lin" valueType="num">
+                                      <p:cBhvr>
+                                        <p:cTn id="8" dur="1000" fill="hold"/>
+                                        <p:tgtEl>
+                                          <p:spTgt spid="22"/>
+                                        </p:tgtEl>
+                                        <p:attrNameLst>
+                                          <p:attrName>ppt_x</p:attrName>
+                                        </p:attrNameLst>
+                                      </p:cBhvr>
+                                      <p:tavLst>
+                                        <p:tav tm="0">
+                                          <p:val>
+                                            <p:strVal val="#ppt_x"/>
+                                          </p:val>
+                                        </p:tav>
+                                        <p:tav tm="100000">
+                                          <p:val>
+                                            <p:strVal val="#ppt_x"/>
+                                          </p:val>
+                                        </p:tav>
+                                      </p:tavLst>
+                                    </p:anim>
+                                    <p:anim calcmode="lin" valueType="num">
+                                      <p:cBhvr>
+                                        <p:cTn id="9" dur="1000" fill="hold"/>
+                                        <p:tgtEl>
+                                          <p:spTgt spid="22"/>
+                                        </p:tgtEl>
+                                        <p:attrNameLst>
+                                          <p:attrName>ppt_y</p:attrName>
+                                        </p:attrNameLst>
+                                      </p:cBhvr>
+                                      <p:tavLst>
+                                        <p:tav tm="0">
+                                          <p:val>
+                                            <p:strVal val="#ppt_y+.1"/>
+                                          </p:val>
+                                        </p:tav>
+                                        <p:tav tm="100000">
+                                          <p:val>
+                                            <p:strVal val="#ppt_y"/>
+                                          </p:val>
+                                        </p:tav>
+                                      </p:tavLst>
+                                    </p:anim>
+                                  </p:childTnLst>
+                                </p:cTn>
+                              </p:par>
+                            </p:childTnLst>
+                          </p:cTn>
+                        </p:par>
+                      </p:childTnLst>
+                    </p:cTn>
+                  </p:par>
+                  <p:par>
+                    <p:cTn id="10" fill="hold">
+                      <p:stCondLst>
+                        <p:cond delay="indefinite"/>
+                      </p:stCondLst>
+                      <p:childTnLst>
+                        <p:par>
+                          <p:cTn id="11" fill="hold">
+                            <p:stCondLst>
+                              <p:cond delay="0"/>
+                            </p:stCondLst>
+                            <p:childTnLst>
+                              <p:par>
+                                <p:cTn id="12" presetID="42" presetClass="entr" presetSubtype="0" fill="hold" grpId="0" nodeType="clickEffect">
+                                  <p:stCondLst>
+                                    <p:cond delay="0"/>
+                                  </p:stCondLst>
+                                  <p:childTnLst>
+                                    <p:set>
+                                      <p:cBhvr>
+                                        <p:cTn id="13" dur="1" fill="hold">
+                                          <p:stCondLst>
+                                            <p:cond delay="0"/>
+                                          </p:stCondLst>
+                                        </p:cTn>
+                                        <p:tgtEl>
+                                          <p:spTgt spid="2"/>
+                                        </p:tgtEl>
+                                        <p:attrNameLst>
+                                          <p:attrName>style.visibility</p:attrName>
+                                        </p:attrNameLst>
+                                      </p:cBhvr>
+                                      <p:to>
+                                        <p:strVal val="visible"/>
+                                      </p:to>
+                                    </p:set>
+                                    <p:animEffect transition="in" filter="fade">
+                                      <p:cBhvr>
+                                        <p:cTn id="14" dur="1000"/>
+                                        <p:tgtEl>
+                                          <p:spTgt spid="2"/>
+                                        </p:tgtEl>
+                                      </p:cBhvr>
+                                    </p:animEffect>
+                                    <p:anim calcmode="lin" valueType="num">
+                                      <p:cBhvr>
+                                        <p:cTn id="15" dur="1000" fill="hold"/>
+                                        <p:tgtEl>
+                                          <p:spTgt spid="2"/>
+                                        </p:tgtEl>
+                                        <p:attrNameLst>
+                                          <p:attrName>ppt_x</p:attrName>
+                                        </p:attrNameLst>
+                                      </p:cBhvr>
+                                      <p:tavLst>
+                                        <p:tav tm="0">
+                                          <p:val>
+                                            <p:strVal val="#ppt_x"/>
+                                          </p:val>
+                                        </p:tav>
+                                        <p:tav tm="100000">
+                                          <p:val>
+                                            <p:strVal val="#ppt_x"/>
+                                          </p:val>
+                                        </p:tav>
+                                      </p:tavLst>
+                                    </p:anim>
+                                    <p:anim calcmode="lin" valueType="num">
+                                      <p:cBhvr>
+                                        <p:cTn id="16" dur="1000" fill="hold"/>
+                                        <p:tgtEl>
+                                          <p:spTgt spid="2"/>
+                                        </p:tgtEl>
+                                        <p:attrNameLst>
+                                          <p:attrName>ppt_y</p:attrName>
+                                        </p:attrNameLst>
+                                      </p:cBhvr>
+                                      <p:tavLst>
+                                        <p:tav tm="0">
+                                          <p:val>
+                                            <p:strVal val="#ppt_y+.1"/>
+                                          </p:val>
+                                        </p:tav>
+                                        <p:tav tm="100000">
+                                          <p:val>
+                                            <p:strVal val="#ppt_y"/>
+                                          </p:val>
+                                        </p:tav>
+                                      </p:tavLst>
+                                    </p:anim>
+                                  </p:childTnLst>
+                                </p:cTn>
+                              </p:par>
+                              <p:par>
+                                <p:cTn id="17" presetID="42" presetClass="entr" presetSubtype="0" fill="hold" nodeType="withEffect">
+                                  <p:stCondLst>
+                                    <p:cond delay="0"/>
+                                  </p:stCondLst>
+                                  <p:childTnLst>
+                                    <p:set>
+                                      <p:cBhvr>
+                                        <p:cTn id="18" dur="1" fill="hold">
+                                          <p:stCondLst>
+                                            <p:cond delay="0"/>
+                                          </p:stCondLst>
+                                        </p:cTn>
+                                        <p:tgtEl>
+                                          <p:spTgt spid="7"/>
+                                        </p:tgtEl>
+                                        <p:attrNameLst>
+                                          <p:attrName>style.visibility</p:attrName>
+                                        </p:attrNameLst>
+                                      </p:cBhvr>
+                                      <p:to>
+                                        <p:strVal val="visible"/>
+                                      </p:to>
+                                    </p:set>
+                                    <p:animEffect transition="in" filter="fade">
+                                      <p:cBhvr>
+                                        <p:cTn id="19" dur="1000"/>
+                                        <p:tgtEl>
+                                          <p:spTgt spid="7"/>
+                                        </p:tgtEl>
+                                      </p:cBhvr>
+                                    </p:animEffect>
+                                    <p:anim calcmode="lin" valueType="num">
+                                      <p:cBhvr>
+                                        <p:cTn id="20" dur="1000" fill="hold"/>
+                                        <p:tgtEl>
+                                          <p:spTgt spid="7"/>
+                                        </p:tgtEl>
+                                        <p:attrNameLst>
+                                          <p:attrName>ppt_x</p:attrName>
+                                        </p:attrNameLst>
+                                      </p:cBhvr>
+                                      <p:tavLst>
+                                        <p:tav tm="0">
+                                          <p:val>
+                                            <p:strVal val="#ppt_x"/>
+                                          </p:val>
+                                        </p:tav>
+                                        <p:tav tm="100000">
+                                          <p:val>
+                                            <p:strVal val="#ppt_x"/>
+                                          </p:val>
+                                        </p:tav>
+                                      </p:tavLst>
+                                    </p:anim>
+                                    <p:anim calcmode="lin" valueType="num">
+                                      <p:cBhvr>
+                                        <p:cTn id="21" dur="1000" fill="hold"/>
+                                        <p:tgtEl>
+                                          <p:spTgt spid="7"/>
+                                        </p:tgtEl>
+                                        <p:attrNameLst>
+                                          <p:attrName>ppt_y</p:attrName>
+                                        </p:attrNameLst>
+                                      </p:cBhvr>
+                                      <p:tavLst>
+                                        <p:tav tm="0">
+                                          <p:val>
+                                            <p:strVal val="#ppt_y+.1"/>
+                                          </p:val>
+                                        </p:tav>
+                                        <p:tav tm="100000">
+                                          <p:val>
+                                            <p:strVal val="#ppt_y"/>
+                                          </p:val>
+                                        </p:tav>
+                                      </p:tavLst>
+                                    </p:anim>
+                                  </p:childTnLst>
+                                </p:cTn>
+                              </p:par>
+                            </p:childTnLst>
+                          </p:cTn>
+                        </p:par>
+                      </p:childTnLst>
+                    </p:cTn>
+                  </p:par>
+                </p:childTnLst>
+              </p:cTn>
+              <p:prevCondLst>
+                <p:cond evt="onPrev" delay="0">
+                  <p:tgtEl>
+                    <p:sldTgt/>
+                  </p:tgtEl>
+                </p:cond>
+              </p:prevCondLst>
+              <p:nextCondLst>
+                <p:cond evt="onNext" delay="0">
+                  <p:tgtEl>
+                    <p:sldTgt/>
+                  </p:tgtEl>
+                </p:cond>
+              </p:nextCondLst>
+            </p:seq>
+          </p:childTnLst>
+        </p:cTn>
+      </p:par>
+    </p:tnLst>
+    <p:bldLst>
+      <p:bldP spid="22" grpId="0"/>
+      <p:bldP spid="2" grpId="0"/>
+    </p:bldLst>
+  </p:timing>
+</p:sld>
+</file>
+
+<file path=ppt/slides/slide7.xml><?xml version="1.0" encoding="utf-8"?>
+<p:sld xmlns:a="http://schemas.openxmlformats.org/drawingml/2006/main" xmlns:r="http://schemas.openxmlformats.org/officeDocument/2006/relationships" xmlns:p="http://schemas.openxmlformats.org/presentationml/2006/main">
+  <p:cSld>
+    <p:spTree>
+      <p:nvGrpSpPr>
+        <p:cNvPr id="1" name=""/>
+        <p:cNvGrpSpPr/>
+        <p:nvPr/>
+      </p:nvGrpSpPr>
+      <p:grpSpPr>
+        <a:xfrm>
+          <a:off x="0" y="0"/>
+          <a:ext cx="0" cy="0"/>
+          <a:chOff x="0" y="0"/>
+          <a:chExt cx="0" cy="0"/>
+        </a:xfrm>
+      </p:grpSpPr>
+      <p:pic>
+        <p:nvPicPr>
+          <p:cNvPr id="6" name="Picture 5"/>
+          <p:cNvPicPr>
+            <a:picLocks noChangeAspect="1"/>
+          </p:cNvPicPr>
+          <p:nvPr/>
+        </p:nvPicPr>
+        <p:blipFill>
+          <a:blip r:embed="rId2">
+            <a:extLst>
+              <a:ext uri="{28A0092B-C50C-407E-A947-70E740481C1C}">
+                <a14:useLocalDpi xmlns:a14="http://schemas.microsoft.com/office/drawing/2010/main" val="0"/>
+              </a:ext>
+            </a:extLst>
+          </a:blip>
+          <a:stretch>
+            <a:fillRect/>
+          </a:stretch>
+        </p:blipFill>
+        <p:spPr>
+          <a:xfrm>
+            <a:off x="10148454" y="41565"/>
+            <a:ext cx="1263536" cy="1263536"/>
+          </a:xfrm>
+          <a:prstGeom prst="rect">
+            <a:avLst/>
+          </a:prstGeom>
+        </p:spPr>
+      </p:pic>
+      <p:sp>
+        <p:nvSpPr>
+          <p:cNvPr id="22" name="TextBox 21"/>
+          <p:cNvSpPr txBox="1"/>
+          <p:nvPr/>
+        </p:nvSpPr>
+        <p:spPr>
+          <a:xfrm>
+            <a:off x="825594" y="673333"/>
+            <a:ext cx="5859296" cy="584775"/>
+          </a:xfrm>
+          <a:prstGeom prst="rect">
+            <a:avLst/>
+          </a:prstGeom>
+          <a:noFill/>
+        </p:spPr>
+        <p:txBody>
+          <a:bodyPr wrap="none" rtlCol="0">
+            <a:spAutoFit/>
+          </a:bodyPr>
+          <a:lstStyle/>
+          <a:p>
+            <a:r>
+              <a:rPr lang="en-US" sz="3200" b="1" u="sng" dirty="0">
+                <a:solidFill>
+                  <a:schemeClr val="accent4"/>
+                </a:solidFill>
+              </a:rPr>
+              <a:t>What Will This Course Cover?</a:t>
+            </a:r>
+            <a:endParaRPr lang="en-US" sz="3200" b="1" u="sng" dirty="0">
+              <a:solidFill>
+                <a:schemeClr val="accent4"/>
+              </a:solidFill>
+            </a:endParaRPr>
+          </a:p>
+        </p:txBody>
+      </p:sp>
+      <p:sp>
+        <p:nvSpPr>
+          <p:cNvPr id="3" name="TextBox 2"/>
+          <p:cNvSpPr txBox="1"/>
+          <p:nvPr/>
+        </p:nvSpPr>
+        <p:spPr>
+          <a:xfrm>
+            <a:off x="1014153" y="1496291"/>
+            <a:ext cx="870751" cy="338554"/>
+          </a:xfrm>
+          <a:prstGeom prst="rect">
+            <a:avLst/>
+          </a:prstGeom>
+          <a:noFill/>
+        </p:spPr>
+        <p:txBody>
+          <a:bodyPr wrap="none" rtlCol="0">
+            <a:spAutoFit/>
+          </a:bodyPr>
+          <a:lstStyle/>
+          <a:p>
+            <a:r>
+              <a:rPr lang="en-US" sz="1600" dirty="0">
+                <a:solidFill>
+                  <a:schemeClr val="bg1"/>
+                </a:solidFill>
+              </a:rPr>
+              <a:t>Level 1</a:t>
+            </a:r>
+            <a:endParaRPr lang="en-US" sz="1600" dirty="0">
+              <a:solidFill>
+                <a:schemeClr val="bg1"/>
+              </a:solidFill>
+            </a:endParaRPr>
+          </a:p>
+        </p:txBody>
+      </p:sp>
+      <p:sp>
+        <p:nvSpPr>
+          <p:cNvPr id="4" name="TextBox 3"/>
+          <p:cNvSpPr txBox="1"/>
+          <p:nvPr/>
+        </p:nvSpPr>
+        <p:spPr>
+          <a:xfrm>
+            <a:off x="1449528" y="1888362"/>
+            <a:ext cx="2492990" cy="369332"/>
+          </a:xfrm>
+          <a:prstGeom prst="rect">
+            <a:avLst/>
+          </a:prstGeom>
+          <a:noFill/>
+        </p:spPr>
+        <p:txBody>
+          <a:bodyPr wrap="none" rtlCol="0">
+            <a:spAutoFit/>
+          </a:bodyPr>
+          <a:lstStyle/>
+          <a:p>
+            <a:r>
+              <a:rPr lang="en-US" b="1" dirty="0">
+                <a:solidFill>
+                  <a:schemeClr val="bg1"/>
+                </a:solidFill>
+              </a:rPr>
+              <a:t>Our First Component</a:t>
+            </a:r>
+          </a:p>
+        </p:txBody>
+      </p:sp>
+      <p:sp>
+        <p:nvSpPr>
+          <p:cNvPr id="5" name="TextBox 4"/>
+          <p:cNvSpPr txBox="1"/>
+          <p:nvPr/>
+        </p:nvSpPr>
+        <p:spPr>
+          <a:xfrm>
+            <a:off x="1014153" y="2394338"/>
+            <a:ext cx="870751" cy="338554"/>
+          </a:xfrm>
+          <a:prstGeom prst="rect">
+            <a:avLst/>
+          </a:prstGeom>
+          <a:noFill/>
+        </p:spPr>
+        <p:txBody>
+          <a:bodyPr wrap="none" rtlCol="0">
+            <a:spAutoFit/>
+          </a:bodyPr>
+          <a:lstStyle/>
+          <a:p>
+            <a:r>
+              <a:rPr lang="en-US" sz="1600" dirty="0">
+                <a:solidFill>
+                  <a:schemeClr val="bg1"/>
+                </a:solidFill>
+              </a:rPr>
+              <a:t>Level 2</a:t>
+            </a:r>
+          </a:p>
+        </p:txBody>
+      </p:sp>
+      <p:sp>
+        <p:nvSpPr>
+          <p:cNvPr id="8" name="TextBox 7"/>
+          <p:cNvSpPr txBox="1"/>
+          <p:nvPr/>
+        </p:nvSpPr>
+        <p:spPr>
+          <a:xfrm>
+            <a:off x="1449528" y="2817187"/>
+            <a:ext cx="4366901" cy="369332"/>
+          </a:xfrm>
+          <a:prstGeom prst="rect">
+            <a:avLst/>
+          </a:prstGeom>
+          <a:noFill/>
+        </p:spPr>
+        <p:txBody>
+          <a:bodyPr wrap="none" rtlCol="0">
+            <a:spAutoFit/>
+          </a:bodyPr>
+          <a:lstStyle/>
+          <a:p>
+            <a:r>
+              <a:rPr lang="en-US" b="1" dirty="0">
+                <a:solidFill>
+                  <a:schemeClr val="bg1"/>
+                </a:solidFill>
+              </a:rPr>
+              <a:t>Structural Directives, Pipes &amp; Methods</a:t>
+            </a:r>
+          </a:p>
+        </p:txBody>
+      </p:sp>
+      <p:sp>
+        <p:nvSpPr>
+          <p:cNvPr id="10" name="TextBox 9"/>
+          <p:cNvSpPr txBox="1"/>
+          <p:nvPr/>
+        </p:nvSpPr>
+        <p:spPr>
+          <a:xfrm>
+            <a:off x="1014153" y="3408003"/>
+            <a:ext cx="870751" cy="338554"/>
+          </a:xfrm>
+          <a:prstGeom prst="rect">
+            <a:avLst/>
+          </a:prstGeom>
+          <a:noFill/>
+        </p:spPr>
+        <p:txBody>
+          <a:bodyPr wrap="none" rtlCol="0">
+            <a:spAutoFit/>
+          </a:bodyPr>
+          <a:lstStyle/>
+          <a:p>
+            <a:r>
+              <a:rPr lang="en-US" sz="1600" dirty="0">
+                <a:solidFill>
+                  <a:schemeClr val="bg1"/>
+                </a:solidFill>
+              </a:rPr>
+              <a:t>Level </a:t>
+            </a:r>
+            <a:r>
+              <a:rPr lang="en-US" sz="1600" dirty="0" smtClean="0">
+                <a:solidFill>
+                  <a:schemeClr val="bg1"/>
+                </a:solidFill>
+              </a:rPr>
+              <a:t>3</a:t>
+            </a:r>
+            <a:endParaRPr lang="en-US" sz="1600" dirty="0">
+              <a:solidFill>
+                <a:schemeClr val="bg1"/>
+              </a:solidFill>
+            </a:endParaRPr>
+          </a:p>
+        </p:txBody>
+      </p:sp>
+      <p:sp>
+        <p:nvSpPr>
+          <p:cNvPr id="11" name="TextBox 10"/>
+          <p:cNvSpPr txBox="1"/>
+          <p:nvPr/>
+        </p:nvSpPr>
+        <p:spPr>
+          <a:xfrm>
+            <a:off x="1449528" y="3816773"/>
+            <a:ext cx="1611339" cy="369332"/>
+          </a:xfrm>
+          <a:prstGeom prst="rect">
+            <a:avLst/>
+          </a:prstGeom>
+          <a:noFill/>
+        </p:spPr>
+        <p:txBody>
+          <a:bodyPr wrap="none" rtlCol="0">
+            <a:spAutoFit/>
+          </a:bodyPr>
+          <a:lstStyle/>
+          <a:p>
+            <a:r>
+              <a:rPr lang="en-US" b="1" dirty="0">
+                <a:solidFill>
+                  <a:schemeClr val="bg1"/>
+                </a:solidFill>
+              </a:rPr>
+              <a:t>Data Binding</a:t>
+            </a:r>
+          </a:p>
+        </p:txBody>
+      </p:sp>
+      <p:sp>
+        <p:nvSpPr>
+          <p:cNvPr id="12" name="TextBox 11"/>
+          <p:cNvSpPr txBox="1"/>
+          <p:nvPr/>
+        </p:nvSpPr>
+        <p:spPr>
+          <a:xfrm>
+            <a:off x="1014153" y="4421668"/>
+            <a:ext cx="870751" cy="338554"/>
+          </a:xfrm>
+          <a:prstGeom prst="rect">
+            <a:avLst/>
+          </a:prstGeom>
+          <a:noFill/>
+        </p:spPr>
+        <p:txBody>
+          <a:bodyPr wrap="none" rtlCol="0">
+            <a:spAutoFit/>
+          </a:bodyPr>
+          <a:lstStyle/>
+          <a:p>
+            <a:r>
+              <a:rPr lang="en-US" sz="1600" dirty="0">
+                <a:solidFill>
+                  <a:schemeClr val="bg1"/>
+                </a:solidFill>
+              </a:rPr>
+              <a:t>Level 4</a:t>
+            </a:r>
+          </a:p>
+        </p:txBody>
+      </p:sp>
+      <p:sp>
+        <p:nvSpPr>
+          <p:cNvPr id="13" name="TextBox 12"/>
+          <p:cNvSpPr txBox="1"/>
+          <p:nvPr/>
+        </p:nvSpPr>
+        <p:spPr>
+          <a:xfrm>
+            <a:off x="1449528" y="4861216"/>
+            <a:ext cx="1872629" cy="369332"/>
+          </a:xfrm>
+          <a:prstGeom prst="rect">
+            <a:avLst/>
+          </a:prstGeom>
+          <a:noFill/>
+        </p:spPr>
+        <p:txBody>
+          <a:bodyPr wrap="none" rtlCol="0">
+            <a:spAutoFit/>
+          </a:bodyPr>
+          <a:lstStyle/>
+          <a:p>
+            <a:r>
+              <a:rPr lang="en-US" b="1" dirty="0">
+                <a:solidFill>
+                  <a:schemeClr val="bg1"/>
+                </a:solidFill>
+              </a:rPr>
+              <a:t>Services &amp; HTTP</a:t>
+            </a:r>
+          </a:p>
+        </p:txBody>
+      </p:sp>
+    </p:spTree>
+    <p:extLst>
+      <p:ext uri="{BB962C8B-B14F-4D97-AF65-F5344CB8AC3E}">
+        <p14:creationId xmlns:p14="http://schemas.microsoft.com/office/powerpoint/2010/main" val="3590609933"/>
+      </p:ext>
+    </p:extLst>
+  </p:cSld>
+  <p:clrMapOvr>
+    <a:masterClrMapping/>
+  </p:clrMapOvr>
+  <p:timing>
+    <p:tnLst>
+      <p:par>
+        <p:cTn id="1" dur="indefinite" restart="never" nodeType="tmRoot">
+          <p:childTnLst>
+            <p:seq concurrent="1" nextAc="seek">
+              <p:cTn id="2" dur="indefinite" nodeType="mainSeq">
+                <p:childTnLst>
+                  <p:par>
+                    <p:cTn id="3" fill="hold">
+                      <p:stCondLst>
+                        <p:cond delay="indefinite"/>
+                      </p:stCondLst>
+                      <p:childTnLst>
+                        <p:par>
+                          <p:cTn id="4" fill="hold">
+                            <p:stCondLst>
+                              <p:cond delay="0"/>
+                            </p:stCondLst>
+                            <p:childTnLst>
+                              <p:par>
+                                <p:cTn id="5" presetID="42" presetClass="entr" presetSubtype="0" fill="hold" grpId="0" nodeType="clickEffect">
+                                  <p:stCondLst>
+                                    <p:cond delay="0"/>
+                                  </p:stCondLst>
+                                  <p:childTnLst>
+                                    <p:set>
+                                      <p:cBhvr>
+                                        <p:cTn id="6" dur="1" fill="hold">
+                                          <p:stCondLst>
+                                            <p:cond delay="0"/>
+                                          </p:stCondLst>
+                                        </p:cTn>
+                                        <p:tgtEl>
+                                          <p:spTgt spid="22"/>
+                                        </p:tgtEl>
+                                        <p:attrNameLst>
+                                          <p:attrName>style.visibility</p:attrName>
+                                        </p:attrNameLst>
+                                      </p:cBhvr>
+                                      <p:to>
+                                        <p:strVal val="visible"/>
+                                      </p:to>
+                                    </p:set>
+                                    <p:animEffect transition="in" filter="fade">
+                                      <p:cBhvr>
+                                        <p:cTn id="7" dur="1000"/>
+                                        <p:tgtEl>
+                                          <p:spTgt spid="22"/>
+                                        </p:tgtEl>
+                                      </p:cBhvr>
+                                    </p:animEffect>
+                                    <p:anim calcmode="lin" valueType="num">
+                                      <p:cBhvr>
+                                        <p:cTn id="8" dur="1000" fill="hold"/>
+                                        <p:tgtEl>
+                                          <p:spTgt spid="22"/>
+                                        </p:tgtEl>
+                                        <p:attrNameLst>
+                                          <p:attrName>ppt_x</p:attrName>
+                                        </p:attrNameLst>
+                                      </p:cBhvr>
+                                      <p:tavLst>
+                                        <p:tav tm="0">
+                                          <p:val>
+                                            <p:strVal val="#ppt_x"/>
+                                          </p:val>
+                                        </p:tav>
+                                        <p:tav tm="100000">
+                                          <p:val>
+                                            <p:strVal val="#ppt_x"/>
+                                          </p:val>
+                                        </p:tav>
+                                      </p:tavLst>
+                                    </p:anim>
+                                    <p:anim calcmode="lin" valueType="num">
+                                      <p:cBhvr>
+                                        <p:cTn id="9" dur="1000" fill="hold"/>
+                                        <p:tgtEl>
+                                          <p:spTgt spid="22"/>
+                                        </p:tgtEl>
+                                        <p:attrNameLst>
+                                          <p:attrName>ppt_y</p:attrName>
+                                        </p:attrNameLst>
+                                      </p:cBhvr>
+                                      <p:tavLst>
+                                        <p:tav tm="0">
+                                          <p:val>
+                                            <p:strVal val="#ppt_y+.1"/>
+                                          </p:val>
+                                        </p:tav>
+                                        <p:tav tm="100000">
+                                          <p:val>
+                                            <p:strVal val="#ppt_y"/>
+                                          </p:val>
+                                        </p:tav>
+                                      </p:tavLst>
+                                    </p:anim>
+                                  </p:childTnLst>
+                                </p:cTn>
+                              </p:par>
+                            </p:childTnLst>
+                          </p:cTn>
+                        </p:par>
+                      </p:childTnLst>
+                    </p:cTn>
+                  </p:par>
+                  <p:par>
+                    <p:cTn id="10" fill="hold">
+                      <p:stCondLst>
+                        <p:cond delay="indefinite"/>
+                      </p:stCondLst>
+                      <p:childTnLst>
+                        <p:par>
+                          <p:cTn id="11" fill="hold">
+                            <p:stCondLst>
+                              <p:cond delay="0"/>
+                            </p:stCondLst>
+                            <p:childTnLst>
+                              <p:par>
+                                <p:cTn id="12" presetID="42" presetClass="entr" presetSubtype="0" fill="hold" grpId="0" nodeType="clickEffect">
+                                  <p:stCondLst>
+                                    <p:cond delay="0"/>
+                                  </p:stCondLst>
+                                  <p:childTnLst>
+                                    <p:set>
+                                      <p:cBhvr>
+                                        <p:cTn id="13" dur="1" fill="hold">
+                                          <p:stCondLst>
+                                            <p:cond delay="0"/>
+                                          </p:stCondLst>
+                                        </p:cTn>
+                                        <p:tgtEl>
+                                          <p:spTgt spid="3"/>
+                                        </p:tgtEl>
+                                        <p:attrNameLst>
+                                          <p:attrName>style.visibility</p:attrName>
+                                        </p:attrNameLst>
+                                      </p:cBhvr>
+                                      <p:to>
+                                        <p:strVal val="visible"/>
+                                      </p:to>
+                                    </p:set>
+                                    <p:animEffect transition="in" filter="fade">
+                                      <p:cBhvr>
+                                        <p:cTn id="14" dur="1000"/>
+                                        <p:tgtEl>
+                                          <p:spTgt spid="3"/>
+                                        </p:tgtEl>
+                                      </p:cBhvr>
+                                    </p:animEffect>
+                                    <p:anim calcmode="lin" valueType="num">
+                                      <p:cBhvr>
+                                        <p:cTn id="15" dur="1000" fill="hold"/>
+                                        <p:tgtEl>
+                                          <p:spTgt spid="3"/>
+                                        </p:tgtEl>
+                                        <p:attrNameLst>
+                                          <p:attrName>ppt_x</p:attrName>
+                                        </p:attrNameLst>
+                                      </p:cBhvr>
+                                      <p:tavLst>
+                                        <p:tav tm="0">
+                                          <p:val>
+                                            <p:strVal val="#ppt_x"/>
+                                          </p:val>
+                                        </p:tav>
+                                        <p:tav tm="100000">
+                                          <p:val>
+                                            <p:strVal val="#ppt_x"/>
+                                          </p:val>
+                                        </p:tav>
+                                      </p:tavLst>
+                                    </p:anim>
+                                    <p:anim calcmode="lin" valueType="num">
+                                      <p:cBhvr>
+                                        <p:cTn id="16" dur="1000" fill="hold"/>
+                                        <p:tgtEl>
+                                          <p:spTgt spid="3"/>
+                                        </p:tgtEl>
+                                        <p:attrNameLst>
+                                          <p:attrName>ppt_y</p:attrName>
+                                        </p:attrNameLst>
+                                      </p:cBhvr>
+                                      <p:tavLst>
+                                        <p:tav tm="0">
+                                          <p:val>
+                                            <p:strVal val="#ppt_y+.1"/>
+                                          </p:val>
+                                        </p:tav>
+                                        <p:tav tm="100000">
+                                          <p:val>
+                                            <p:strVal val="#ppt_y"/>
+                                          </p:val>
+                                        </p:tav>
+                                      </p:tavLst>
+                                    </p:anim>
+                                  </p:childTnLst>
+                                </p:cTn>
+                              </p:par>
+                              <p:par>
+                                <p:cTn id="17" presetID="42" presetClass="entr" presetSubtype="0" fill="hold" grpId="0" nodeType="withEffect">
+                                  <p:stCondLst>
+                                    <p:cond delay="0"/>
+                                  </p:stCondLst>
+                                  <p:childTnLst>
+                                    <p:set>
+                                      <p:cBhvr>
+                                        <p:cTn id="18" dur="1" fill="hold">
+                                          <p:stCondLst>
+                                            <p:cond delay="0"/>
+                                          </p:stCondLst>
+                                        </p:cTn>
+                                        <p:tgtEl>
+                                          <p:spTgt spid="13"/>
+                                        </p:tgtEl>
+                                        <p:attrNameLst>
+                                          <p:attrName>style.visibility</p:attrName>
+                                        </p:attrNameLst>
+                                      </p:cBhvr>
+                                      <p:to>
+                                        <p:strVal val="visible"/>
+                                      </p:to>
+                                    </p:set>
+                                    <p:animEffect transition="in" filter="fade">
+                                      <p:cBhvr>
+                                        <p:cTn id="19" dur="1000"/>
+                                        <p:tgtEl>
+                                          <p:spTgt spid="13"/>
+                                        </p:tgtEl>
+                                      </p:cBhvr>
+                                    </p:animEffect>
+                                    <p:anim calcmode="lin" valueType="num">
+                                      <p:cBhvr>
+                                        <p:cTn id="20" dur="1000" fill="hold"/>
+                                        <p:tgtEl>
+                                          <p:spTgt spid="13"/>
+                                        </p:tgtEl>
+                                        <p:attrNameLst>
+                                          <p:attrName>ppt_x</p:attrName>
+                                        </p:attrNameLst>
+                                      </p:cBhvr>
+                                      <p:tavLst>
+                                        <p:tav tm="0">
+                                          <p:val>
+                                            <p:strVal val="#ppt_x"/>
+                                          </p:val>
+                                        </p:tav>
+                                        <p:tav tm="100000">
+                                          <p:val>
+                                            <p:strVal val="#ppt_x"/>
+                                          </p:val>
+                                        </p:tav>
+                                      </p:tavLst>
+                                    </p:anim>
+                                    <p:anim calcmode="lin" valueType="num">
+                                      <p:cBhvr>
+                                        <p:cTn id="21" dur="1000" fill="hold"/>
+                                        <p:tgtEl>
+                                          <p:spTgt spid="13"/>
+                                        </p:tgtEl>
+                                        <p:attrNameLst>
+                                          <p:attrName>ppt_y</p:attrName>
+                                        </p:attrNameLst>
+                                      </p:cBhvr>
+                                      <p:tavLst>
+                                        <p:tav tm="0">
+                                          <p:val>
+                                            <p:strVal val="#ppt_y+.1"/>
+                                          </p:val>
+                                        </p:tav>
+                                        <p:tav tm="100000">
+                                          <p:val>
+                                            <p:strVal val="#ppt_y"/>
+                                          </p:val>
+                                        </p:tav>
+                                      </p:tavLst>
+                                    </p:anim>
+                                  </p:childTnLst>
+                                </p:cTn>
+                              </p:par>
+                              <p:par>
+                                <p:cTn id="22" presetID="42" presetClass="entr" presetSubtype="0" fill="hold" grpId="0" nodeType="withEffect">
+                                  <p:stCondLst>
+                                    <p:cond delay="0"/>
+                                  </p:stCondLst>
+                                  <p:childTnLst>
+                                    <p:set>
+                                      <p:cBhvr>
+                                        <p:cTn id="23" dur="1" fill="hold">
+                                          <p:stCondLst>
+                                            <p:cond delay="0"/>
+                                          </p:stCondLst>
+                                        </p:cTn>
+                                        <p:tgtEl>
+                                          <p:spTgt spid="12"/>
+                                        </p:tgtEl>
+                                        <p:attrNameLst>
+                                          <p:attrName>style.visibility</p:attrName>
+                                        </p:attrNameLst>
+                                      </p:cBhvr>
+                                      <p:to>
+                                        <p:strVal val="visible"/>
+                                      </p:to>
+                                    </p:set>
+                                    <p:animEffect transition="in" filter="fade">
+                                      <p:cBhvr>
+                                        <p:cTn id="24" dur="1000"/>
+                                        <p:tgtEl>
+                                          <p:spTgt spid="12"/>
+                                        </p:tgtEl>
+                                      </p:cBhvr>
+                                    </p:animEffect>
+                                    <p:anim calcmode="lin" valueType="num">
+                                      <p:cBhvr>
+                                        <p:cTn id="25" dur="1000" fill="hold"/>
+                                        <p:tgtEl>
+                                          <p:spTgt spid="12"/>
+                                        </p:tgtEl>
+                                        <p:attrNameLst>
+                                          <p:attrName>ppt_x</p:attrName>
+                                        </p:attrNameLst>
+                                      </p:cBhvr>
+                                      <p:tavLst>
+                                        <p:tav tm="0">
+                                          <p:val>
+                                            <p:strVal val="#ppt_x"/>
+                                          </p:val>
+                                        </p:tav>
+                                        <p:tav tm="100000">
+                                          <p:val>
+                                            <p:strVal val="#ppt_x"/>
+                                          </p:val>
+                                        </p:tav>
+                                      </p:tavLst>
+                                    </p:anim>
+                                    <p:anim calcmode="lin" valueType="num">
+                                      <p:cBhvr>
+                                        <p:cTn id="26" dur="1000" fill="hold"/>
+                                        <p:tgtEl>
+                                          <p:spTgt spid="12"/>
+                                        </p:tgtEl>
+                                        <p:attrNameLst>
+                                          <p:attrName>ppt_y</p:attrName>
+                                        </p:attrNameLst>
+                                      </p:cBhvr>
+                                      <p:tavLst>
+                                        <p:tav tm="0">
+                                          <p:val>
+                                            <p:strVal val="#ppt_y+.1"/>
+                                          </p:val>
+                                        </p:tav>
+                                        <p:tav tm="100000">
+                                          <p:val>
+                                            <p:strVal val="#ppt_y"/>
+                                          </p:val>
+                                        </p:tav>
+                                      </p:tavLst>
+                                    </p:anim>
+                                  </p:childTnLst>
+                                </p:cTn>
+                              </p:par>
+                              <p:par>
+                                <p:cTn id="27" presetID="42" presetClass="entr" presetSubtype="0" fill="hold" grpId="0" nodeType="withEffect">
+                                  <p:stCondLst>
+                                    <p:cond delay="0"/>
+                                  </p:stCondLst>
+                                  <p:childTnLst>
+                                    <p:set>
+                                      <p:cBhvr>
+                                        <p:cTn id="28" dur="1" fill="hold">
+                                          <p:stCondLst>
+                                            <p:cond delay="0"/>
+                                          </p:stCondLst>
+                                        </p:cTn>
+                                        <p:tgtEl>
+                                          <p:spTgt spid="11"/>
+                                        </p:tgtEl>
+                                        <p:attrNameLst>
+                                          <p:attrName>style.visibility</p:attrName>
+                                        </p:attrNameLst>
+                                      </p:cBhvr>
+                                      <p:to>
+                                        <p:strVal val="visible"/>
+                                      </p:to>
+                                    </p:set>
+                                    <p:animEffect transition="in" filter="fade">
+                                      <p:cBhvr>
+                                        <p:cTn id="29" dur="1000"/>
+                                        <p:tgtEl>
+                                          <p:spTgt spid="11"/>
+                                        </p:tgtEl>
+                                      </p:cBhvr>
+                                    </p:animEffect>
+                                    <p:anim calcmode="lin" valueType="num">
+                                      <p:cBhvr>
+                                        <p:cTn id="30" dur="1000" fill="hold"/>
+                                        <p:tgtEl>
+                                          <p:spTgt spid="11"/>
+                                        </p:tgtEl>
+                                        <p:attrNameLst>
+                                          <p:attrName>ppt_x</p:attrName>
+                                        </p:attrNameLst>
+                                      </p:cBhvr>
+                                      <p:tavLst>
+                                        <p:tav tm="0">
+                                          <p:val>
+                                            <p:strVal val="#ppt_x"/>
+                                          </p:val>
+                                        </p:tav>
+                                        <p:tav tm="100000">
+                                          <p:val>
+                                            <p:strVal val="#ppt_x"/>
+                                          </p:val>
+                                        </p:tav>
+                                      </p:tavLst>
+                                    </p:anim>
+                                    <p:anim calcmode="lin" valueType="num">
+                                      <p:cBhvr>
+                                        <p:cTn id="31" dur="1000" fill="hold"/>
+                                        <p:tgtEl>
+                                          <p:spTgt spid="11"/>
+                                        </p:tgtEl>
+                                        <p:attrNameLst>
+                                          <p:attrName>ppt_y</p:attrName>
+                                        </p:attrNameLst>
+                                      </p:cBhvr>
+                                      <p:tavLst>
+                                        <p:tav tm="0">
+                                          <p:val>
+                                            <p:strVal val="#ppt_y+.1"/>
+                                          </p:val>
+                                        </p:tav>
+                                        <p:tav tm="100000">
+                                          <p:val>
+                                            <p:strVal val="#ppt_y"/>
+                                          </p:val>
+                                        </p:tav>
+                                      </p:tavLst>
+                                    </p:anim>
+                                  </p:childTnLst>
+                                </p:cTn>
+                              </p:par>
+                              <p:par>
+                                <p:cTn id="32" presetID="42" presetClass="entr" presetSubtype="0" fill="hold" grpId="0" nodeType="withEffect">
+                                  <p:stCondLst>
+                                    <p:cond delay="0"/>
+                                  </p:stCondLst>
+                                  <p:childTnLst>
+                                    <p:set>
+                                      <p:cBhvr>
+                                        <p:cTn id="33" dur="1" fill="hold">
+                                          <p:stCondLst>
+                                            <p:cond delay="0"/>
+                                          </p:stCondLst>
+                                        </p:cTn>
+                                        <p:tgtEl>
+                                          <p:spTgt spid="10"/>
+                                        </p:tgtEl>
+                                        <p:attrNameLst>
+                                          <p:attrName>style.visibility</p:attrName>
+                                        </p:attrNameLst>
+                                      </p:cBhvr>
+                                      <p:to>
+                                        <p:strVal val="visible"/>
+                                      </p:to>
+                                    </p:set>
+                                    <p:animEffect transition="in" filter="fade">
+                                      <p:cBhvr>
+                                        <p:cTn id="34" dur="1000"/>
+                                        <p:tgtEl>
+                                          <p:spTgt spid="10"/>
+                                        </p:tgtEl>
+                                      </p:cBhvr>
+                                    </p:animEffect>
+                                    <p:anim calcmode="lin" valueType="num">
+                                      <p:cBhvr>
+                                        <p:cTn id="35" dur="1000" fill="hold"/>
+                                        <p:tgtEl>
+                                          <p:spTgt spid="10"/>
+                                        </p:tgtEl>
+                                        <p:attrNameLst>
+                                          <p:attrName>ppt_x</p:attrName>
+                                        </p:attrNameLst>
+                                      </p:cBhvr>
+                                      <p:tavLst>
+                                        <p:tav tm="0">
+                                          <p:val>
+                                            <p:strVal val="#ppt_x"/>
+                                          </p:val>
+                                        </p:tav>
+                                        <p:tav tm="100000">
+                                          <p:val>
+                                            <p:strVal val="#ppt_x"/>
+                                          </p:val>
+                                        </p:tav>
+                                      </p:tavLst>
+                                    </p:anim>
+                                    <p:anim calcmode="lin" valueType="num">
+                                      <p:cBhvr>
+                                        <p:cTn id="36" dur="1000" fill="hold"/>
+                                        <p:tgtEl>
+                                          <p:spTgt spid="10"/>
+                                        </p:tgtEl>
+                                        <p:attrNameLst>
+                                          <p:attrName>ppt_y</p:attrName>
+                                        </p:attrNameLst>
+                                      </p:cBhvr>
+                                      <p:tavLst>
+                                        <p:tav tm="0">
+                                          <p:val>
+                                            <p:strVal val="#ppt_y+.1"/>
+                                          </p:val>
+                                        </p:tav>
+                                        <p:tav tm="100000">
+                                          <p:val>
+                                            <p:strVal val="#ppt_y"/>
+                                          </p:val>
+                                        </p:tav>
+                                      </p:tavLst>
+                                    </p:anim>
+                                  </p:childTnLst>
+                                </p:cTn>
+                              </p:par>
+                              <p:par>
+                                <p:cTn id="37" presetID="42" presetClass="entr" presetSubtype="0" fill="hold" grpId="0" nodeType="withEffect">
+                                  <p:stCondLst>
+                                    <p:cond delay="0"/>
+                                  </p:stCondLst>
+                                  <p:childTnLst>
+                                    <p:set>
+                                      <p:cBhvr>
+                                        <p:cTn id="38" dur="1" fill="hold">
+                                          <p:stCondLst>
+                                            <p:cond delay="0"/>
+                                          </p:stCondLst>
+                                        </p:cTn>
+                                        <p:tgtEl>
+                                          <p:spTgt spid="8"/>
+                                        </p:tgtEl>
+                                        <p:attrNameLst>
+                                          <p:attrName>style.visibility</p:attrName>
+                                        </p:attrNameLst>
+                                      </p:cBhvr>
+                                      <p:to>
+                                        <p:strVal val="visible"/>
+                                      </p:to>
+                                    </p:set>
+                                    <p:animEffect transition="in" filter="fade">
+                                      <p:cBhvr>
+                                        <p:cTn id="39" dur="1000"/>
+                                        <p:tgtEl>
+                                          <p:spTgt spid="8"/>
+                                        </p:tgtEl>
+                                      </p:cBhvr>
+                                    </p:animEffect>
+                                    <p:anim calcmode="lin" valueType="num">
+                                      <p:cBhvr>
+                                        <p:cTn id="40" dur="1000" fill="hold"/>
+                                        <p:tgtEl>
+                                          <p:spTgt spid="8"/>
+                                        </p:tgtEl>
+                                        <p:attrNameLst>
+                                          <p:attrName>ppt_x</p:attrName>
+                                        </p:attrNameLst>
+                                      </p:cBhvr>
+                                      <p:tavLst>
+                                        <p:tav tm="0">
+                                          <p:val>
+                                            <p:strVal val="#ppt_x"/>
+                                          </p:val>
+                                        </p:tav>
+                                        <p:tav tm="100000">
+                                          <p:val>
+                                            <p:strVal val="#ppt_x"/>
+                                          </p:val>
+                                        </p:tav>
+                                      </p:tavLst>
+                                    </p:anim>
+                                    <p:anim calcmode="lin" valueType="num">
+                                      <p:cBhvr>
+                                        <p:cTn id="41" dur="1000" fill="hold"/>
+                                        <p:tgtEl>
+                                          <p:spTgt spid="8"/>
+                                        </p:tgtEl>
+                                        <p:attrNameLst>
+                                          <p:attrName>ppt_y</p:attrName>
+                                        </p:attrNameLst>
+                                      </p:cBhvr>
+                                      <p:tavLst>
+                                        <p:tav tm="0">
+                                          <p:val>
+                                            <p:strVal val="#ppt_y+.1"/>
+                                          </p:val>
+                                        </p:tav>
+                                        <p:tav tm="100000">
+                                          <p:val>
+                                            <p:strVal val="#ppt_y"/>
+                                          </p:val>
+                                        </p:tav>
+                                      </p:tavLst>
+                                    </p:anim>
+                                  </p:childTnLst>
+                                </p:cTn>
+                              </p:par>
+                              <p:par>
+                                <p:cTn id="42" presetID="42" presetClass="entr" presetSubtype="0" fill="hold" grpId="0" nodeType="withEffect">
+                                  <p:stCondLst>
+                                    <p:cond delay="0"/>
+                                  </p:stCondLst>
+                                  <p:childTnLst>
+                                    <p:set>
+                                      <p:cBhvr>
+                                        <p:cTn id="43" dur="1" fill="hold">
+                                          <p:stCondLst>
+                                            <p:cond delay="0"/>
+                                          </p:stCondLst>
+                                        </p:cTn>
+                                        <p:tgtEl>
+                                          <p:spTgt spid="5"/>
+                                        </p:tgtEl>
+                                        <p:attrNameLst>
+                                          <p:attrName>style.visibility</p:attrName>
+                                        </p:attrNameLst>
+                                      </p:cBhvr>
+                                      <p:to>
+                                        <p:strVal val="visible"/>
+                                      </p:to>
+                                    </p:set>
+                                    <p:animEffect transition="in" filter="fade">
+                                      <p:cBhvr>
+                                        <p:cTn id="44" dur="1000"/>
+                                        <p:tgtEl>
+                                          <p:spTgt spid="5"/>
+                                        </p:tgtEl>
+                                      </p:cBhvr>
+                                    </p:animEffect>
+                                    <p:anim calcmode="lin" valueType="num">
+                                      <p:cBhvr>
+                                        <p:cTn id="45" dur="1000" fill="hold"/>
+                                        <p:tgtEl>
+                                          <p:spTgt spid="5"/>
+                                        </p:tgtEl>
+                                        <p:attrNameLst>
+                                          <p:attrName>ppt_x</p:attrName>
+                                        </p:attrNameLst>
+                                      </p:cBhvr>
+                                      <p:tavLst>
+                                        <p:tav tm="0">
+                                          <p:val>
+                                            <p:strVal val="#ppt_x"/>
+                                          </p:val>
+                                        </p:tav>
+                                        <p:tav tm="100000">
+                                          <p:val>
+                                            <p:strVal val="#ppt_x"/>
+                                          </p:val>
+                                        </p:tav>
+                                      </p:tavLst>
+                                    </p:anim>
+                                    <p:anim calcmode="lin" valueType="num">
+                                      <p:cBhvr>
+                                        <p:cTn id="46" dur="1000" fill="hold"/>
+                                        <p:tgtEl>
+                                          <p:spTgt spid="5"/>
+                                        </p:tgtEl>
+                                        <p:attrNameLst>
+                                          <p:attrName>ppt_y</p:attrName>
+                                        </p:attrNameLst>
+                                      </p:cBhvr>
+                                      <p:tavLst>
+                                        <p:tav tm="0">
+                                          <p:val>
+                                            <p:strVal val="#ppt_y+.1"/>
+                                          </p:val>
+                                        </p:tav>
+                                        <p:tav tm="100000">
+                                          <p:val>
+                                            <p:strVal val="#ppt_y"/>
+                                          </p:val>
+                                        </p:tav>
+                                      </p:tavLst>
+                                    </p:anim>
+                                  </p:childTnLst>
+                                </p:cTn>
+                              </p:par>
+                              <p:par>
+                                <p:cTn id="47" presetID="42" presetClass="entr" presetSubtype="0" fill="hold" grpId="0" nodeType="withEffect">
+                                  <p:stCondLst>
+                                    <p:cond delay="0"/>
+                                  </p:stCondLst>
+                                  <p:childTnLst>
+                                    <p:set>
+                                      <p:cBhvr>
+                                        <p:cTn id="48" dur="1" fill="hold">
+                                          <p:stCondLst>
+                                            <p:cond delay="0"/>
+                                          </p:stCondLst>
+                                        </p:cTn>
+                                        <p:tgtEl>
+                                          <p:spTgt spid="4"/>
+                                        </p:tgtEl>
+                                        <p:attrNameLst>
+                                          <p:attrName>style.visibility</p:attrName>
+                                        </p:attrNameLst>
+                                      </p:cBhvr>
+                                      <p:to>
+                                        <p:strVal val="visible"/>
+                                      </p:to>
+                                    </p:set>
+                                    <p:animEffect transition="in" filter="fade">
+                                      <p:cBhvr>
+                                        <p:cTn id="49" dur="1000"/>
+                                        <p:tgtEl>
+                                          <p:spTgt spid="4"/>
+                                        </p:tgtEl>
+                                      </p:cBhvr>
+                                    </p:animEffect>
+                                    <p:anim calcmode="lin" valueType="num">
+                                      <p:cBhvr>
+                                        <p:cTn id="50" dur="1000" fill="hold"/>
+                                        <p:tgtEl>
+                                          <p:spTgt spid="4"/>
+                                        </p:tgtEl>
+                                        <p:attrNameLst>
+                                          <p:attrName>ppt_x</p:attrName>
+                                        </p:attrNameLst>
+                                      </p:cBhvr>
+                                      <p:tavLst>
+                                        <p:tav tm="0">
+                                          <p:val>
+                                            <p:strVal val="#ppt_x"/>
+                                          </p:val>
+                                        </p:tav>
+                                        <p:tav tm="100000">
+                                          <p:val>
+                                            <p:strVal val="#ppt_x"/>
+                                          </p:val>
+                                        </p:tav>
+                                      </p:tavLst>
+                                    </p:anim>
+                                    <p:anim calcmode="lin" valueType="num">
+                                      <p:cBhvr>
+                                        <p:cTn id="51" dur="1000" fill="hold"/>
+                                        <p:tgtEl>
+                                          <p:spTgt spid="4"/>
+                                        </p:tgtEl>
+                                        <p:attrNameLst>
+                                          <p:attrName>ppt_y</p:attrName>
+                                        </p:attrNameLst>
+                                      </p:cBhvr>
+                                      <p:tavLst>
+                                        <p:tav tm="0">
+                                          <p:val>
+                                            <p:strVal val="#ppt_y+.1"/>
+                                          </p:val>
+                                        </p:tav>
+                                        <p:tav tm="100000">
+                                          <p:val>
+                                            <p:strVal val="#ppt_y"/>
+                                          </p:val>
+                                        </p:tav>
+                                      </p:tavLst>
+                                    </p:anim>
+                                  </p:childTnLst>
+                                </p:cTn>
+                              </p:par>
+                            </p:childTnLst>
+                          </p:cTn>
+                        </p:par>
+                      </p:childTnLst>
+                    </p:cTn>
+                  </p:par>
+                </p:childTnLst>
+              </p:cTn>
+              <p:prevCondLst>
+                <p:cond evt="onPrev" delay="0">
+                  <p:tgtEl>
+                    <p:sldTgt/>
+                  </p:tgtEl>
+                </p:cond>
+              </p:prevCondLst>
+              <p:nextCondLst>
+                <p:cond evt="onNext" delay="0">
+                  <p:tgtEl>
+                    <p:sldTgt/>
+                  </p:tgtEl>
+                </p:cond>
+              </p:nextCondLst>
+            </p:seq>
+          </p:childTnLst>
+        </p:cTn>
+      </p:par>
+    </p:tnLst>
+    <p:bldLst>
+      <p:bldP spid="22" grpId="0"/>
+      <p:bldP spid="3" grpId="0"/>
+      <p:bldP spid="4" grpId="0"/>
+      <p:bldP spid="5" grpId="0"/>
+      <p:bldP spid="8" grpId="0"/>
+      <p:bldP spid="10" grpId="0"/>
+      <p:bldP spid="11" grpId="0"/>
+      <p:bldP spid="12" grpId="0"/>
+      <p:bldP spid="13" grpId="0"/>
+    </p:bldLst>
+  </p:timing>
+</p:sld>
+</file>
+
+<file path=ppt/slides/slide8.xml><?xml version="1.0" encoding="utf-8"?>
+<p:sld xmlns:a="http://schemas.openxmlformats.org/drawingml/2006/main" xmlns:r="http://schemas.openxmlformats.org/officeDocument/2006/relationships" xmlns:p="http://schemas.openxmlformats.org/presentationml/2006/main">
+  <p:cSld>
+    <p:spTree>
+      <p:nvGrpSpPr>
+        <p:cNvPr id="1" name=""/>
+        <p:cNvGrpSpPr/>
+        <p:nvPr/>
+      </p:nvGrpSpPr>
+      <p:grpSpPr>
+        <a:xfrm>
+          <a:off x="0" y="0"/>
+          <a:ext cx="0" cy="0"/>
+          <a:chOff x="0" y="0"/>
+          <a:chExt cx="0" cy="0"/>
+        </a:xfrm>
+      </p:grpSpPr>
+      <p:pic>
+        <p:nvPicPr>
+          <p:cNvPr id="6" name="Picture 5"/>
+          <p:cNvPicPr>
+            <a:picLocks noChangeAspect="1"/>
+          </p:cNvPicPr>
+          <p:nvPr/>
+        </p:nvPicPr>
+        <p:blipFill>
+          <a:blip r:embed="rId2">
+            <a:extLst>
+              <a:ext uri="{28A0092B-C50C-407E-A947-70E740481C1C}">
+                <a14:useLocalDpi xmlns:a14="http://schemas.microsoft.com/office/drawing/2010/main" val="0"/>
+              </a:ext>
+            </a:extLst>
+          </a:blip>
+          <a:stretch>
+            <a:fillRect/>
+          </a:stretch>
+        </p:blipFill>
+        <p:spPr>
+          <a:xfrm>
+            <a:off x="10148454" y="41565"/>
+            <a:ext cx="1263536" cy="1263536"/>
+          </a:xfrm>
+          <a:prstGeom prst="rect">
+            <a:avLst/>
+          </a:prstGeom>
+        </p:spPr>
+      </p:pic>
+      <p:sp>
+        <p:nvSpPr>
+          <p:cNvPr id="22" name="TextBox 21"/>
+          <p:cNvSpPr txBox="1"/>
+          <p:nvPr/>
+        </p:nvSpPr>
+        <p:spPr>
+          <a:xfrm>
+            <a:off x="701700" y="673333"/>
+            <a:ext cx="9739085" cy="584775"/>
+          </a:xfrm>
+          <a:prstGeom prst="rect">
+            <a:avLst/>
+          </a:prstGeom>
+          <a:noFill/>
+        </p:spPr>
+        <p:txBody>
+          <a:bodyPr wrap="square" rtlCol="0">
+            <a:spAutoFit/>
+          </a:bodyPr>
+          <a:lstStyle/>
+          <a:p>
+            <a:r>
+              <a:rPr lang="en-US" sz="3200" b="1" u="sng" dirty="0">
+                <a:solidFill>
+                  <a:schemeClr val="accent4"/>
+                </a:solidFill>
+              </a:rPr>
+              <a:t>What Do You Need to Know to Take This Course?</a:t>
+            </a:r>
+            <a:endParaRPr lang="en-US" sz="3200" b="1" u="sng" dirty="0">
+              <a:solidFill>
+                <a:schemeClr val="accent4"/>
+              </a:solidFill>
+            </a:endParaRPr>
+          </a:p>
+        </p:txBody>
+      </p:sp>
+      <p:pic>
+        <p:nvPicPr>
+          <p:cNvPr id="7" name="Picture 6"/>
+          <p:cNvPicPr>
+            <a:picLocks noChangeAspect="1"/>
+          </p:cNvPicPr>
+          <p:nvPr/>
+        </p:nvPicPr>
+        <p:blipFill>
+          <a:blip r:embed="rId3"/>
+          <a:stretch>
+            <a:fillRect/>
+          </a:stretch>
+        </p:blipFill>
+        <p:spPr>
+          <a:xfrm>
+            <a:off x="870499" y="1449273"/>
+            <a:ext cx="1465377" cy="1332764"/>
+          </a:xfrm>
+          <a:prstGeom prst="rect">
+            <a:avLst/>
+          </a:prstGeom>
+        </p:spPr>
+      </p:pic>
+      <p:pic>
+        <p:nvPicPr>
+          <p:cNvPr id="9" name="Picture 8"/>
+          <p:cNvPicPr>
+            <a:picLocks noChangeAspect="1"/>
+          </p:cNvPicPr>
+          <p:nvPr/>
+        </p:nvPicPr>
+        <p:blipFill>
+          <a:blip r:embed="rId4"/>
+          <a:stretch>
+            <a:fillRect/>
+          </a:stretch>
+        </p:blipFill>
+        <p:spPr>
+          <a:xfrm>
+            <a:off x="870499" y="2973202"/>
+            <a:ext cx="1956782" cy="1378940"/>
+          </a:xfrm>
+          <a:prstGeom prst="rect">
+            <a:avLst/>
+          </a:prstGeom>
+        </p:spPr>
+      </p:pic>
+      <p:pic>
+        <p:nvPicPr>
+          <p:cNvPr id="14" name="Picture 13"/>
+          <p:cNvPicPr>
+            <a:picLocks noChangeAspect="1"/>
+          </p:cNvPicPr>
+          <p:nvPr/>
+        </p:nvPicPr>
+        <p:blipFill>
+          <a:blip r:embed="rId5"/>
+          <a:stretch>
+            <a:fillRect/>
+          </a:stretch>
+        </p:blipFill>
+        <p:spPr>
+          <a:xfrm>
+            <a:off x="870499" y="4543307"/>
+            <a:ext cx="1548332" cy="1563292"/>
+          </a:xfrm>
+          <a:prstGeom prst="rect">
+            <a:avLst/>
+          </a:prstGeom>
+        </p:spPr>
+      </p:pic>
+      <p:sp>
+        <p:nvSpPr>
+          <p:cNvPr id="15" name="TextBox 14"/>
+          <p:cNvSpPr txBox="1"/>
+          <p:nvPr/>
+        </p:nvSpPr>
+        <p:spPr>
+          <a:xfrm>
+            <a:off x="3449782" y="1930989"/>
+            <a:ext cx="1992853" cy="369332"/>
+          </a:xfrm>
+          <a:prstGeom prst="rect">
+            <a:avLst/>
+          </a:prstGeom>
+          <a:noFill/>
+        </p:spPr>
+        <p:txBody>
+          <a:bodyPr wrap="none" rtlCol="0">
+            <a:spAutoFit/>
+          </a:bodyPr>
+          <a:lstStyle/>
+          <a:p>
+            <a:r>
+              <a:rPr lang="en-US" b="1" dirty="0">
+                <a:solidFill>
+                  <a:schemeClr val="bg1"/>
+                </a:solidFill>
+              </a:rPr>
+              <a:t>Basic JavaScript</a:t>
+            </a:r>
+          </a:p>
+        </p:txBody>
+      </p:sp>
+      <p:sp>
+        <p:nvSpPr>
+          <p:cNvPr id="17" name="TextBox 16"/>
+          <p:cNvSpPr txBox="1"/>
+          <p:nvPr/>
+        </p:nvSpPr>
+        <p:spPr>
+          <a:xfrm>
+            <a:off x="3449781" y="3269341"/>
+            <a:ext cx="2108269" cy="369332"/>
+          </a:xfrm>
+          <a:prstGeom prst="rect">
+            <a:avLst/>
+          </a:prstGeom>
+          <a:noFill/>
+        </p:spPr>
+        <p:txBody>
+          <a:bodyPr wrap="none" rtlCol="0">
+            <a:spAutoFit/>
+          </a:bodyPr>
+          <a:lstStyle/>
+          <a:p>
+            <a:r>
+              <a:rPr lang="en-US" b="1" dirty="0">
+                <a:solidFill>
+                  <a:schemeClr val="bg1"/>
+                </a:solidFill>
+              </a:rPr>
+              <a:t>Basic HTML &amp; CSS</a:t>
+            </a:r>
+          </a:p>
+        </p:txBody>
+      </p:sp>
+      <p:sp>
+        <p:nvSpPr>
+          <p:cNvPr id="18" name="TextBox 17"/>
+          <p:cNvSpPr txBox="1"/>
+          <p:nvPr/>
+        </p:nvSpPr>
+        <p:spPr>
+          <a:xfrm>
+            <a:off x="3792717" y="3638673"/>
+            <a:ext cx="4775666" cy="338554"/>
+          </a:xfrm>
+          <a:prstGeom prst="rect">
+            <a:avLst/>
+          </a:prstGeom>
+          <a:noFill/>
+        </p:spPr>
+        <p:txBody>
+          <a:bodyPr wrap="none" rtlCol="0">
+            <a:spAutoFit/>
+          </a:bodyPr>
+          <a:lstStyle/>
+          <a:p>
+            <a:r>
+              <a:rPr lang="en-US" sz="1600" dirty="0">
+                <a:solidFill>
+                  <a:schemeClr val="bg1"/>
+                </a:solidFill>
+              </a:rPr>
+              <a:t>Front-end Foundations &amp; Front-end Formations</a:t>
+            </a:r>
+          </a:p>
+        </p:txBody>
+      </p:sp>
+      <p:sp>
+        <p:nvSpPr>
+          <p:cNvPr id="19" name="TextBox 18"/>
+          <p:cNvSpPr txBox="1"/>
+          <p:nvPr/>
+        </p:nvSpPr>
+        <p:spPr>
+          <a:xfrm>
+            <a:off x="3449781" y="4674197"/>
+            <a:ext cx="1035861" cy="307777"/>
+          </a:xfrm>
+          <a:prstGeom prst="rect">
+            <a:avLst/>
+          </a:prstGeom>
+          <a:noFill/>
+        </p:spPr>
+        <p:txBody>
+          <a:bodyPr wrap="none" rtlCol="0">
+            <a:spAutoFit/>
+          </a:bodyPr>
+          <a:lstStyle/>
+          <a:p>
+            <a:r>
+              <a:rPr lang="en-US" sz="1400" i="1" dirty="0">
+                <a:solidFill>
+                  <a:schemeClr val="bg1"/>
+                </a:solidFill>
+              </a:rPr>
+              <a:t>(optional)</a:t>
+            </a:r>
+          </a:p>
+        </p:txBody>
+      </p:sp>
+      <p:sp>
+        <p:nvSpPr>
+          <p:cNvPr id="20" name="TextBox 19"/>
+          <p:cNvSpPr txBox="1"/>
+          <p:nvPr/>
+        </p:nvSpPr>
+        <p:spPr>
+          <a:xfrm>
+            <a:off x="3462973" y="5024563"/>
+            <a:ext cx="2236510" cy="369332"/>
+          </a:xfrm>
+          <a:prstGeom prst="rect">
+            <a:avLst/>
+          </a:prstGeom>
+          <a:noFill/>
+        </p:spPr>
+        <p:txBody>
+          <a:bodyPr wrap="none" rtlCol="0">
+            <a:spAutoFit/>
+          </a:bodyPr>
+          <a:lstStyle/>
+          <a:p>
+            <a:r>
+              <a:rPr lang="en-US" b="1" dirty="0">
+                <a:solidFill>
+                  <a:schemeClr val="bg1"/>
+                </a:solidFill>
+              </a:rPr>
+              <a:t>JavaScript: ES2015</a:t>
+            </a:r>
+          </a:p>
+        </p:txBody>
+      </p:sp>
+      <p:sp>
+        <p:nvSpPr>
+          <p:cNvPr id="21" name="TextBox 20"/>
+          <p:cNvSpPr txBox="1"/>
+          <p:nvPr/>
+        </p:nvSpPr>
+        <p:spPr>
+          <a:xfrm>
+            <a:off x="3792717" y="5417768"/>
+            <a:ext cx="4301177" cy="338554"/>
+          </a:xfrm>
+          <a:prstGeom prst="rect">
+            <a:avLst/>
+          </a:prstGeom>
+          <a:noFill/>
+        </p:spPr>
+        <p:txBody>
+          <a:bodyPr wrap="none" rtlCol="0">
+            <a:spAutoFit/>
+          </a:bodyPr>
+          <a:lstStyle/>
+          <a:p>
+            <a:r>
+              <a:rPr lang="en-US" sz="1600" dirty="0">
+                <a:solidFill>
+                  <a:schemeClr val="bg1"/>
+                </a:solidFill>
+              </a:rPr>
+              <a:t>ES2015: The Shape of JavaScript to Come</a:t>
+            </a:r>
+          </a:p>
+        </p:txBody>
+      </p:sp>
+      <p:sp>
+        <p:nvSpPr>
+          <p:cNvPr id="23" name="TextBox 22"/>
+          <p:cNvSpPr txBox="1"/>
+          <p:nvPr/>
+        </p:nvSpPr>
+        <p:spPr>
+          <a:xfrm rot="724770">
+            <a:off x="6100515" y="1993372"/>
+            <a:ext cx="5335115" cy="338554"/>
+          </a:xfrm>
+          <a:prstGeom prst="rect">
+            <a:avLst/>
+          </a:prstGeom>
+          <a:noFill/>
+        </p:spPr>
+        <p:txBody>
+          <a:bodyPr wrap="none" rtlCol="0">
+            <a:spAutoFit/>
+          </a:bodyPr>
+          <a:lstStyle/>
+          <a:p>
+            <a:r>
+              <a:rPr lang="en-US" sz="1600" b="1" dirty="0">
+                <a:solidFill>
+                  <a:srgbClr val="00B050"/>
+                </a:solidFill>
+              </a:rPr>
+              <a:t>You don’t need any prior experience with Angular 1</a:t>
+            </a:r>
+          </a:p>
+        </p:txBody>
+      </p:sp>
+    </p:spTree>
+    <p:extLst>
+      <p:ext uri="{BB962C8B-B14F-4D97-AF65-F5344CB8AC3E}">
+        <p14:creationId xmlns:p14="http://schemas.microsoft.com/office/powerpoint/2010/main" val="2815014209"/>
+      </p:ext>
+    </p:extLst>
+  </p:cSld>
+  <p:clrMapOvr>
+    <a:masterClrMapping/>
+  </p:clrMapOvr>
+  <p:timing>
+    <p:tnLst>
+      <p:par>
+        <p:cTn id="1" dur="indefinite" restart="never" nodeType="tmRoot">
+          <p:childTnLst>
+            <p:seq concurrent="1" nextAc="seek">
+              <p:cTn id="2" dur="indefinite" nodeType="mainSeq">
+                <p:childTnLst>
+                  <p:par>
+                    <p:cTn id="3" fill="hold">
+                      <p:stCondLst>
+                        <p:cond delay="indefinite"/>
+                      </p:stCondLst>
+                      <p:childTnLst>
+                        <p:par>
+                          <p:cTn id="4" fill="hold">
+                            <p:stCondLst>
+                              <p:cond delay="0"/>
+                            </p:stCondLst>
+                            <p:childTnLst>
+                              <p:par>
+                                <p:cTn id="5" presetID="42" presetClass="entr" presetSubtype="0" fill="hold" grpId="0" nodeType="clickEffect">
+                                  <p:stCondLst>
+                                    <p:cond delay="0"/>
+                                  </p:stCondLst>
+                                  <p:childTnLst>
+                                    <p:set>
+                                      <p:cBhvr>
+                                        <p:cTn id="6" dur="1" fill="hold">
+                                          <p:stCondLst>
+                                            <p:cond delay="0"/>
+                                          </p:stCondLst>
+                                        </p:cTn>
+                                        <p:tgtEl>
+                                          <p:spTgt spid="22"/>
+                                        </p:tgtEl>
+                                        <p:attrNameLst>
+                                          <p:attrName>style.visibility</p:attrName>
+                                        </p:attrNameLst>
+                                      </p:cBhvr>
+                                      <p:to>
+                                        <p:strVal val="visible"/>
+                                      </p:to>
+                                    </p:set>
+                                    <p:animEffect transition="in" filter="fade">
+                                      <p:cBhvr>
+                                        <p:cTn id="7" dur="1000"/>
+                                        <p:tgtEl>
+                                          <p:spTgt spid="22"/>
+                                        </p:tgtEl>
+                                      </p:cBhvr>
+                                    </p:animEffect>
+                                    <p:anim calcmode="lin" valueType="num">
+                                      <p:cBhvr>
+                                        <p:cTn id="8" dur="1000" fill="hold"/>
+                                        <p:tgtEl>
+                                          <p:spTgt spid="22"/>
+                                        </p:tgtEl>
+                                        <p:attrNameLst>
+                                          <p:attrName>ppt_x</p:attrName>
+                                        </p:attrNameLst>
+                                      </p:cBhvr>
+                                      <p:tavLst>
+                                        <p:tav tm="0">
+                                          <p:val>
+                                            <p:strVal val="#ppt_x"/>
+                                          </p:val>
+                                        </p:tav>
+                                        <p:tav tm="100000">
+                                          <p:val>
+                                            <p:strVal val="#ppt_x"/>
+                                          </p:val>
+                                        </p:tav>
+                                      </p:tavLst>
+                                    </p:anim>
+                                    <p:anim calcmode="lin" valueType="num">
+                                      <p:cBhvr>
+                                        <p:cTn id="9" dur="1000" fill="hold"/>
+                                        <p:tgtEl>
+                                          <p:spTgt spid="22"/>
+                                        </p:tgtEl>
+                                        <p:attrNameLst>
+                                          <p:attrName>ppt_y</p:attrName>
+                                        </p:attrNameLst>
+                                      </p:cBhvr>
+                                      <p:tavLst>
+                                        <p:tav tm="0">
+                                          <p:val>
+                                            <p:strVal val="#ppt_y+.1"/>
+                                          </p:val>
+                                        </p:tav>
+                                        <p:tav tm="100000">
+                                          <p:val>
+                                            <p:strVal val="#ppt_y"/>
+                                          </p:val>
+                                        </p:tav>
+                                      </p:tavLst>
+                                    </p:anim>
+                                  </p:childTnLst>
+                                </p:cTn>
+                              </p:par>
+                            </p:childTnLst>
+                          </p:cTn>
+                        </p:par>
+                      </p:childTnLst>
+                    </p:cTn>
+                  </p:par>
+                  <p:par>
+                    <p:cTn id="10" fill="hold">
+                      <p:stCondLst>
+                        <p:cond delay="indefinite"/>
+                      </p:stCondLst>
+                      <p:childTnLst>
+                        <p:par>
+                          <p:cTn id="11" fill="hold">
+                            <p:stCondLst>
+                              <p:cond delay="0"/>
+                            </p:stCondLst>
+                            <p:childTnLst>
+                              <p:par>
+                                <p:cTn id="12" presetID="42" presetClass="entr" presetSubtype="0" fill="hold" grpId="0" nodeType="clickEffect">
+                                  <p:stCondLst>
+                                    <p:cond delay="0"/>
+                                  </p:stCondLst>
+                                  <p:childTnLst>
+                                    <p:set>
+                                      <p:cBhvr>
+                                        <p:cTn id="13" dur="1" fill="hold">
+                                          <p:stCondLst>
+                                            <p:cond delay="0"/>
+                                          </p:stCondLst>
+                                        </p:cTn>
+                                        <p:tgtEl>
+                                          <p:spTgt spid="15"/>
+                                        </p:tgtEl>
+                                        <p:attrNameLst>
+                                          <p:attrName>style.visibility</p:attrName>
+                                        </p:attrNameLst>
+                                      </p:cBhvr>
+                                      <p:to>
+                                        <p:strVal val="visible"/>
+                                      </p:to>
+                                    </p:set>
+                                    <p:animEffect transition="in" filter="fade">
+                                      <p:cBhvr>
+                                        <p:cTn id="14" dur="1000"/>
+                                        <p:tgtEl>
+                                          <p:spTgt spid="15"/>
+                                        </p:tgtEl>
+                                      </p:cBhvr>
+                                    </p:animEffect>
+                                    <p:anim calcmode="lin" valueType="num">
+                                      <p:cBhvr>
+                                        <p:cTn id="15" dur="1000" fill="hold"/>
+                                        <p:tgtEl>
+                                          <p:spTgt spid="15"/>
+                                        </p:tgtEl>
+                                        <p:attrNameLst>
+                                          <p:attrName>ppt_x</p:attrName>
+                                        </p:attrNameLst>
+                                      </p:cBhvr>
+                                      <p:tavLst>
+                                        <p:tav tm="0">
+                                          <p:val>
+                                            <p:strVal val="#ppt_x"/>
+                                          </p:val>
+                                        </p:tav>
+                                        <p:tav tm="100000">
+                                          <p:val>
+                                            <p:strVal val="#ppt_x"/>
+                                          </p:val>
+                                        </p:tav>
+                                      </p:tavLst>
+                                    </p:anim>
+                                    <p:anim calcmode="lin" valueType="num">
+                                      <p:cBhvr>
+                                        <p:cTn id="16" dur="1000" fill="hold"/>
+                                        <p:tgtEl>
+                                          <p:spTgt spid="15"/>
+                                        </p:tgtEl>
+                                        <p:attrNameLst>
+                                          <p:attrName>ppt_y</p:attrName>
+                                        </p:attrNameLst>
+                                      </p:cBhvr>
+                                      <p:tavLst>
+                                        <p:tav tm="0">
+                                          <p:val>
+                                            <p:strVal val="#ppt_y+.1"/>
+                                          </p:val>
+                                        </p:tav>
+                                        <p:tav tm="100000">
+                                          <p:val>
+                                            <p:strVal val="#ppt_y"/>
+                                          </p:val>
+                                        </p:tav>
+                                      </p:tavLst>
+                                    </p:anim>
+                                  </p:childTnLst>
+                                </p:cTn>
+                              </p:par>
+                              <p:par>
+                                <p:cTn id="17" presetID="42" presetClass="entr" presetSubtype="0" fill="hold" nodeType="withEffect">
+                                  <p:stCondLst>
+                                    <p:cond delay="0"/>
+                                  </p:stCondLst>
+                                  <p:childTnLst>
+                                    <p:set>
+                                      <p:cBhvr>
+                                        <p:cTn id="18" dur="1" fill="hold">
+                                          <p:stCondLst>
+                                            <p:cond delay="0"/>
+                                          </p:stCondLst>
+                                        </p:cTn>
+                                        <p:tgtEl>
+                                          <p:spTgt spid="7"/>
+                                        </p:tgtEl>
+                                        <p:attrNameLst>
+                                          <p:attrName>style.visibility</p:attrName>
+                                        </p:attrNameLst>
+                                      </p:cBhvr>
+                                      <p:to>
+                                        <p:strVal val="visible"/>
+                                      </p:to>
+                                    </p:set>
+                                    <p:animEffect transition="in" filter="fade">
+                                      <p:cBhvr>
+                                        <p:cTn id="19" dur="1000"/>
+                                        <p:tgtEl>
+                                          <p:spTgt spid="7"/>
+                                        </p:tgtEl>
+                                      </p:cBhvr>
+                                    </p:animEffect>
+                                    <p:anim calcmode="lin" valueType="num">
+                                      <p:cBhvr>
+                                        <p:cTn id="20" dur="1000" fill="hold"/>
+                                        <p:tgtEl>
+                                          <p:spTgt spid="7"/>
+                                        </p:tgtEl>
+                                        <p:attrNameLst>
+                                          <p:attrName>ppt_x</p:attrName>
+                                        </p:attrNameLst>
+                                      </p:cBhvr>
+                                      <p:tavLst>
+                                        <p:tav tm="0">
+                                          <p:val>
+                                            <p:strVal val="#ppt_x"/>
+                                          </p:val>
+                                        </p:tav>
+                                        <p:tav tm="100000">
+                                          <p:val>
+                                            <p:strVal val="#ppt_x"/>
+                                          </p:val>
+                                        </p:tav>
+                                      </p:tavLst>
+                                    </p:anim>
+                                    <p:anim calcmode="lin" valueType="num">
+                                      <p:cBhvr>
+                                        <p:cTn id="21" dur="1000" fill="hold"/>
+                                        <p:tgtEl>
+                                          <p:spTgt spid="7"/>
+                                        </p:tgtEl>
+                                        <p:attrNameLst>
+                                          <p:attrName>ppt_y</p:attrName>
+                                        </p:attrNameLst>
+                                      </p:cBhvr>
+                                      <p:tavLst>
+                                        <p:tav tm="0">
+                                          <p:val>
+                                            <p:strVal val="#ppt_y+.1"/>
+                                          </p:val>
+                                        </p:tav>
+                                        <p:tav tm="100000">
+                                          <p:val>
+                                            <p:strVal val="#ppt_y"/>
+                                          </p:val>
+                                        </p:tav>
+                                      </p:tavLst>
+                                    </p:anim>
+                                  </p:childTnLst>
+                                </p:cTn>
+                              </p:par>
+                            </p:childTnLst>
+                          </p:cTn>
+                        </p:par>
+                      </p:childTnLst>
+                    </p:cTn>
+                  </p:par>
+                  <p:par>
+                    <p:cTn id="22" fill="hold">
+                      <p:stCondLst>
+                        <p:cond delay="indefinite"/>
+                      </p:stCondLst>
+                      <p:childTnLst>
+                        <p:par>
+                          <p:cTn id="23" fill="hold">
+                            <p:stCondLst>
+                              <p:cond delay="0"/>
+                            </p:stCondLst>
+                            <p:childTnLst>
+                              <p:par>
+                                <p:cTn id="24" presetID="42" presetClass="entr" presetSubtype="0" fill="hold" nodeType="clickEffect">
+                                  <p:stCondLst>
+                                    <p:cond delay="0"/>
+                                  </p:stCondLst>
+                                  <p:childTnLst>
+                                    <p:set>
+                                      <p:cBhvr>
+                                        <p:cTn id="25" dur="1" fill="hold">
+                                          <p:stCondLst>
+                                            <p:cond delay="0"/>
+                                          </p:stCondLst>
+                                        </p:cTn>
+                                        <p:tgtEl>
+                                          <p:spTgt spid="9"/>
+                                        </p:tgtEl>
+                                        <p:attrNameLst>
+                                          <p:attrName>style.visibility</p:attrName>
+                                        </p:attrNameLst>
+                                      </p:cBhvr>
+                                      <p:to>
+                                        <p:strVal val="visible"/>
+                                      </p:to>
+                                    </p:set>
+                                    <p:animEffect transition="in" filter="fade">
+                                      <p:cBhvr>
+                                        <p:cTn id="26" dur="1000"/>
+                                        <p:tgtEl>
+                                          <p:spTgt spid="9"/>
+                                        </p:tgtEl>
+                                      </p:cBhvr>
+                                    </p:animEffect>
+                                    <p:anim calcmode="lin" valueType="num">
+                                      <p:cBhvr>
+                                        <p:cTn id="27" dur="1000" fill="hold"/>
+                                        <p:tgtEl>
+                                          <p:spTgt spid="9"/>
+                                        </p:tgtEl>
+                                        <p:attrNameLst>
+                                          <p:attrName>ppt_x</p:attrName>
+                                        </p:attrNameLst>
+                                      </p:cBhvr>
+                                      <p:tavLst>
+                                        <p:tav tm="0">
+                                          <p:val>
+                                            <p:strVal val="#ppt_x"/>
+                                          </p:val>
+                                        </p:tav>
+                                        <p:tav tm="100000">
+                                          <p:val>
+                                            <p:strVal val="#ppt_x"/>
+                                          </p:val>
+                                        </p:tav>
+                                      </p:tavLst>
+                                    </p:anim>
+                                    <p:anim calcmode="lin" valueType="num">
+                                      <p:cBhvr>
+                                        <p:cTn id="28" dur="1000" fill="hold"/>
+                                        <p:tgtEl>
+                                          <p:spTgt spid="9"/>
+                                        </p:tgtEl>
+                                        <p:attrNameLst>
+                                          <p:attrName>ppt_y</p:attrName>
+                                        </p:attrNameLst>
+                                      </p:cBhvr>
+                                      <p:tavLst>
+                                        <p:tav tm="0">
+                                          <p:val>
+                                            <p:strVal val="#ppt_y+.1"/>
+                                          </p:val>
+                                        </p:tav>
+                                        <p:tav tm="100000">
+                                          <p:val>
+                                            <p:strVal val="#ppt_y"/>
+                                          </p:val>
+                                        </p:tav>
+                                      </p:tavLst>
+                                    </p:anim>
+                                  </p:childTnLst>
+                                </p:cTn>
+                              </p:par>
+                              <p:par>
+                                <p:cTn id="29" presetID="42" presetClass="entr" presetSubtype="0" fill="hold" grpId="0" nodeType="withEffect">
+                                  <p:stCondLst>
+                                    <p:cond delay="0"/>
+                                  </p:stCondLst>
+                                  <p:childTnLst>
+                                    <p:set>
+                                      <p:cBhvr>
+                                        <p:cTn id="30" dur="1" fill="hold">
+                                          <p:stCondLst>
+                                            <p:cond delay="0"/>
+                                          </p:stCondLst>
+                                        </p:cTn>
+                                        <p:tgtEl>
+                                          <p:spTgt spid="17"/>
+                                        </p:tgtEl>
+                                        <p:attrNameLst>
+                                          <p:attrName>style.visibility</p:attrName>
+                                        </p:attrNameLst>
+                                      </p:cBhvr>
+                                      <p:to>
+                                        <p:strVal val="visible"/>
+                                      </p:to>
+                                    </p:set>
+                                    <p:animEffect transition="in" filter="fade">
+                                      <p:cBhvr>
+                                        <p:cTn id="31" dur="1000"/>
+                                        <p:tgtEl>
+                                          <p:spTgt spid="17"/>
+                                        </p:tgtEl>
+                                      </p:cBhvr>
+                                    </p:animEffect>
+                                    <p:anim calcmode="lin" valueType="num">
+                                      <p:cBhvr>
+                                        <p:cTn id="32" dur="1000" fill="hold"/>
+                                        <p:tgtEl>
+                                          <p:spTgt spid="17"/>
+                                        </p:tgtEl>
+                                        <p:attrNameLst>
+                                          <p:attrName>ppt_x</p:attrName>
+                                        </p:attrNameLst>
+                                      </p:cBhvr>
+                                      <p:tavLst>
+                                        <p:tav tm="0">
+                                          <p:val>
+                                            <p:strVal val="#ppt_x"/>
+                                          </p:val>
+                                        </p:tav>
+                                        <p:tav tm="100000">
+                                          <p:val>
+                                            <p:strVal val="#ppt_x"/>
+                                          </p:val>
+                                        </p:tav>
+                                      </p:tavLst>
+                                    </p:anim>
+                                    <p:anim calcmode="lin" valueType="num">
+                                      <p:cBhvr>
+                                        <p:cTn id="33" dur="1000" fill="hold"/>
+                                        <p:tgtEl>
+                                          <p:spTgt spid="17"/>
+                                        </p:tgtEl>
+                                        <p:attrNameLst>
+                                          <p:attrName>ppt_y</p:attrName>
+                                        </p:attrNameLst>
+                                      </p:cBhvr>
+                                      <p:tavLst>
+                                        <p:tav tm="0">
+                                          <p:val>
+                                            <p:strVal val="#ppt_y+.1"/>
+                                          </p:val>
+                                        </p:tav>
+                                        <p:tav tm="100000">
+                                          <p:val>
+                                            <p:strVal val="#ppt_y"/>
+                                          </p:val>
+                                        </p:tav>
+                                      </p:tavLst>
+                                    </p:anim>
+                                  </p:childTnLst>
+                                </p:cTn>
+                              </p:par>
+                              <p:par>
+                                <p:cTn id="34" presetID="42" presetClass="entr" presetSubtype="0" fill="hold" grpId="0" nodeType="withEffect">
+                                  <p:stCondLst>
+                                    <p:cond delay="0"/>
+                                  </p:stCondLst>
+                                  <p:childTnLst>
+                                    <p:set>
+                                      <p:cBhvr>
+                                        <p:cTn id="35" dur="1" fill="hold">
+                                          <p:stCondLst>
+                                            <p:cond delay="0"/>
+                                          </p:stCondLst>
+                                        </p:cTn>
+                                        <p:tgtEl>
+                                          <p:spTgt spid="18"/>
+                                        </p:tgtEl>
+                                        <p:attrNameLst>
+                                          <p:attrName>style.visibility</p:attrName>
+                                        </p:attrNameLst>
+                                      </p:cBhvr>
+                                      <p:to>
+                                        <p:strVal val="visible"/>
+                                      </p:to>
+                                    </p:set>
+                                    <p:animEffect transition="in" filter="fade">
+                                      <p:cBhvr>
+                                        <p:cTn id="36" dur="1000"/>
+                                        <p:tgtEl>
+                                          <p:spTgt spid="18"/>
+                                        </p:tgtEl>
+                                      </p:cBhvr>
+                                    </p:animEffect>
+                                    <p:anim calcmode="lin" valueType="num">
+                                      <p:cBhvr>
+                                        <p:cTn id="37" dur="1000" fill="hold"/>
+                                        <p:tgtEl>
+                                          <p:spTgt spid="18"/>
+                                        </p:tgtEl>
+                                        <p:attrNameLst>
+                                          <p:attrName>ppt_x</p:attrName>
+                                        </p:attrNameLst>
+                                      </p:cBhvr>
+                                      <p:tavLst>
+                                        <p:tav tm="0">
+                                          <p:val>
+                                            <p:strVal val="#ppt_x"/>
+                                          </p:val>
+                                        </p:tav>
+                                        <p:tav tm="100000">
+                                          <p:val>
+                                            <p:strVal val="#ppt_x"/>
+                                          </p:val>
+                                        </p:tav>
+                                      </p:tavLst>
+                                    </p:anim>
+                                    <p:anim calcmode="lin" valueType="num">
+                                      <p:cBhvr>
+                                        <p:cTn id="38" dur="1000" fill="hold"/>
+                                        <p:tgtEl>
+                                          <p:spTgt spid="18"/>
+                                        </p:tgtEl>
+                                        <p:attrNameLst>
+                                          <p:attrName>ppt_y</p:attrName>
+                                        </p:attrNameLst>
+                                      </p:cBhvr>
+                                      <p:tavLst>
+                                        <p:tav tm="0">
+                                          <p:val>
+                                            <p:strVal val="#ppt_y+.1"/>
+                                          </p:val>
+                                        </p:tav>
+                                        <p:tav tm="100000">
+                                          <p:val>
+                                            <p:strVal val="#ppt_y"/>
+                                          </p:val>
+                                        </p:tav>
+                                      </p:tavLst>
+                                    </p:anim>
+                                  </p:childTnLst>
+                                </p:cTn>
+                              </p:par>
+                            </p:childTnLst>
+                          </p:cTn>
+                        </p:par>
+                      </p:childTnLst>
+                    </p:cTn>
+                  </p:par>
+                  <p:par>
+                    <p:cTn id="39" fill="hold">
+                      <p:stCondLst>
+                        <p:cond delay="indefinite"/>
+                      </p:stCondLst>
+                      <p:childTnLst>
+                        <p:par>
+                          <p:cTn id="40" fill="hold">
+                            <p:stCondLst>
+                              <p:cond delay="0"/>
+                            </p:stCondLst>
+                            <p:childTnLst>
+                              <p:par>
+                                <p:cTn id="41" presetID="42" presetClass="entr" presetSubtype="0" fill="hold" nodeType="clickEffect">
+                                  <p:stCondLst>
+                                    <p:cond delay="0"/>
+                                  </p:stCondLst>
+                                  <p:childTnLst>
+                                    <p:set>
+                                      <p:cBhvr>
+                                        <p:cTn id="42" dur="1" fill="hold">
+                                          <p:stCondLst>
+                                            <p:cond delay="0"/>
+                                          </p:stCondLst>
+                                        </p:cTn>
+                                        <p:tgtEl>
+                                          <p:spTgt spid="14"/>
+                                        </p:tgtEl>
+                                        <p:attrNameLst>
+                                          <p:attrName>style.visibility</p:attrName>
+                                        </p:attrNameLst>
+                                      </p:cBhvr>
+                                      <p:to>
+                                        <p:strVal val="visible"/>
+                                      </p:to>
+                                    </p:set>
+                                    <p:animEffect transition="in" filter="fade">
+                                      <p:cBhvr>
+                                        <p:cTn id="43" dur="1000"/>
+                                        <p:tgtEl>
+                                          <p:spTgt spid="14"/>
+                                        </p:tgtEl>
+                                      </p:cBhvr>
+                                    </p:animEffect>
+                                    <p:anim calcmode="lin" valueType="num">
+                                      <p:cBhvr>
+                                        <p:cTn id="44" dur="1000" fill="hold"/>
+                                        <p:tgtEl>
+                                          <p:spTgt spid="14"/>
+                                        </p:tgtEl>
+                                        <p:attrNameLst>
+                                          <p:attrName>ppt_x</p:attrName>
+                                        </p:attrNameLst>
+                                      </p:cBhvr>
+                                      <p:tavLst>
+                                        <p:tav tm="0">
+                                          <p:val>
+                                            <p:strVal val="#ppt_x"/>
+                                          </p:val>
+                                        </p:tav>
+                                        <p:tav tm="100000">
+                                          <p:val>
+                                            <p:strVal val="#ppt_x"/>
+                                          </p:val>
+                                        </p:tav>
+                                      </p:tavLst>
+                                    </p:anim>
+                                    <p:anim calcmode="lin" valueType="num">
+                                      <p:cBhvr>
+                                        <p:cTn id="45" dur="1000" fill="hold"/>
+                                        <p:tgtEl>
+                                          <p:spTgt spid="14"/>
+                                        </p:tgtEl>
+                                        <p:attrNameLst>
+                                          <p:attrName>ppt_y</p:attrName>
+                                        </p:attrNameLst>
+                                      </p:cBhvr>
+                                      <p:tavLst>
+                                        <p:tav tm="0">
+                                          <p:val>
+                                            <p:strVal val="#ppt_y+.1"/>
+                                          </p:val>
+                                        </p:tav>
+                                        <p:tav tm="100000">
+                                          <p:val>
+                                            <p:strVal val="#ppt_y"/>
+                                          </p:val>
+                                        </p:tav>
+                                      </p:tavLst>
+                                    </p:anim>
+                                  </p:childTnLst>
+                                </p:cTn>
+                              </p:par>
+                              <p:par>
+                                <p:cTn id="46" presetID="42" presetClass="entr" presetSubtype="0" fill="hold" grpId="0" nodeType="withEffect">
+                                  <p:stCondLst>
+                                    <p:cond delay="0"/>
+                                  </p:stCondLst>
+                                  <p:childTnLst>
+                                    <p:set>
+                                      <p:cBhvr>
+                                        <p:cTn id="47" dur="1" fill="hold">
+                                          <p:stCondLst>
+                                            <p:cond delay="0"/>
+                                          </p:stCondLst>
+                                        </p:cTn>
+                                        <p:tgtEl>
+                                          <p:spTgt spid="19"/>
+                                        </p:tgtEl>
+                                        <p:attrNameLst>
+                                          <p:attrName>style.visibility</p:attrName>
+                                        </p:attrNameLst>
+                                      </p:cBhvr>
+                                      <p:to>
+                                        <p:strVal val="visible"/>
+                                      </p:to>
+                                    </p:set>
+                                    <p:animEffect transition="in" filter="fade">
+                                      <p:cBhvr>
+                                        <p:cTn id="48" dur="1000"/>
+                                        <p:tgtEl>
+                                          <p:spTgt spid="19"/>
+                                        </p:tgtEl>
+                                      </p:cBhvr>
+                                    </p:animEffect>
+                                    <p:anim calcmode="lin" valueType="num">
+                                      <p:cBhvr>
+                                        <p:cTn id="49" dur="1000" fill="hold"/>
+                                        <p:tgtEl>
+                                          <p:spTgt spid="19"/>
+                                        </p:tgtEl>
+                                        <p:attrNameLst>
+                                          <p:attrName>ppt_x</p:attrName>
+                                        </p:attrNameLst>
+                                      </p:cBhvr>
+                                      <p:tavLst>
+                                        <p:tav tm="0">
+                                          <p:val>
+                                            <p:strVal val="#ppt_x"/>
+                                          </p:val>
+                                        </p:tav>
+                                        <p:tav tm="100000">
+                                          <p:val>
+                                            <p:strVal val="#ppt_x"/>
+                                          </p:val>
+                                        </p:tav>
+                                      </p:tavLst>
+                                    </p:anim>
+                                    <p:anim calcmode="lin" valueType="num">
+                                      <p:cBhvr>
+                                        <p:cTn id="50" dur="1000" fill="hold"/>
+                                        <p:tgtEl>
+                                          <p:spTgt spid="19"/>
+                                        </p:tgtEl>
+                                        <p:attrNameLst>
+                                          <p:attrName>ppt_y</p:attrName>
+                                        </p:attrNameLst>
+                                      </p:cBhvr>
+                                      <p:tavLst>
+                                        <p:tav tm="0">
+                                          <p:val>
+                                            <p:strVal val="#ppt_y+.1"/>
+                                          </p:val>
+                                        </p:tav>
+                                        <p:tav tm="100000">
+                                          <p:val>
+                                            <p:strVal val="#ppt_y"/>
+                                          </p:val>
+                                        </p:tav>
+                                      </p:tavLst>
+                                    </p:anim>
+                                  </p:childTnLst>
+                                </p:cTn>
+                              </p:par>
+                              <p:par>
+                                <p:cTn id="51" presetID="42" presetClass="entr" presetSubtype="0" fill="hold" grpId="0" nodeType="withEffect">
+                                  <p:stCondLst>
+                                    <p:cond delay="0"/>
+                                  </p:stCondLst>
+                                  <p:childTnLst>
+                                    <p:set>
+                                      <p:cBhvr>
+                                        <p:cTn id="52" dur="1" fill="hold">
+                                          <p:stCondLst>
+                                            <p:cond delay="0"/>
+                                          </p:stCondLst>
+                                        </p:cTn>
+                                        <p:tgtEl>
+                                          <p:spTgt spid="20"/>
+                                        </p:tgtEl>
+                                        <p:attrNameLst>
+                                          <p:attrName>style.visibility</p:attrName>
+                                        </p:attrNameLst>
+                                      </p:cBhvr>
+                                      <p:to>
+                                        <p:strVal val="visible"/>
+                                      </p:to>
+                                    </p:set>
+                                    <p:animEffect transition="in" filter="fade">
+                                      <p:cBhvr>
+                                        <p:cTn id="53" dur="1000"/>
+                                        <p:tgtEl>
+                                          <p:spTgt spid="20"/>
+                                        </p:tgtEl>
+                                      </p:cBhvr>
+                                    </p:animEffect>
+                                    <p:anim calcmode="lin" valueType="num">
+                                      <p:cBhvr>
+                                        <p:cTn id="54" dur="1000" fill="hold"/>
+                                        <p:tgtEl>
+                                          <p:spTgt spid="20"/>
+                                        </p:tgtEl>
+                                        <p:attrNameLst>
+                                          <p:attrName>ppt_x</p:attrName>
+                                        </p:attrNameLst>
+                                      </p:cBhvr>
+                                      <p:tavLst>
+                                        <p:tav tm="0">
+                                          <p:val>
+                                            <p:strVal val="#ppt_x"/>
+                                          </p:val>
+                                        </p:tav>
+                                        <p:tav tm="100000">
+                                          <p:val>
+                                            <p:strVal val="#ppt_x"/>
+                                          </p:val>
+                                        </p:tav>
+                                      </p:tavLst>
+                                    </p:anim>
+                                    <p:anim calcmode="lin" valueType="num">
+                                      <p:cBhvr>
+                                        <p:cTn id="55" dur="1000" fill="hold"/>
+                                        <p:tgtEl>
+                                          <p:spTgt spid="20"/>
+                                        </p:tgtEl>
+                                        <p:attrNameLst>
+                                          <p:attrName>ppt_y</p:attrName>
+                                        </p:attrNameLst>
+                                      </p:cBhvr>
+                                      <p:tavLst>
+                                        <p:tav tm="0">
+                                          <p:val>
+                                            <p:strVal val="#ppt_y+.1"/>
+                                          </p:val>
+                                        </p:tav>
+                                        <p:tav tm="100000">
+                                          <p:val>
+                                            <p:strVal val="#ppt_y"/>
+                                          </p:val>
+                                        </p:tav>
+                                      </p:tavLst>
+                                    </p:anim>
+                                  </p:childTnLst>
+                                </p:cTn>
+                              </p:par>
+                              <p:par>
+                                <p:cTn id="56" presetID="42" presetClass="entr" presetSubtype="0" fill="hold" grpId="0" nodeType="withEffect">
+                                  <p:stCondLst>
+                                    <p:cond delay="0"/>
+                                  </p:stCondLst>
+                                  <p:childTnLst>
+                                    <p:set>
+                                      <p:cBhvr>
+                                        <p:cTn id="57" dur="1" fill="hold">
+                                          <p:stCondLst>
+                                            <p:cond delay="0"/>
+                                          </p:stCondLst>
+                                        </p:cTn>
+                                        <p:tgtEl>
+                                          <p:spTgt spid="21"/>
+                                        </p:tgtEl>
+                                        <p:attrNameLst>
+                                          <p:attrName>style.visibility</p:attrName>
+                                        </p:attrNameLst>
+                                      </p:cBhvr>
+                                      <p:to>
+                                        <p:strVal val="visible"/>
+                                      </p:to>
+                                    </p:set>
+                                    <p:animEffect transition="in" filter="fade">
+                                      <p:cBhvr>
+                                        <p:cTn id="58" dur="1000"/>
+                                        <p:tgtEl>
+                                          <p:spTgt spid="21"/>
+                                        </p:tgtEl>
+                                      </p:cBhvr>
+                                    </p:animEffect>
+                                    <p:anim calcmode="lin" valueType="num">
+                                      <p:cBhvr>
+                                        <p:cTn id="59" dur="1000" fill="hold"/>
+                                        <p:tgtEl>
+                                          <p:spTgt spid="21"/>
+                                        </p:tgtEl>
+                                        <p:attrNameLst>
+                                          <p:attrName>ppt_x</p:attrName>
+                                        </p:attrNameLst>
+                                      </p:cBhvr>
+                                      <p:tavLst>
+                                        <p:tav tm="0">
+                                          <p:val>
+                                            <p:strVal val="#ppt_x"/>
+                                          </p:val>
+                                        </p:tav>
+                                        <p:tav tm="100000">
+                                          <p:val>
+                                            <p:strVal val="#ppt_x"/>
+                                          </p:val>
+                                        </p:tav>
+                                      </p:tavLst>
+                                    </p:anim>
+                                    <p:anim calcmode="lin" valueType="num">
+                                      <p:cBhvr>
+                                        <p:cTn id="60" dur="1000" fill="hold"/>
+                                        <p:tgtEl>
+                                          <p:spTgt spid="21"/>
+                                        </p:tgtEl>
+                                        <p:attrNameLst>
+                                          <p:attrName>ppt_y</p:attrName>
+                                        </p:attrNameLst>
+                                      </p:cBhvr>
+                                      <p:tavLst>
+                                        <p:tav tm="0">
+                                          <p:val>
+                                            <p:strVal val="#ppt_y+.1"/>
+                                          </p:val>
+                                        </p:tav>
+                                        <p:tav tm="100000">
+                                          <p:val>
+                                            <p:strVal val="#ppt_y"/>
+                                          </p:val>
+                                        </p:tav>
+                                      </p:tavLst>
+                                    </p:anim>
+                                  </p:childTnLst>
+                                </p:cTn>
+                              </p:par>
+                            </p:childTnLst>
+                          </p:cTn>
+                        </p:par>
+                      </p:childTnLst>
+                    </p:cTn>
+                  </p:par>
+                  <p:par>
+                    <p:cTn id="61" fill="hold">
+                      <p:stCondLst>
+                        <p:cond delay="indefinite"/>
+                      </p:stCondLst>
+                      <p:childTnLst>
+                        <p:par>
+                          <p:cTn id="62" fill="hold">
+                            <p:stCondLst>
+                              <p:cond delay="0"/>
+                            </p:stCondLst>
+                            <p:childTnLst>
+                              <p:par>
+                                <p:cTn id="63" presetID="42" presetClass="entr" presetSubtype="0" fill="hold" grpId="0" nodeType="clickEffect">
+                                  <p:stCondLst>
+                                    <p:cond delay="0"/>
+                                  </p:stCondLst>
+                                  <p:childTnLst>
+                                    <p:set>
+                                      <p:cBhvr>
+                                        <p:cTn id="64" dur="1" fill="hold">
+                                          <p:stCondLst>
+                                            <p:cond delay="0"/>
+                                          </p:stCondLst>
+                                        </p:cTn>
+                                        <p:tgtEl>
+                                          <p:spTgt spid="23"/>
+                                        </p:tgtEl>
+                                        <p:attrNameLst>
+                                          <p:attrName>style.visibility</p:attrName>
+                                        </p:attrNameLst>
+                                      </p:cBhvr>
+                                      <p:to>
+                                        <p:strVal val="visible"/>
+                                      </p:to>
+                                    </p:set>
+                                    <p:animEffect transition="in" filter="fade">
+                                      <p:cBhvr>
+                                        <p:cTn id="65" dur="1000"/>
+                                        <p:tgtEl>
+                                          <p:spTgt spid="23"/>
+                                        </p:tgtEl>
+                                      </p:cBhvr>
+                                    </p:animEffect>
+                                    <p:anim calcmode="lin" valueType="num">
+                                      <p:cBhvr>
+                                        <p:cTn id="66" dur="1000" fill="hold"/>
+                                        <p:tgtEl>
+                                          <p:spTgt spid="23"/>
+                                        </p:tgtEl>
+                                        <p:attrNameLst>
+                                          <p:attrName>ppt_x</p:attrName>
+                                        </p:attrNameLst>
+                                      </p:cBhvr>
+                                      <p:tavLst>
+                                        <p:tav tm="0">
+                                          <p:val>
+                                            <p:strVal val="#ppt_x"/>
+                                          </p:val>
+                                        </p:tav>
+                                        <p:tav tm="100000">
+                                          <p:val>
+                                            <p:strVal val="#ppt_x"/>
+                                          </p:val>
+                                        </p:tav>
+                                      </p:tavLst>
+                                    </p:anim>
+                                    <p:anim calcmode="lin" valueType="num">
+                                      <p:cBhvr>
+                                        <p:cTn id="67" dur="1000" fill="hold"/>
+                                        <p:tgtEl>
+                                          <p:spTgt spid="23"/>
+                                        </p:tgtEl>
+                                        <p:attrNameLst>
+                                          <p:attrName>ppt_y</p:attrName>
+                                        </p:attrNameLst>
+                                      </p:cBhvr>
+                                      <p:tavLst>
+                                        <p:tav tm="0">
+                                          <p:val>
+                                            <p:strVal val="#ppt_y+.1"/>
+                                          </p:val>
+                                        </p:tav>
+                                        <p:tav tm="100000">
+                                          <p:val>
+                                            <p:strVal val="#ppt_y"/>
+                                          </p:val>
+                                        </p:tav>
+                                      </p:tavLst>
+                                    </p:anim>
+                                  </p:childTnLst>
+                                </p:cTn>
+                              </p:par>
+                            </p:childTnLst>
+                          </p:cTn>
+                        </p:par>
+                      </p:childTnLst>
+                    </p:cTn>
+                  </p:par>
+                </p:childTnLst>
+              </p:cTn>
+              <p:prevCondLst>
+                <p:cond evt="onPrev" delay="0">
+                  <p:tgtEl>
+                    <p:sldTgt/>
+                  </p:tgtEl>
+                </p:cond>
+              </p:prevCondLst>
+              <p:nextCondLst>
+                <p:cond evt="onNext" delay="0">
+                  <p:tgtEl>
+                    <p:sldTgt/>
+                  </p:tgtEl>
+                </p:cond>
+              </p:nextCondLst>
+            </p:seq>
+          </p:childTnLst>
+        </p:cTn>
+      </p:par>
+    </p:tnLst>
+    <p:bldLst>
+      <p:bldP spid="22" grpId="0"/>
+      <p:bldP spid="15" grpId="0"/>
+      <p:bldP spid="17" grpId="0"/>
+      <p:bldP spid="18" grpId="0"/>
+      <p:bldP spid="19" grpId="0"/>
+      <p:bldP spid="20" grpId="0"/>
+      <p:bldP spid="21" grpId="0"/>
+      <p:bldP spid="23" grpId="0"/>
+    </p:bldLst>
+  </p:timing>
+</p:sld>
+</file>
+
+<file path=ppt/slides/slide9.xml><?xml version="1.0" encoding="utf-8"?>
+<p:sld xmlns:a="http://schemas.openxmlformats.org/drawingml/2006/main" xmlns:r="http://schemas.openxmlformats.org/officeDocument/2006/relationships" xmlns:p="http://schemas.openxmlformats.org/presentationml/2006/main">
+  <p:cSld>
+    <p:spTree>
+      <p:nvGrpSpPr>
+        <p:cNvPr id="1" name=""/>
+        <p:cNvGrpSpPr/>
+        <p:nvPr/>
+      </p:nvGrpSpPr>
+      <p:grpSpPr>
+        <a:xfrm>
+          <a:off x="0" y="0"/>
+          <a:ext cx="0" cy="0"/>
+          <a:chOff x="0" y="0"/>
+          <a:chExt cx="0" cy="0"/>
+        </a:xfrm>
+      </p:grpSpPr>
+      <p:pic>
+        <p:nvPicPr>
+          <p:cNvPr id="6" name="Picture 5"/>
+          <p:cNvPicPr>
+            <a:picLocks noChangeAspect="1"/>
+          </p:cNvPicPr>
+          <p:nvPr/>
+        </p:nvPicPr>
+        <p:blipFill>
+          <a:blip r:embed="rId2">
+            <a:extLst>
+              <a:ext uri="{28A0092B-C50C-407E-A947-70E740481C1C}">
+                <a14:useLocalDpi xmlns:a14="http://schemas.microsoft.com/office/drawing/2010/main" val="0"/>
+              </a:ext>
+            </a:extLst>
+          </a:blip>
+          <a:stretch>
+            <a:fillRect/>
+          </a:stretch>
+        </p:blipFill>
+        <p:spPr>
+          <a:xfrm>
+            <a:off x="10148454" y="41565"/>
+            <a:ext cx="1263536" cy="1263536"/>
+          </a:xfrm>
+          <a:prstGeom prst="rect">
+            <a:avLst/>
+          </a:prstGeom>
+        </p:spPr>
+      </p:pic>
+      <p:sp>
+        <p:nvSpPr>
+          <p:cNvPr id="22" name="TextBox 21"/>
+          <p:cNvSpPr txBox="1"/>
+          <p:nvPr/>
+        </p:nvSpPr>
+        <p:spPr>
+          <a:xfrm>
+            <a:off x="825594" y="673333"/>
+            <a:ext cx="9353843" cy="584775"/>
+          </a:xfrm>
+          <a:prstGeom prst="rect">
+            <a:avLst/>
+          </a:prstGeom>
+          <a:noFill/>
+        </p:spPr>
+        <p:txBody>
+          <a:bodyPr wrap="none" rtlCol="0">
+            <a:spAutoFit/>
+          </a:bodyPr>
+          <a:lstStyle/>
+          <a:p>
+            <a:r>
+              <a:rPr lang="en-US" sz="3200" b="1" u="sng" dirty="0">
+                <a:solidFill>
+                  <a:schemeClr val="accent4"/>
+                </a:solidFill>
+              </a:rPr>
+              <a:t>What Is the Difference Between Angular 1 &amp; 2?</a:t>
+            </a:r>
+            <a:endParaRPr lang="en-US" sz="3200" b="1" u="sng" dirty="0">
+              <a:solidFill>
+                <a:schemeClr val="accent4"/>
+              </a:solidFill>
+            </a:endParaRPr>
+          </a:p>
+        </p:txBody>
+      </p:sp>
+      <p:sp>
+        <p:nvSpPr>
+          <p:cNvPr id="2" name="TextBox 1"/>
+          <p:cNvSpPr txBox="1"/>
+          <p:nvPr/>
+        </p:nvSpPr>
+        <p:spPr>
+          <a:xfrm>
+            <a:off x="825594" y="1579418"/>
+            <a:ext cx="3296095" cy="369332"/>
+          </a:xfrm>
+          <a:prstGeom prst="rect">
+            <a:avLst/>
+          </a:prstGeom>
+          <a:noFill/>
+        </p:spPr>
+        <p:txBody>
+          <a:bodyPr wrap="none" rtlCol="0">
+            <a:spAutoFit/>
+          </a:bodyPr>
+          <a:lstStyle/>
+          <a:p>
+            <a:r>
+              <a:rPr lang="en-US" b="1" dirty="0">
+                <a:solidFill>
+                  <a:schemeClr val="bg1"/>
+                </a:solidFill>
+              </a:rPr>
+              <a:t>Speed — </a:t>
+            </a:r>
+            <a:r>
+              <a:rPr lang="en-US" dirty="0">
+                <a:solidFill>
+                  <a:schemeClr val="bg1"/>
+                </a:solidFill>
+              </a:rPr>
+              <a:t>Angular 2 is faster.</a:t>
+            </a:r>
+          </a:p>
+        </p:txBody>
+      </p:sp>
+      <p:sp>
+        <p:nvSpPr>
+          <p:cNvPr id="14" name="TextBox 13"/>
+          <p:cNvSpPr txBox="1"/>
+          <p:nvPr/>
+        </p:nvSpPr>
+        <p:spPr>
+          <a:xfrm>
+            <a:off x="825593" y="2085394"/>
+            <a:ext cx="10148932" cy="369332"/>
+          </a:xfrm>
+          <a:prstGeom prst="rect">
+            <a:avLst/>
+          </a:prstGeom>
+          <a:noFill/>
+        </p:spPr>
+        <p:txBody>
+          <a:bodyPr wrap="none" rtlCol="0">
+            <a:spAutoFit/>
+          </a:bodyPr>
+          <a:lstStyle/>
+          <a:p>
+            <a:r>
+              <a:rPr lang="en-US" b="1" dirty="0">
+                <a:solidFill>
+                  <a:schemeClr val="bg1"/>
+                </a:solidFill>
+              </a:rPr>
+              <a:t>Components — </a:t>
+            </a:r>
+            <a:r>
+              <a:rPr lang="en-US" dirty="0">
+                <a:solidFill>
+                  <a:schemeClr val="bg1"/>
+                </a:solidFill>
+              </a:rPr>
+              <a:t>Instead of controllers and scope, we use components, which feel simpler.</a:t>
+            </a:r>
+          </a:p>
+        </p:txBody>
+      </p:sp>
+      <p:sp>
+        <p:nvSpPr>
+          <p:cNvPr id="15" name="TextBox 14"/>
+          <p:cNvSpPr txBox="1"/>
+          <p:nvPr/>
+        </p:nvSpPr>
+        <p:spPr>
+          <a:xfrm>
+            <a:off x="825593" y="2591370"/>
+            <a:ext cx="7372531" cy="369332"/>
+          </a:xfrm>
+          <a:prstGeom prst="rect">
+            <a:avLst/>
+          </a:prstGeom>
+          <a:noFill/>
+        </p:spPr>
+        <p:txBody>
+          <a:bodyPr wrap="none" rtlCol="0">
+            <a:spAutoFit/>
+          </a:bodyPr>
+          <a:lstStyle/>
+          <a:p>
+            <a:r>
+              <a:rPr lang="en-US" b="1" dirty="0">
+                <a:solidFill>
+                  <a:schemeClr val="bg1"/>
+                </a:solidFill>
+              </a:rPr>
+              <a:t>Simpler Directives — </a:t>
+            </a:r>
+            <a:r>
+              <a:rPr lang="en-US" dirty="0">
+                <a:solidFill>
+                  <a:schemeClr val="bg1"/>
+                </a:solidFill>
+              </a:rPr>
+              <a:t>Creating custom directives is much simpler.</a:t>
+            </a:r>
+          </a:p>
+        </p:txBody>
+      </p:sp>
+      <p:sp>
+        <p:nvSpPr>
+          <p:cNvPr id="16" name="TextBox 15"/>
+          <p:cNvSpPr txBox="1"/>
+          <p:nvPr/>
+        </p:nvSpPr>
+        <p:spPr>
+          <a:xfrm>
+            <a:off x="825593" y="3097346"/>
+            <a:ext cx="10148932" cy="646331"/>
+          </a:xfrm>
+          <a:prstGeom prst="rect">
+            <a:avLst/>
+          </a:prstGeom>
+          <a:noFill/>
+        </p:spPr>
+        <p:txBody>
+          <a:bodyPr wrap="square" rtlCol="0">
+            <a:spAutoFit/>
+          </a:bodyPr>
+          <a:lstStyle/>
+          <a:p>
+            <a:r>
+              <a:rPr lang="en-US" b="1" dirty="0">
+                <a:solidFill>
+                  <a:schemeClr val="bg1"/>
+                </a:solidFill>
+              </a:rPr>
+              <a:t>Intuitive Data Binding — </a:t>
+            </a:r>
+            <a:r>
+              <a:rPr lang="en-US" dirty="0">
+                <a:solidFill>
+                  <a:schemeClr val="bg1"/>
+                </a:solidFill>
+              </a:rPr>
+              <a:t>When we need to link data to </a:t>
+            </a:r>
+            <a:r>
+              <a:rPr lang="en-US" dirty="0" smtClean="0">
+                <a:solidFill>
+                  <a:schemeClr val="bg1"/>
+                </a:solidFill>
+              </a:rPr>
+              <a:t>an HTML </a:t>
+            </a:r>
+            <a:r>
+              <a:rPr lang="en-US" dirty="0">
+                <a:solidFill>
+                  <a:schemeClr val="bg1"/>
+                </a:solidFill>
+              </a:rPr>
+              <a:t>element or listen for a button clicking on the page, </a:t>
+            </a:r>
+            <a:r>
+              <a:rPr lang="en-US" dirty="0" smtClean="0">
+                <a:solidFill>
+                  <a:schemeClr val="bg1"/>
+                </a:solidFill>
+              </a:rPr>
+              <a:t>we have </a:t>
+            </a:r>
+            <a:r>
+              <a:rPr lang="en-US" dirty="0">
+                <a:solidFill>
+                  <a:schemeClr val="bg1"/>
+                </a:solidFill>
+              </a:rPr>
+              <a:t>an intuitive syntax.</a:t>
+            </a:r>
+          </a:p>
+        </p:txBody>
+      </p:sp>
+      <p:sp>
+        <p:nvSpPr>
+          <p:cNvPr id="17" name="TextBox 16"/>
+          <p:cNvSpPr txBox="1"/>
+          <p:nvPr/>
+        </p:nvSpPr>
+        <p:spPr>
+          <a:xfrm>
+            <a:off x="825593" y="4201631"/>
+            <a:ext cx="10148932" cy="369332"/>
+          </a:xfrm>
+          <a:prstGeom prst="rect">
+            <a:avLst/>
+          </a:prstGeom>
+          <a:noFill/>
+        </p:spPr>
+        <p:txBody>
+          <a:bodyPr wrap="square" rtlCol="0">
+            <a:spAutoFit/>
+          </a:bodyPr>
+          <a:lstStyle/>
+          <a:p>
+            <a:r>
+              <a:rPr lang="en-US" b="1" dirty="0">
+                <a:solidFill>
+                  <a:schemeClr val="bg1"/>
+                </a:solidFill>
+              </a:rPr>
+              <a:t>Services are now just a class.</a:t>
+            </a:r>
+            <a:endParaRPr lang="en-US" dirty="0">
+              <a:solidFill>
+                <a:schemeClr val="bg1"/>
+              </a:solidFill>
+            </a:endParaRPr>
+          </a:p>
+        </p:txBody>
+      </p:sp>
+      <p:sp>
+        <p:nvSpPr>
+          <p:cNvPr id="20" name="TextBox 19"/>
+          <p:cNvSpPr txBox="1"/>
+          <p:nvPr/>
+        </p:nvSpPr>
+        <p:spPr>
+          <a:xfrm>
+            <a:off x="825593" y="4694968"/>
+            <a:ext cx="10148932" cy="369332"/>
+          </a:xfrm>
+          <a:prstGeom prst="rect">
+            <a:avLst/>
+          </a:prstGeom>
+          <a:noFill/>
+        </p:spPr>
+        <p:txBody>
+          <a:bodyPr wrap="square" rtlCol="0">
+            <a:spAutoFit/>
+          </a:bodyPr>
+          <a:lstStyle/>
+          <a:p>
+            <a:r>
+              <a:rPr lang="en-US" dirty="0">
+                <a:solidFill>
+                  <a:schemeClr val="bg1"/>
+                </a:solidFill>
+              </a:rPr>
+              <a:t>Many more small improvements.</a:t>
+            </a:r>
+            <a:endParaRPr lang="en-US" dirty="0">
+              <a:solidFill>
+                <a:schemeClr val="bg1"/>
+              </a:solidFill>
+            </a:endParaRPr>
+          </a:p>
+        </p:txBody>
+      </p:sp>
+    </p:spTree>
+    <p:extLst>
+      <p:ext uri="{BB962C8B-B14F-4D97-AF65-F5344CB8AC3E}">
+        <p14:creationId xmlns:p14="http://schemas.microsoft.com/office/powerpoint/2010/main" val="1338026464"/>
+      </p:ext>
+    </p:extLst>
+  </p:cSld>
+  <p:clrMapOvr>
+    <a:masterClrMapping/>
+  </p:clrMapOvr>
+  <p:timing>
+    <p:tnLst>
+      <p:par>
+        <p:cTn id="1" dur="indefinite" restart="never" nodeType="tmRoot">
+          <p:childTnLst>
+            <p:seq concurrent="1" nextAc="seek">
+              <p:cTn id="2" dur="indefinite" nodeType="mainSeq">
+                <p:childTnLst>
+                  <p:par>
+                    <p:cTn id="3" fill="hold">
+                      <p:stCondLst>
+                        <p:cond delay="indefinite"/>
+                      </p:stCondLst>
+                      <p:childTnLst>
+                        <p:par>
+                          <p:cTn id="4" fill="hold">
+                            <p:stCondLst>
+                              <p:cond delay="0"/>
+                            </p:stCondLst>
+                            <p:childTnLst>
+                              <p:par>
+                                <p:cTn id="5" presetID="42" presetClass="entr" presetSubtype="0" fill="hold" grpId="0" nodeType="clickEffect">
+                                  <p:stCondLst>
+                                    <p:cond delay="0"/>
+                                  </p:stCondLst>
+                                  <p:childTnLst>
+                                    <p:set>
+                                      <p:cBhvr>
+                                        <p:cTn id="6" dur="1" fill="hold">
+                                          <p:stCondLst>
+                                            <p:cond delay="0"/>
+                                          </p:stCondLst>
+                                        </p:cTn>
+                                        <p:tgtEl>
+                                          <p:spTgt spid="22"/>
+                                        </p:tgtEl>
+                                        <p:attrNameLst>
+                                          <p:attrName>style.visibility</p:attrName>
+                                        </p:attrNameLst>
+                                      </p:cBhvr>
+                                      <p:to>
+                                        <p:strVal val="visible"/>
+                                      </p:to>
+                                    </p:set>
+                                    <p:animEffect transition="in" filter="fade">
+                                      <p:cBhvr>
+                                        <p:cTn id="7" dur="1000"/>
+                                        <p:tgtEl>
+                                          <p:spTgt spid="22"/>
+                                        </p:tgtEl>
+                                      </p:cBhvr>
+                                    </p:animEffect>
+                                    <p:anim calcmode="lin" valueType="num">
+                                      <p:cBhvr>
+                                        <p:cTn id="8" dur="1000" fill="hold"/>
+                                        <p:tgtEl>
+                                          <p:spTgt spid="22"/>
+                                        </p:tgtEl>
+                                        <p:attrNameLst>
+                                          <p:attrName>ppt_x</p:attrName>
+                                        </p:attrNameLst>
+                                      </p:cBhvr>
+                                      <p:tavLst>
+                                        <p:tav tm="0">
+                                          <p:val>
+                                            <p:strVal val="#ppt_x"/>
+                                          </p:val>
+                                        </p:tav>
+                                        <p:tav tm="100000">
+                                          <p:val>
+                                            <p:strVal val="#ppt_x"/>
+                                          </p:val>
+                                        </p:tav>
+                                      </p:tavLst>
+                                    </p:anim>
+                                    <p:anim calcmode="lin" valueType="num">
+                                      <p:cBhvr>
+                                        <p:cTn id="9" dur="1000" fill="hold"/>
+                                        <p:tgtEl>
+                                          <p:spTgt spid="22"/>
+                                        </p:tgtEl>
+                                        <p:attrNameLst>
+                                          <p:attrName>ppt_y</p:attrName>
+                                        </p:attrNameLst>
+                                      </p:cBhvr>
+                                      <p:tavLst>
+                                        <p:tav tm="0">
+                                          <p:val>
+                                            <p:strVal val="#ppt_y+.1"/>
+                                          </p:val>
+                                        </p:tav>
+                                        <p:tav tm="100000">
+                                          <p:val>
+                                            <p:strVal val="#ppt_y"/>
+                                          </p:val>
+                                        </p:tav>
+                                      </p:tavLst>
+                                    </p:anim>
+                                  </p:childTnLst>
+                                </p:cTn>
+                              </p:par>
+                            </p:childTnLst>
+                          </p:cTn>
+                        </p:par>
+                      </p:childTnLst>
+                    </p:cTn>
+                  </p:par>
+                  <p:par>
+                    <p:cTn id="10" fill="hold">
+                      <p:stCondLst>
+                        <p:cond delay="indefinite"/>
+                      </p:stCondLst>
+                      <p:childTnLst>
+                        <p:par>
+                          <p:cTn id="11" fill="hold">
+                            <p:stCondLst>
+                              <p:cond delay="0"/>
+                            </p:stCondLst>
+                            <p:childTnLst>
+                              <p:par>
+                                <p:cTn id="12" presetID="42" presetClass="entr" presetSubtype="0" fill="hold" grpId="0" nodeType="clickEffect">
+                                  <p:stCondLst>
+                                    <p:cond delay="0"/>
+                                  </p:stCondLst>
+                                  <p:childTnLst>
+                                    <p:set>
+                                      <p:cBhvr>
+                                        <p:cTn id="13" dur="1" fill="hold">
+                                          <p:stCondLst>
+                                            <p:cond delay="0"/>
+                                          </p:stCondLst>
+                                        </p:cTn>
+                                        <p:tgtEl>
+                                          <p:spTgt spid="2"/>
+                                        </p:tgtEl>
+                                        <p:attrNameLst>
+                                          <p:attrName>style.visibility</p:attrName>
+                                        </p:attrNameLst>
+                                      </p:cBhvr>
+                                      <p:to>
+                                        <p:strVal val="visible"/>
+                                      </p:to>
+                                    </p:set>
+                                    <p:animEffect transition="in" filter="fade">
+                                      <p:cBhvr>
+                                        <p:cTn id="14" dur="1000"/>
+                                        <p:tgtEl>
+                                          <p:spTgt spid="2"/>
+                                        </p:tgtEl>
+                                      </p:cBhvr>
+                                    </p:animEffect>
+                                    <p:anim calcmode="lin" valueType="num">
+                                      <p:cBhvr>
+                                        <p:cTn id="15" dur="1000" fill="hold"/>
+                                        <p:tgtEl>
+                                          <p:spTgt spid="2"/>
+                                        </p:tgtEl>
+                                        <p:attrNameLst>
+                                          <p:attrName>ppt_x</p:attrName>
+                                        </p:attrNameLst>
+                                      </p:cBhvr>
+                                      <p:tavLst>
+                                        <p:tav tm="0">
+                                          <p:val>
+                                            <p:strVal val="#ppt_x"/>
+                                          </p:val>
+                                        </p:tav>
+                                        <p:tav tm="100000">
+                                          <p:val>
+                                            <p:strVal val="#ppt_x"/>
+                                          </p:val>
+                                        </p:tav>
+                                      </p:tavLst>
+                                    </p:anim>
+                                    <p:anim calcmode="lin" valueType="num">
+                                      <p:cBhvr>
+                                        <p:cTn id="16" dur="1000" fill="hold"/>
+                                        <p:tgtEl>
+                                          <p:spTgt spid="2"/>
+                                        </p:tgtEl>
+                                        <p:attrNameLst>
+                                          <p:attrName>ppt_y</p:attrName>
+                                        </p:attrNameLst>
+                                      </p:cBhvr>
+                                      <p:tavLst>
+                                        <p:tav tm="0">
+                                          <p:val>
+                                            <p:strVal val="#ppt_y+.1"/>
+                                          </p:val>
+                                        </p:tav>
+                                        <p:tav tm="100000">
+                                          <p:val>
+                                            <p:strVal val="#ppt_y"/>
+                                          </p:val>
+                                        </p:tav>
+                                      </p:tavLst>
+                                    </p:anim>
+                                  </p:childTnLst>
+                                </p:cTn>
+                              </p:par>
+                              <p:par>
+                                <p:cTn id="17" presetID="42" presetClass="entr" presetSubtype="0" fill="hold" grpId="0" nodeType="withEffect">
+                                  <p:stCondLst>
+                                    <p:cond delay="0"/>
+                                  </p:stCondLst>
+                                  <p:childTnLst>
+                                    <p:set>
+                                      <p:cBhvr>
+                                        <p:cTn id="18" dur="1" fill="hold">
+                                          <p:stCondLst>
+                                            <p:cond delay="0"/>
+                                          </p:stCondLst>
+                                        </p:cTn>
+                                        <p:tgtEl>
+                                          <p:spTgt spid="14"/>
+                                        </p:tgtEl>
+                                        <p:attrNameLst>
+                                          <p:attrName>style.visibility</p:attrName>
+                                        </p:attrNameLst>
+                                      </p:cBhvr>
+                                      <p:to>
+                                        <p:strVal val="visible"/>
+                                      </p:to>
+                                    </p:set>
+                                    <p:animEffect transition="in" filter="fade">
+                                      <p:cBhvr>
+                                        <p:cTn id="19" dur="1000"/>
+                                        <p:tgtEl>
+                                          <p:spTgt spid="14"/>
+                                        </p:tgtEl>
+                                      </p:cBhvr>
+                                    </p:animEffect>
+                                    <p:anim calcmode="lin" valueType="num">
+                                      <p:cBhvr>
+                                        <p:cTn id="20" dur="1000" fill="hold"/>
+                                        <p:tgtEl>
+                                          <p:spTgt spid="14"/>
+                                        </p:tgtEl>
+                                        <p:attrNameLst>
+                                          <p:attrName>ppt_x</p:attrName>
+                                        </p:attrNameLst>
+                                      </p:cBhvr>
+                                      <p:tavLst>
+                                        <p:tav tm="0">
+                                          <p:val>
+                                            <p:strVal val="#ppt_x"/>
+                                          </p:val>
+                                        </p:tav>
+                                        <p:tav tm="100000">
+                                          <p:val>
+                                            <p:strVal val="#ppt_x"/>
+                                          </p:val>
+                                        </p:tav>
+                                      </p:tavLst>
+                                    </p:anim>
+                                    <p:anim calcmode="lin" valueType="num">
+                                      <p:cBhvr>
+                                        <p:cTn id="21" dur="1000" fill="hold"/>
+                                        <p:tgtEl>
+                                          <p:spTgt spid="14"/>
+                                        </p:tgtEl>
+                                        <p:attrNameLst>
+                                          <p:attrName>ppt_y</p:attrName>
+                                        </p:attrNameLst>
+                                      </p:cBhvr>
+                                      <p:tavLst>
+                                        <p:tav tm="0">
+                                          <p:val>
+                                            <p:strVal val="#ppt_y+.1"/>
+                                          </p:val>
+                                        </p:tav>
+                                        <p:tav tm="100000">
+                                          <p:val>
+                                            <p:strVal val="#ppt_y"/>
+                                          </p:val>
+                                        </p:tav>
+                                      </p:tavLst>
+                                    </p:anim>
+                                  </p:childTnLst>
+                                </p:cTn>
+                              </p:par>
+                              <p:par>
+                                <p:cTn id="22" presetID="42" presetClass="entr" presetSubtype="0" fill="hold" grpId="0" nodeType="withEffect">
+                                  <p:stCondLst>
+                                    <p:cond delay="0"/>
+                                  </p:stCondLst>
+                                  <p:childTnLst>
+                                    <p:set>
+                                      <p:cBhvr>
+                                        <p:cTn id="23" dur="1" fill="hold">
+                                          <p:stCondLst>
+                                            <p:cond delay="0"/>
+                                          </p:stCondLst>
+                                        </p:cTn>
+                                        <p:tgtEl>
+                                          <p:spTgt spid="15"/>
+                                        </p:tgtEl>
+                                        <p:attrNameLst>
+                                          <p:attrName>style.visibility</p:attrName>
+                                        </p:attrNameLst>
+                                      </p:cBhvr>
+                                      <p:to>
+                                        <p:strVal val="visible"/>
+                                      </p:to>
+                                    </p:set>
+                                    <p:animEffect transition="in" filter="fade">
+                                      <p:cBhvr>
+                                        <p:cTn id="24" dur="1000"/>
+                                        <p:tgtEl>
+                                          <p:spTgt spid="15"/>
+                                        </p:tgtEl>
+                                      </p:cBhvr>
+                                    </p:animEffect>
+                                    <p:anim calcmode="lin" valueType="num">
+                                      <p:cBhvr>
+                                        <p:cTn id="25" dur="1000" fill="hold"/>
+                                        <p:tgtEl>
+                                          <p:spTgt spid="15"/>
+                                        </p:tgtEl>
+                                        <p:attrNameLst>
+                                          <p:attrName>ppt_x</p:attrName>
+                                        </p:attrNameLst>
+                                      </p:cBhvr>
+                                      <p:tavLst>
+                                        <p:tav tm="0">
+                                          <p:val>
+                                            <p:strVal val="#ppt_x"/>
+                                          </p:val>
+                                        </p:tav>
+                                        <p:tav tm="100000">
+                                          <p:val>
+                                            <p:strVal val="#ppt_x"/>
+                                          </p:val>
+                                        </p:tav>
+                                      </p:tavLst>
+                                    </p:anim>
+                                    <p:anim calcmode="lin" valueType="num">
+                                      <p:cBhvr>
+                                        <p:cTn id="26" dur="1000" fill="hold"/>
+                                        <p:tgtEl>
+                                          <p:spTgt spid="15"/>
+                                        </p:tgtEl>
+                                        <p:attrNameLst>
+                                          <p:attrName>ppt_y</p:attrName>
+                                        </p:attrNameLst>
+                                      </p:cBhvr>
+                                      <p:tavLst>
+                                        <p:tav tm="0">
+                                          <p:val>
+                                            <p:strVal val="#ppt_y+.1"/>
+                                          </p:val>
+                                        </p:tav>
+                                        <p:tav tm="100000">
+                                          <p:val>
+                                            <p:strVal val="#ppt_y"/>
+                                          </p:val>
+                                        </p:tav>
+                                      </p:tavLst>
+                                    </p:anim>
+                                  </p:childTnLst>
+                                </p:cTn>
+                              </p:par>
+                              <p:par>
+                                <p:cTn id="27" presetID="42" presetClass="entr" presetSubtype="0" fill="hold" grpId="0" nodeType="withEffect">
+                                  <p:stCondLst>
+                                    <p:cond delay="0"/>
+                                  </p:stCondLst>
+                                  <p:childTnLst>
+                                    <p:set>
+                                      <p:cBhvr>
+                                        <p:cTn id="28" dur="1" fill="hold">
+                                          <p:stCondLst>
+                                            <p:cond delay="0"/>
+                                          </p:stCondLst>
+                                        </p:cTn>
+                                        <p:tgtEl>
+                                          <p:spTgt spid="16"/>
+                                        </p:tgtEl>
+                                        <p:attrNameLst>
+                                          <p:attrName>style.visibility</p:attrName>
+                                        </p:attrNameLst>
+                                      </p:cBhvr>
+                                      <p:to>
+                                        <p:strVal val="visible"/>
+                                      </p:to>
+                                    </p:set>
+                                    <p:animEffect transition="in" filter="fade">
+                                      <p:cBhvr>
+                                        <p:cTn id="29" dur="1000"/>
+                                        <p:tgtEl>
+                                          <p:spTgt spid="16"/>
+                                        </p:tgtEl>
+                                      </p:cBhvr>
+                                    </p:animEffect>
+                                    <p:anim calcmode="lin" valueType="num">
+                                      <p:cBhvr>
+                                        <p:cTn id="30" dur="1000" fill="hold"/>
+                                        <p:tgtEl>
+                                          <p:spTgt spid="16"/>
+                                        </p:tgtEl>
+                                        <p:attrNameLst>
+                                          <p:attrName>ppt_x</p:attrName>
+                                        </p:attrNameLst>
+                                      </p:cBhvr>
+                                      <p:tavLst>
+                                        <p:tav tm="0">
+                                          <p:val>
+                                            <p:strVal val="#ppt_x"/>
+                                          </p:val>
+                                        </p:tav>
+                                        <p:tav tm="100000">
+                                          <p:val>
+                                            <p:strVal val="#ppt_x"/>
+                                          </p:val>
+                                        </p:tav>
+                                      </p:tavLst>
+                                    </p:anim>
+                                    <p:anim calcmode="lin" valueType="num">
+                                      <p:cBhvr>
+                                        <p:cTn id="31" dur="1000" fill="hold"/>
+                                        <p:tgtEl>
+                                          <p:spTgt spid="16"/>
+                                        </p:tgtEl>
+                                        <p:attrNameLst>
+                                          <p:attrName>ppt_y</p:attrName>
+                                        </p:attrNameLst>
+                                      </p:cBhvr>
+                                      <p:tavLst>
+                                        <p:tav tm="0">
+                                          <p:val>
+                                            <p:strVal val="#ppt_y+.1"/>
+                                          </p:val>
+                                        </p:tav>
+                                        <p:tav tm="100000">
+                                          <p:val>
+                                            <p:strVal val="#ppt_y"/>
+                                          </p:val>
+                                        </p:tav>
+                                      </p:tavLst>
+                                    </p:anim>
+                                  </p:childTnLst>
+                                </p:cTn>
+                              </p:par>
+                              <p:par>
+                                <p:cTn id="32" presetID="42" presetClass="entr" presetSubtype="0" fill="hold" grpId="0" nodeType="withEffect">
+                                  <p:stCondLst>
+                                    <p:cond delay="0"/>
+                                  </p:stCondLst>
+                                  <p:childTnLst>
+                                    <p:set>
+                                      <p:cBhvr>
+                                        <p:cTn id="33" dur="1" fill="hold">
+                                          <p:stCondLst>
+                                            <p:cond delay="0"/>
+                                          </p:stCondLst>
+                                        </p:cTn>
+                                        <p:tgtEl>
+                                          <p:spTgt spid="17"/>
+                                        </p:tgtEl>
+                                        <p:attrNameLst>
+                                          <p:attrName>style.visibility</p:attrName>
+                                        </p:attrNameLst>
+                                      </p:cBhvr>
+                                      <p:to>
+                                        <p:strVal val="visible"/>
+                                      </p:to>
+                                    </p:set>
+                                    <p:animEffect transition="in" filter="fade">
+                                      <p:cBhvr>
+                                        <p:cTn id="34" dur="1000"/>
+                                        <p:tgtEl>
+                                          <p:spTgt spid="17"/>
+                                        </p:tgtEl>
+                                      </p:cBhvr>
+                                    </p:animEffect>
+                                    <p:anim calcmode="lin" valueType="num">
+                                      <p:cBhvr>
+                                        <p:cTn id="35" dur="1000" fill="hold"/>
+                                        <p:tgtEl>
+                                          <p:spTgt spid="17"/>
+                                        </p:tgtEl>
+                                        <p:attrNameLst>
+                                          <p:attrName>ppt_x</p:attrName>
+                                        </p:attrNameLst>
+                                      </p:cBhvr>
+                                      <p:tavLst>
+                                        <p:tav tm="0">
+                                          <p:val>
+                                            <p:strVal val="#ppt_x"/>
+                                          </p:val>
+                                        </p:tav>
+                                        <p:tav tm="100000">
+                                          <p:val>
+                                            <p:strVal val="#ppt_x"/>
+                                          </p:val>
+                                        </p:tav>
+                                      </p:tavLst>
+                                    </p:anim>
+                                    <p:anim calcmode="lin" valueType="num">
+                                      <p:cBhvr>
+                                        <p:cTn id="36" dur="1000" fill="hold"/>
+                                        <p:tgtEl>
+                                          <p:spTgt spid="17"/>
+                                        </p:tgtEl>
+                                        <p:attrNameLst>
+                                          <p:attrName>ppt_y</p:attrName>
+                                        </p:attrNameLst>
+                                      </p:cBhvr>
+                                      <p:tavLst>
+                                        <p:tav tm="0">
+                                          <p:val>
+                                            <p:strVal val="#ppt_y+.1"/>
+                                          </p:val>
+                                        </p:tav>
+                                        <p:tav tm="100000">
+                                          <p:val>
+                                            <p:strVal val="#ppt_y"/>
+                                          </p:val>
+                                        </p:tav>
+                                      </p:tavLst>
+                                    </p:anim>
+                                  </p:childTnLst>
+                                </p:cTn>
+                              </p:par>
+                              <p:par>
+                                <p:cTn id="37" presetID="42" presetClass="entr" presetSubtype="0" fill="hold" grpId="0" nodeType="withEffect">
+                                  <p:stCondLst>
+                                    <p:cond delay="0"/>
+                                  </p:stCondLst>
+                                  <p:childTnLst>
+                                    <p:set>
+                                      <p:cBhvr>
+                                        <p:cTn id="38" dur="1" fill="hold">
+                                          <p:stCondLst>
+                                            <p:cond delay="0"/>
+                                          </p:stCondLst>
+                                        </p:cTn>
+                                        <p:tgtEl>
+                                          <p:spTgt spid="20"/>
+                                        </p:tgtEl>
+                                        <p:attrNameLst>
+                                          <p:attrName>style.visibility</p:attrName>
+                                        </p:attrNameLst>
+                                      </p:cBhvr>
+                                      <p:to>
+                                        <p:strVal val="visible"/>
+                                      </p:to>
+                                    </p:set>
+                                    <p:animEffect transition="in" filter="fade">
+                                      <p:cBhvr>
+                                        <p:cTn id="39" dur="1000"/>
+                                        <p:tgtEl>
+                                          <p:spTgt spid="20"/>
+                                        </p:tgtEl>
+                                      </p:cBhvr>
+                                    </p:animEffect>
+                                    <p:anim calcmode="lin" valueType="num">
+                                      <p:cBhvr>
+                                        <p:cTn id="40" dur="1000" fill="hold"/>
+                                        <p:tgtEl>
+                                          <p:spTgt spid="20"/>
+                                        </p:tgtEl>
+                                        <p:attrNameLst>
+                                          <p:attrName>ppt_x</p:attrName>
+                                        </p:attrNameLst>
+                                      </p:cBhvr>
+                                      <p:tavLst>
+                                        <p:tav tm="0">
+                                          <p:val>
+                                            <p:strVal val="#ppt_x"/>
+                                          </p:val>
+                                        </p:tav>
+                                        <p:tav tm="100000">
+                                          <p:val>
+                                            <p:strVal val="#ppt_x"/>
+                                          </p:val>
+                                        </p:tav>
+                                      </p:tavLst>
+                                    </p:anim>
+                                    <p:anim calcmode="lin" valueType="num">
+                                      <p:cBhvr>
+                                        <p:cTn id="41" dur="1000" fill="hold"/>
+                                        <p:tgtEl>
+                                          <p:spTgt spid="20"/>
+                                        </p:tgtEl>
+                                        <p:attrNameLst>
+                                          <p:attrName>ppt_y</p:attrName>
+                                        </p:attrNameLst>
+                                      </p:cBhvr>
+                                      <p:tavLst>
+                                        <p:tav tm="0">
+                                          <p:val>
+                                            <p:strVal val="#ppt_y+.1"/>
+                                          </p:val>
+                                        </p:tav>
+                                        <p:tav tm="100000">
+                                          <p:val>
+                                            <p:strVal val="#ppt_y"/>
+                                          </p:val>
+                                        </p:tav>
+                                      </p:tavLst>
+                                    </p:anim>
+                                  </p:childTnLst>
+                                </p:cTn>
+                              </p:par>
+                            </p:childTnLst>
+                          </p:cTn>
+                        </p:par>
+                      </p:childTnLst>
+                    </p:cTn>
+                  </p:par>
+                </p:childTnLst>
+              </p:cTn>
+              <p:prevCondLst>
+                <p:cond evt="onPrev" delay="0">
+                  <p:tgtEl>
+                    <p:sldTgt/>
+                  </p:tgtEl>
+                </p:cond>
+              </p:prevCondLst>
+              <p:nextCondLst>
+                <p:cond evt="onNext" delay="0">
+                  <p:tgtEl>
+                    <p:sldTgt/>
+                  </p:tgtEl>
+                </p:cond>
+              </p:nextCondLst>
+            </p:seq>
+          </p:childTnLst>
+        </p:cTn>
+      </p:par>
+    </p:tnLst>
+    <p:bldLst>
+      <p:bldP spid="22" grpId="0"/>
+      <p:bldP spid="2" grpId="0"/>
+      <p:bldP spid="14" grpId="0"/>
+      <p:bldP spid="15" grpId="0"/>
+      <p:bldP spid="16" grpId="0"/>
+      <p:bldP spid="17" grpId="0"/>
+      <p:bldP spid="20" grpId="0"/>
     </p:bldLst>
   </p:timing>
 </p:sld>

--- a/Angular.pptx
+++ b/Angular.pptx
@@ -5,10 +5,10 @@
     <p:sldMasterId id="2147483883" r:id="rId1"/>
   </p:sldMasterIdLst>
   <p:notesMasterIdLst>
-    <p:notesMasterId r:id="rId11"/>
+    <p:notesMasterId r:id="rId15"/>
   </p:notesMasterIdLst>
   <p:handoutMasterIdLst>
-    <p:handoutMasterId r:id="rId12"/>
+    <p:handoutMasterId r:id="rId16"/>
   </p:handoutMasterIdLst>
   <p:sldIdLst>
     <p:sldId id="256" r:id="rId2"/>
@@ -19,7 +19,11 @@
     <p:sldId id="262" r:id="rId7"/>
     <p:sldId id="263" r:id="rId8"/>
     <p:sldId id="264" r:id="rId9"/>
-    <p:sldId id="265" r:id="rId10"/>
+    <p:sldId id="266" r:id="rId10"/>
+    <p:sldId id="265" r:id="rId11"/>
+    <p:sldId id="267" r:id="rId12"/>
+    <p:sldId id="268" r:id="rId13"/>
+    <p:sldId id="269" r:id="rId14"/>
   </p:sldIdLst>
   <p:sldSz cx="12192000" cy="6858000"/>
   <p:notesSz cx="6858000" cy="9144000"/>
@@ -120,7 +124,7 @@
   </p:defaultTextStyle>
   <p:extLst>
     <p:ext uri="{EFAFB233-063F-42B5-8137-9DF3F51BA10A}">
-      <p15:sldGuideLst xmlns:p15="http://schemas.microsoft.com/office/powerpoint/2012/main"/>
+      <p15:sldGuideLst xmlns="" xmlns:p15="http://schemas.microsoft.com/office/powerpoint/2012/main"/>
     </p:ext>
   </p:extLst>
 </p:presentation>
@@ -208,7 +212,7 @@
           <a:p>
             <a:fld id="{F2907855-94AC-4F24-8B2E-86C4A3118337}" type="datetimeFigureOut">
               <a:rPr lang="en-US" smtClean="0"/>
-              <a:t>10/18/2017</a:t>
+              <a:t>09/11/17</a:t>
             </a:fld>
             <a:endParaRPr lang="en-US"/>
           </a:p>
@@ -374,7 +378,7 @@
           <a:p>
             <a:fld id="{34BE262F-771E-4259-B3BD-5B0150CB9D3B}" type="datetimeFigureOut">
               <a:rPr lang="en-US" smtClean="0"/>
-              <a:t>10/18/2017</a:t>
+              <a:t>09/11/17</a:t>
             </a:fld>
             <a:endParaRPr lang="en-US"/>
           </a:p>
@@ -978,7 +982,7 @@
           <a:p>
             <a:fld id="{2A72ECDD-C991-401D-B17C-D2A3247EDFE0}" type="datetime1">
               <a:rPr lang="en-US" smtClean="0"/>
-              <a:t>10/18/2017</a:t>
+              <a:t>09/11/17</a:t>
             </a:fld>
             <a:endParaRPr lang="en-US" dirty="0"/>
           </a:p>
@@ -2072,7 +2076,7 @@
           <a:p>
             <a:fld id="{4E45B9DA-5A6C-4F3F-9383-6E87E1EF9A23}" type="datetime1">
               <a:rPr lang="en-US" smtClean="0"/>
-              <a:t>10/18/2017</a:t>
+              <a:t>09/11/17</a:t>
             </a:fld>
             <a:endParaRPr lang="en-US" dirty="0"/>
           </a:p>
@@ -3058,7 +3062,7 @@
           <a:p>
             <a:fld id="{901D1230-8546-44E2-989F-83B2EB59ED2F}" type="datetime1">
               <a:rPr lang="en-US" smtClean="0"/>
-              <a:t>10/18/2017</a:t>
+              <a:t>09/11/17</a:t>
             </a:fld>
             <a:endParaRPr lang="en-US" dirty="0"/>
           </a:p>
@@ -4198,7 +4202,7 @@
           <a:p>
             <a:fld id="{490C7793-0450-43FD-B1C7-764874FA1C83}" type="datetime1">
               <a:rPr lang="en-US" smtClean="0"/>
-              <a:t>10/18/2017</a:t>
+              <a:t>09/11/17</a:t>
             </a:fld>
             <a:endParaRPr lang="en-US" dirty="0"/>
           </a:p>
@@ -5237,7 +5241,7 @@
           <a:p>
             <a:fld id="{B4DF1DED-90F9-4F8D-938B-D17A7BCB13BB}" type="datetime1">
               <a:rPr lang="en-US" smtClean="0"/>
-              <a:t>10/18/2017</a:t>
+              <a:t>09/11/17</a:t>
             </a:fld>
             <a:endParaRPr lang="en-US" dirty="0"/>
           </a:p>
@@ -5903,7 +5907,7 @@
           <a:p>
             <a:fld id="{88EB7147-2204-47E2-8B58-C7AE012F4369}" type="datetime1">
               <a:rPr lang="en-US" smtClean="0"/>
-              <a:t>10/18/2017</a:t>
+              <a:t>09/11/17</a:t>
             </a:fld>
             <a:endParaRPr lang="en-US" dirty="0"/>
           </a:p>
@@ -6770,7 +6774,7 @@
           <a:p>
             <a:fld id="{92A116B0-DFD8-43E9-8F39-41E5C85C44DD}" type="datetime1">
               <a:rPr lang="en-US" smtClean="0"/>
-              <a:t>10/18/2017</a:t>
+              <a:t>09/11/17</a:t>
             </a:fld>
             <a:endParaRPr lang="en-US" dirty="0"/>
           </a:p>
@@ -6966,7 +6970,7 @@
           <a:p>
             <a:fld id="{F59CDAB6-BF22-4B0D-BE67-48CBF28FAEBE}" type="datetime1">
               <a:rPr lang="en-US" smtClean="0"/>
-              <a:t>10/18/2017</a:t>
+              <a:t>09/11/17</a:t>
             </a:fld>
             <a:endParaRPr lang="en-US" dirty="0"/>
           </a:p>
@@ -7944,7 +7948,7 @@
           <a:p>
             <a:fld id="{35B4BECC-4407-4460-A36C-8A4EF6447D73}" type="datetime1">
               <a:rPr lang="en-US" smtClean="0"/>
-              <a:t>10/18/2017</a:t>
+              <a:t>09/11/17</a:t>
             </a:fld>
             <a:endParaRPr lang="en-US" dirty="0"/>
           </a:p>
@@ -8161,7 +8165,7 @@
           <a:p>
             <a:fld id="{F5D4828C-1271-4274-AB06-3F6DCE35ADA6}" type="datetime1">
               <a:rPr lang="en-US" smtClean="0"/>
-              <a:t>10/18/2017</a:t>
+              <a:t>09/11/17</a:t>
             </a:fld>
             <a:endParaRPr lang="en-US" dirty="0"/>
           </a:p>
@@ -9201,7 +9205,7 @@
           <a:p>
             <a:fld id="{441AF129-8322-4EBB-92A3-6A99073BB181}" type="datetime1">
               <a:rPr lang="en-US" smtClean="0"/>
-              <a:t>10/18/2017</a:t>
+              <a:t>09/11/17</a:t>
             </a:fld>
             <a:endParaRPr lang="en-US" dirty="0"/>
           </a:p>
@@ -9479,7 +9483,7 @@
           <a:p>
             <a:fld id="{BB0E64B6-0390-42C5-9607-DF3A980909FC}" type="datetime1">
               <a:rPr lang="en-US" smtClean="0"/>
-              <a:t>10/18/2017</a:t>
+              <a:t>09/11/17</a:t>
             </a:fld>
             <a:endParaRPr lang="en-US" dirty="0"/>
           </a:p>
@@ -9895,7 +9899,7 @@
           <a:p>
             <a:fld id="{C35C3AAC-69B0-4658-9B27-A87F0222AB5C}" type="datetime1">
               <a:rPr lang="en-US" smtClean="0"/>
-              <a:t>10/18/2017</a:t>
+              <a:t>09/11/17</a:t>
             </a:fld>
             <a:endParaRPr lang="en-US" dirty="0"/>
           </a:p>
@@ -10028,7 +10032,7 @@
           <a:p>
             <a:fld id="{3DC681C6-3818-4199-955B-EEB975715093}" type="datetime1">
               <a:rPr lang="en-US" smtClean="0"/>
-              <a:t>10/18/2017</a:t>
+              <a:t>09/11/17</a:t>
             </a:fld>
             <a:endParaRPr lang="en-US" dirty="0"/>
           </a:p>
@@ -10129,7 +10133,7 @@
           <a:p>
             <a:fld id="{F2BCFD94-FF34-4C14-BE66-0012022506A3}" type="datetime1">
               <a:rPr lang="en-US" smtClean="0"/>
-              <a:t>10/18/2017</a:t>
+              <a:t>09/11/17</a:t>
             </a:fld>
             <a:endParaRPr lang="en-US" dirty="0"/>
           </a:p>
@@ -11216,7 +11220,7 @@
           <a:p>
             <a:fld id="{189B7B57-4C95-4166-96AF-0FB8DA578520}" type="datetime1">
               <a:rPr lang="en-US" smtClean="0"/>
-              <a:t>10/18/2017</a:t>
+              <a:t>09/11/17</a:t>
             </a:fld>
             <a:endParaRPr lang="en-US" dirty="0"/>
           </a:p>
@@ -12330,7 +12334,7 @@
           <a:p>
             <a:fld id="{D53E2918-3B76-4823-B4B5-9D4076D6B0AC}" type="datetime1">
               <a:rPr lang="en-US" smtClean="0"/>
-              <a:t>10/18/2017</a:t>
+              <a:t>09/11/17</a:t>
             </a:fld>
             <a:endParaRPr lang="en-US" dirty="0"/>
           </a:p>
@@ -13333,7 +13337,7 @@
           <a:p>
             <a:fld id="{33DF0678-3ACC-465D-B148-D65EDA9E61D8}" type="datetime1">
               <a:rPr lang="en-US" smtClean="0"/>
-              <a:t>10/18/2017</a:t>
+              <a:t>09/11/17</a:t>
             </a:fld>
             <a:endParaRPr lang="en-US" dirty="0"/>
           </a:p>
@@ -14024,7 +14028,7 @@
   <p:timing>
     <p:tnLst>
       <p:par>
-        <p:cTn id="1" dur="indefinite" restart="never" nodeType="tmRoot">
+        <p:cTn xmlns:p14="http://schemas.microsoft.com/office/powerpoint/2010/main" id="1" dur="indefinite" restart="never" nodeType="tmRoot">
           <p:childTnLst>
             <p:seq concurrent="1" nextAc="seek">
               <p:cTn id="2" dur="indefinite" nodeType="mainSeq">
@@ -14237,6 +14241,1546 @@
 </p:sld>
 </file>
 
+<file path=ppt/slides/slide10.xml><?xml version="1.0" encoding="utf-8"?>
+<p:sld xmlns:a="http://schemas.openxmlformats.org/drawingml/2006/main" xmlns:r="http://schemas.openxmlformats.org/officeDocument/2006/relationships" xmlns:p="http://schemas.openxmlformats.org/presentationml/2006/main">
+  <p:cSld>
+    <p:spTree>
+      <p:nvGrpSpPr>
+        <p:cNvPr id="1" name=""/>
+        <p:cNvGrpSpPr/>
+        <p:nvPr/>
+      </p:nvGrpSpPr>
+      <p:grpSpPr>
+        <a:xfrm>
+          <a:off x="0" y="0"/>
+          <a:ext cx="0" cy="0"/>
+          <a:chOff x="0" y="0"/>
+          <a:chExt cx="0" cy="0"/>
+        </a:xfrm>
+      </p:grpSpPr>
+      <p:pic>
+        <p:nvPicPr>
+          <p:cNvPr id="6" name="Picture 5"/>
+          <p:cNvPicPr>
+            <a:picLocks noChangeAspect="1"/>
+          </p:cNvPicPr>
+          <p:nvPr/>
+        </p:nvPicPr>
+        <p:blipFill>
+          <a:blip r:embed="rId2">
+            <a:extLst>
+              <a:ext uri="{28A0092B-C50C-407E-A947-70E740481C1C}">
+                <a14:useLocalDpi xmlns:a14="http://schemas.microsoft.com/office/drawing/2010/main" val="0"/>
+              </a:ext>
+            </a:extLst>
+          </a:blip>
+          <a:stretch>
+            <a:fillRect/>
+          </a:stretch>
+        </p:blipFill>
+        <p:spPr>
+          <a:xfrm>
+            <a:off x="10148454" y="41565"/>
+            <a:ext cx="1263536" cy="1263536"/>
+          </a:xfrm>
+          <a:prstGeom prst="rect">
+            <a:avLst/>
+          </a:prstGeom>
+        </p:spPr>
+      </p:pic>
+      <p:sp>
+        <p:nvSpPr>
+          <p:cNvPr id="22" name="TextBox 21"/>
+          <p:cNvSpPr txBox="1"/>
+          <p:nvPr/>
+        </p:nvSpPr>
+        <p:spPr>
+          <a:xfrm>
+            <a:off x="825594" y="673333"/>
+            <a:ext cx="7858241" cy="584776"/>
+          </a:xfrm>
+          <a:prstGeom prst="rect">
+            <a:avLst/>
+          </a:prstGeom>
+          <a:noFill/>
+        </p:spPr>
+        <p:txBody>
+          <a:bodyPr wrap="none" rtlCol="0">
+            <a:spAutoFit/>
+          </a:bodyPr>
+          <a:lstStyle/>
+          <a:p>
+            <a:r>
+              <a:rPr lang="en-US" sz="3200" b="1" u="sng" dirty="0">
+                <a:solidFill>
+                  <a:schemeClr val="accent4"/>
+                </a:solidFill>
+              </a:rPr>
+              <a:t>What Language to Use With Angular 2?</a:t>
+            </a:r>
+          </a:p>
+        </p:txBody>
+      </p:sp>
+      <p:sp>
+        <p:nvSpPr>
+          <p:cNvPr id="2" name="TextBox 1"/>
+          <p:cNvSpPr txBox="1"/>
+          <p:nvPr/>
+        </p:nvSpPr>
+        <p:spPr>
+          <a:xfrm>
+            <a:off x="825594" y="1579418"/>
+            <a:ext cx="1762021" cy="400110"/>
+          </a:xfrm>
+          <a:prstGeom prst="rect">
+            <a:avLst/>
+          </a:prstGeom>
+          <a:noFill/>
+        </p:spPr>
+        <p:txBody>
+          <a:bodyPr wrap="none" rtlCol="0">
+            <a:spAutoFit/>
+          </a:bodyPr>
+          <a:lstStyle/>
+          <a:p>
+            <a:pPr marL="285750" indent="-285750">
+              <a:buFont typeface="Arial"/>
+              <a:buChar char="•"/>
+            </a:pPr>
+            <a:r>
+              <a:rPr lang="en-US" sz="2000" b="1" dirty="0">
+                <a:solidFill>
+                  <a:schemeClr val="accent4"/>
+                </a:solidFill>
+              </a:rPr>
+              <a:t>JavaScript</a:t>
+            </a:r>
+            <a:endParaRPr lang="en-US" sz="2000" dirty="0">
+              <a:solidFill>
+                <a:schemeClr val="accent4"/>
+              </a:solidFill>
+            </a:endParaRPr>
+          </a:p>
+        </p:txBody>
+      </p:sp>
+      <p:sp>
+        <p:nvSpPr>
+          <p:cNvPr id="3" name="TextBox 2"/>
+          <p:cNvSpPr txBox="1"/>
+          <p:nvPr/>
+        </p:nvSpPr>
+        <p:spPr>
+          <a:xfrm>
+            <a:off x="1155098" y="2093849"/>
+            <a:ext cx="7183915" cy="369332"/>
+          </a:xfrm>
+          <a:prstGeom prst="rect">
+            <a:avLst/>
+          </a:prstGeom>
+          <a:noFill/>
+        </p:spPr>
+        <p:txBody>
+          <a:bodyPr wrap="none" rtlCol="0">
+            <a:spAutoFit/>
+          </a:bodyPr>
+          <a:lstStyle/>
+          <a:p>
+            <a:r>
+              <a:rPr lang="en-US" dirty="0">
+                <a:solidFill>
+                  <a:schemeClr val="bg1"/>
+                </a:solidFill>
+              </a:rPr>
+              <a:t>But all browsers don’t support the newest version of JavaScript.</a:t>
+            </a:r>
+          </a:p>
+        </p:txBody>
+      </p:sp>
+      <p:sp>
+        <p:nvSpPr>
+          <p:cNvPr id="11" name="TextBox 10"/>
+          <p:cNvSpPr txBox="1"/>
+          <p:nvPr/>
+        </p:nvSpPr>
+        <p:spPr>
+          <a:xfrm>
+            <a:off x="1155098" y="2717685"/>
+            <a:ext cx="4709229" cy="369332"/>
+          </a:xfrm>
+          <a:prstGeom prst="rect">
+            <a:avLst/>
+          </a:prstGeom>
+          <a:noFill/>
+        </p:spPr>
+        <p:txBody>
+          <a:bodyPr wrap="none" rtlCol="0">
+            <a:spAutoFit/>
+          </a:bodyPr>
+          <a:lstStyle/>
+          <a:p>
+            <a:r>
+              <a:rPr lang="en-US" dirty="0">
+                <a:solidFill>
+                  <a:schemeClr val="bg1"/>
+                </a:solidFill>
+              </a:rPr>
+              <a:t>There are ways to access these features:</a:t>
+            </a:r>
+          </a:p>
+        </p:txBody>
+      </p:sp>
+      <p:pic>
+        <p:nvPicPr>
+          <p:cNvPr id="4" name="Picture 3" descr="Screen Shot 2017-11-09 at 7.40.17 PM.png"/>
+          <p:cNvPicPr>
+            <a:picLocks noChangeAspect="1"/>
+          </p:cNvPicPr>
+          <p:nvPr/>
+        </p:nvPicPr>
+        <p:blipFill>
+          <a:blip r:embed="rId3">
+            <a:extLst>
+              <a:ext uri="{28A0092B-C50C-407E-A947-70E740481C1C}">
+                <a14:useLocalDpi xmlns:a14="http://schemas.microsoft.com/office/drawing/2010/main" val="0"/>
+              </a:ext>
+            </a:extLst>
+          </a:blip>
+          <a:stretch>
+            <a:fillRect/>
+          </a:stretch>
+        </p:blipFill>
+        <p:spPr>
+          <a:xfrm>
+            <a:off x="1379143" y="3401770"/>
+            <a:ext cx="6591300" cy="2425700"/>
+          </a:xfrm>
+          <a:prstGeom prst="rect">
+            <a:avLst/>
+          </a:prstGeom>
+        </p:spPr>
+      </p:pic>
+    </p:spTree>
+    <p:extLst>
+      <p:ext uri="{BB962C8B-B14F-4D97-AF65-F5344CB8AC3E}">
+        <p14:creationId xmlns:p14="http://schemas.microsoft.com/office/powerpoint/2010/main" val="1338026464"/>
+      </p:ext>
+    </p:extLst>
+  </p:cSld>
+  <p:clrMapOvr>
+    <a:masterClrMapping/>
+  </p:clrMapOvr>
+  <p:timing>
+    <p:tnLst>
+      <p:par>
+        <p:cTn xmlns:p14="http://schemas.microsoft.com/office/powerpoint/2010/main" id="1" dur="indefinite" restart="never" nodeType="tmRoot">
+          <p:childTnLst>
+            <p:seq concurrent="1" nextAc="seek">
+              <p:cTn id="2" dur="indefinite" nodeType="mainSeq">
+                <p:childTnLst>
+                  <p:par>
+                    <p:cTn id="3" fill="hold">
+                      <p:stCondLst>
+                        <p:cond delay="indefinite"/>
+                      </p:stCondLst>
+                      <p:childTnLst>
+                        <p:par>
+                          <p:cTn id="4" fill="hold">
+                            <p:stCondLst>
+                              <p:cond delay="0"/>
+                            </p:stCondLst>
+                            <p:childTnLst>
+                              <p:par>
+                                <p:cTn id="5" presetID="42" presetClass="entr" presetSubtype="0" fill="hold" grpId="0" nodeType="clickEffect">
+                                  <p:stCondLst>
+                                    <p:cond delay="0"/>
+                                  </p:stCondLst>
+                                  <p:childTnLst>
+                                    <p:set>
+                                      <p:cBhvr>
+                                        <p:cTn id="6" dur="1" fill="hold">
+                                          <p:stCondLst>
+                                            <p:cond delay="0"/>
+                                          </p:stCondLst>
+                                        </p:cTn>
+                                        <p:tgtEl>
+                                          <p:spTgt spid="22"/>
+                                        </p:tgtEl>
+                                        <p:attrNameLst>
+                                          <p:attrName>style.visibility</p:attrName>
+                                        </p:attrNameLst>
+                                      </p:cBhvr>
+                                      <p:to>
+                                        <p:strVal val="visible"/>
+                                      </p:to>
+                                    </p:set>
+                                    <p:animEffect transition="in" filter="fade">
+                                      <p:cBhvr>
+                                        <p:cTn id="7" dur="1000"/>
+                                        <p:tgtEl>
+                                          <p:spTgt spid="22"/>
+                                        </p:tgtEl>
+                                      </p:cBhvr>
+                                    </p:animEffect>
+                                    <p:anim calcmode="lin" valueType="num">
+                                      <p:cBhvr>
+                                        <p:cTn id="8" dur="1000" fill="hold"/>
+                                        <p:tgtEl>
+                                          <p:spTgt spid="22"/>
+                                        </p:tgtEl>
+                                        <p:attrNameLst>
+                                          <p:attrName>ppt_x</p:attrName>
+                                        </p:attrNameLst>
+                                      </p:cBhvr>
+                                      <p:tavLst>
+                                        <p:tav tm="0">
+                                          <p:val>
+                                            <p:strVal val="#ppt_x"/>
+                                          </p:val>
+                                        </p:tav>
+                                        <p:tav tm="100000">
+                                          <p:val>
+                                            <p:strVal val="#ppt_x"/>
+                                          </p:val>
+                                        </p:tav>
+                                      </p:tavLst>
+                                    </p:anim>
+                                    <p:anim calcmode="lin" valueType="num">
+                                      <p:cBhvr>
+                                        <p:cTn id="9" dur="1000" fill="hold"/>
+                                        <p:tgtEl>
+                                          <p:spTgt spid="22"/>
+                                        </p:tgtEl>
+                                        <p:attrNameLst>
+                                          <p:attrName>ppt_y</p:attrName>
+                                        </p:attrNameLst>
+                                      </p:cBhvr>
+                                      <p:tavLst>
+                                        <p:tav tm="0">
+                                          <p:val>
+                                            <p:strVal val="#ppt_y+.1"/>
+                                          </p:val>
+                                        </p:tav>
+                                        <p:tav tm="100000">
+                                          <p:val>
+                                            <p:strVal val="#ppt_y"/>
+                                          </p:val>
+                                        </p:tav>
+                                      </p:tavLst>
+                                    </p:anim>
+                                  </p:childTnLst>
+                                </p:cTn>
+                              </p:par>
+                            </p:childTnLst>
+                          </p:cTn>
+                        </p:par>
+                      </p:childTnLst>
+                    </p:cTn>
+                  </p:par>
+                  <p:par>
+                    <p:cTn id="10" fill="hold">
+                      <p:stCondLst>
+                        <p:cond delay="indefinite"/>
+                      </p:stCondLst>
+                      <p:childTnLst>
+                        <p:par>
+                          <p:cTn id="11" fill="hold">
+                            <p:stCondLst>
+                              <p:cond delay="0"/>
+                            </p:stCondLst>
+                            <p:childTnLst>
+                              <p:par>
+                                <p:cTn id="12" presetID="42" presetClass="entr" presetSubtype="0" fill="hold" grpId="0" nodeType="clickEffect">
+                                  <p:stCondLst>
+                                    <p:cond delay="0"/>
+                                  </p:stCondLst>
+                                  <p:childTnLst>
+                                    <p:set>
+                                      <p:cBhvr>
+                                        <p:cTn id="13" dur="1" fill="hold">
+                                          <p:stCondLst>
+                                            <p:cond delay="0"/>
+                                          </p:stCondLst>
+                                        </p:cTn>
+                                        <p:tgtEl>
+                                          <p:spTgt spid="2"/>
+                                        </p:tgtEl>
+                                        <p:attrNameLst>
+                                          <p:attrName>style.visibility</p:attrName>
+                                        </p:attrNameLst>
+                                      </p:cBhvr>
+                                      <p:to>
+                                        <p:strVal val="visible"/>
+                                      </p:to>
+                                    </p:set>
+                                    <p:animEffect transition="in" filter="fade">
+                                      <p:cBhvr>
+                                        <p:cTn id="14" dur="1000"/>
+                                        <p:tgtEl>
+                                          <p:spTgt spid="2"/>
+                                        </p:tgtEl>
+                                      </p:cBhvr>
+                                    </p:animEffect>
+                                    <p:anim calcmode="lin" valueType="num">
+                                      <p:cBhvr>
+                                        <p:cTn id="15" dur="1000" fill="hold"/>
+                                        <p:tgtEl>
+                                          <p:spTgt spid="2"/>
+                                        </p:tgtEl>
+                                        <p:attrNameLst>
+                                          <p:attrName>ppt_x</p:attrName>
+                                        </p:attrNameLst>
+                                      </p:cBhvr>
+                                      <p:tavLst>
+                                        <p:tav tm="0">
+                                          <p:val>
+                                            <p:strVal val="#ppt_x"/>
+                                          </p:val>
+                                        </p:tav>
+                                        <p:tav tm="100000">
+                                          <p:val>
+                                            <p:strVal val="#ppt_x"/>
+                                          </p:val>
+                                        </p:tav>
+                                      </p:tavLst>
+                                    </p:anim>
+                                    <p:anim calcmode="lin" valueType="num">
+                                      <p:cBhvr>
+                                        <p:cTn id="16" dur="1000" fill="hold"/>
+                                        <p:tgtEl>
+                                          <p:spTgt spid="2"/>
+                                        </p:tgtEl>
+                                        <p:attrNameLst>
+                                          <p:attrName>ppt_y</p:attrName>
+                                        </p:attrNameLst>
+                                      </p:cBhvr>
+                                      <p:tavLst>
+                                        <p:tav tm="0">
+                                          <p:val>
+                                            <p:strVal val="#ppt_y+.1"/>
+                                          </p:val>
+                                        </p:tav>
+                                        <p:tav tm="100000">
+                                          <p:val>
+                                            <p:strVal val="#ppt_y"/>
+                                          </p:val>
+                                        </p:tav>
+                                      </p:tavLst>
+                                    </p:anim>
+                                  </p:childTnLst>
+                                </p:cTn>
+                              </p:par>
+                            </p:childTnLst>
+                          </p:cTn>
+                        </p:par>
+                      </p:childTnLst>
+                    </p:cTn>
+                  </p:par>
+                </p:childTnLst>
+              </p:cTn>
+              <p:prevCondLst>
+                <p:cond evt="onPrev" delay="0">
+                  <p:tgtEl>
+                    <p:sldTgt/>
+                  </p:tgtEl>
+                </p:cond>
+              </p:prevCondLst>
+              <p:nextCondLst>
+                <p:cond evt="onNext" delay="0">
+                  <p:tgtEl>
+                    <p:sldTgt/>
+                  </p:tgtEl>
+                </p:cond>
+              </p:nextCondLst>
+            </p:seq>
+          </p:childTnLst>
+        </p:cTn>
+      </p:par>
+    </p:tnLst>
+    <p:bldLst>
+      <p:bldP spid="22" grpId="0"/>
+      <p:bldP spid="2" grpId="0"/>
+    </p:bldLst>
+  </p:timing>
+</p:sld>
+</file>
+
+<file path=ppt/slides/slide11.xml><?xml version="1.0" encoding="utf-8"?>
+<p:sld xmlns:a="http://schemas.openxmlformats.org/drawingml/2006/main" xmlns:r="http://schemas.openxmlformats.org/officeDocument/2006/relationships" xmlns:p="http://schemas.openxmlformats.org/presentationml/2006/main">
+  <p:cSld>
+    <p:spTree>
+      <p:nvGrpSpPr>
+        <p:cNvPr id="1" name=""/>
+        <p:cNvGrpSpPr/>
+        <p:nvPr/>
+      </p:nvGrpSpPr>
+      <p:grpSpPr>
+        <a:xfrm>
+          <a:off x="0" y="0"/>
+          <a:ext cx="0" cy="0"/>
+          <a:chOff x="0" y="0"/>
+          <a:chExt cx="0" cy="0"/>
+        </a:xfrm>
+      </p:grpSpPr>
+      <p:pic>
+        <p:nvPicPr>
+          <p:cNvPr id="6" name="Picture 5"/>
+          <p:cNvPicPr>
+            <a:picLocks noChangeAspect="1"/>
+          </p:cNvPicPr>
+          <p:nvPr/>
+        </p:nvPicPr>
+        <p:blipFill>
+          <a:blip r:embed="rId2">
+            <a:extLst>
+              <a:ext uri="{28A0092B-C50C-407E-A947-70E740481C1C}">
+                <a14:useLocalDpi xmlns:a14="http://schemas.microsoft.com/office/drawing/2010/main" val="0"/>
+              </a:ext>
+            </a:extLst>
+          </a:blip>
+          <a:stretch>
+            <a:fillRect/>
+          </a:stretch>
+        </p:blipFill>
+        <p:spPr>
+          <a:xfrm>
+            <a:off x="10148454" y="41565"/>
+            <a:ext cx="1263536" cy="1263536"/>
+          </a:xfrm>
+          <a:prstGeom prst="rect">
+            <a:avLst/>
+          </a:prstGeom>
+        </p:spPr>
+      </p:pic>
+      <p:sp>
+        <p:nvSpPr>
+          <p:cNvPr id="22" name="TextBox 21"/>
+          <p:cNvSpPr txBox="1"/>
+          <p:nvPr/>
+        </p:nvSpPr>
+        <p:spPr>
+          <a:xfrm>
+            <a:off x="825594" y="673333"/>
+            <a:ext cx="7488949" cy="584776"/>
+          </a:xfrm>
+          <a:prstGeom prst="rect">
+            <a:avLst/>
+          </a:prstGeom>
+          <a:noFill/>
+        </p:spPr>
+        <p:txBody>
+          <a:bodyPr wrap="none" rtlCol="0">
+            <a:spAutoFit/>
+          </a:bodyPr>
+          <a:lstStyle/>
+          <a:p>
+            <a:r>
+              <a:rPr lang="en-US" sz="3200" b="1" u="sng" dirty="0" err="1" smtClean="0">
+                <a:solidFill>
+                  <a:srgbClr val="1859FF"/>
+                </a:solidFill>
+              </a:rPr>
+              <a:t>TypeScript</a:t>
+            </a:r>
+            <a:r>
+              <a:rPr lang="en-US" sz="3200" b="1" u="sng" dirty="0" smtClean="0">
+                <a:solidFill>
+                  <a:schemeClr val="accent4"/>
+                </a:solidFill>
+              </a:rPr>
+              <a:t>: Our </a:t>
+            </a:r>
+            <a:r>
+              <a:rPr lang="en-US" sz="3200" b="1" u="sng" dirty="0">
+                <a:solidFill>
+                  <a:schemeClr val="accent4"/>
+                </a:solidFill>
+              </a:rPr>
+              <a:t>Language of Choice</a:t>
+            </a:r>
+          </a:p>
+        </p:txBody>
+      </p:sp>
+      <p:sp>
+        <p:nvSpPr>
+          <p:cNvPr id="3" name="TextBox 2"/>
+          <p:cNvSpPr txBox="1"/>
+          <p:nvPr/>
+        </p:nvSpPr>
+        <p:spPr>
+          <a:xfrm>
+            <a:off x="976848" y="1514574"/>
+            <a:ext cx="10476433" cy="646331"/>
+          </a:xfrm>
+          <a:prstGeom prst="rect">
+            <a:avLst/>
+          </a:prstGeom>
+          <a:noFill/>
+        </p:spPr>
+        <p:txBody>
+          <a:bodyPr wrap="none" rtlCol="0">
+            <a:spAutoFit/>
+          </a:bodyPr>
+          <a:lstStyle/>
+          <a:p>
+            <a:r>
+              <a:rPr lang="en-US" dirty="0" err="1">
+                <a:solidFill>
+                  <a:schemeClr val="bg1"/>
+                </a:solidFill>
+              </a:rPr>
+              <a:t>TypeScript</a:t>
+            </a:r>
+            <a:r>
+              <a:rPr lang="en-US" dirty="0">
+                <a:solidFill>
+                  <a:schemeClr val="bg1"/>
+                </a:solidFill>
+              </a:rPr>
+              <a:t> is Microsoft’s extension of JavaScript that allows the use of all ES2015 features </a:t>
+            </a:r>
+            <a:r>
+              <a:rPr lang="en-US" dirty="0" smtClean="0">
+                <a:solidFill>
+                  <a:schemeClr val="bg1"/>
+                </a:solidFill>
+              </a:rPr>
+              <a:t>and</a:t>
+            </a:r>
+          </a:p>
+          <a:p>
+            <a:r>
+              <a:rPr lang="en-US" dirty="0" smtClean="0">
+                <a:solidFill>
+                  <a:schemeClr val="bg1"/>
+                </a:solidFill>
+              </a:rPr>
+              <a:t>adds </a:t>
+            </a:r>
+            <a:r>
+              <a:rPr lang="en-US" dirty="0">
+                <a:solidFill>
+                  <a:schemeClr val="bg1"/>
+                </a:solidFill>
+              </a:rPr>
+              <a:t>powerful type checking and object-oriented features.</a:t>
+            </a:r>
+          </a:p>
+        </p:txBody>
+      </p:sp>
+      <p:sp>
+        <p:nvSpPr>
+          <p:cNvPr id="11" name="TextBox 10"/>
+          <p:cNvSpPr txBox="1"/>
+          <p:nvPr/>
+        </p:nvSpPr>
+        <p:spPr>
+          <a:xfrm>
+            <a:off x="976848" y="2316648"/>
+            <a:ext cx="6081600" cy="369332"/>
+          </a:xfrm>
+          <a:prstGeom prst="rect">
+            <a:avLst/>
+          </a:prstGeom>
+          <a:noFill/>
+        </p:spPr>
+        <p:txBody>
+          <a:bodyPr wrap="none" rtlCol="0">
+            <a:spAutoFit/>
+          </a:bodyPr>
+          <a:lstStyle/>
+          <a:p>
+            <a:r>
+              <a:rPr lang="en-US" dirty="0">
+                <a:solidFill>
+                  <a:schemeClr val="bg1"/>
+                </a:solidFill>
+              </a:rPr>
+              <a:t>The Angular 2 source is programmed with </a:t>
+            </a:r>
+            <a:r>
+              <a:rPr lang="en-US" dirty="0" err="1">
+                <a:solidFill>
+                  <a:schemeClr val="bg1"/>
+                </a:solidFill>
+              </a:rPr>
+              <a:t>TypeScript</a:t>
+            </a:r>
+            <a:r>
+              <a:rPr lang="en-US" dirty="0">
+                <a:solidFill>
+                  <a:schemeClr val="bg1"/>
+                </a:solidFill>
+              </a:rPr>
+              <a:t>.</a:t>
+            </a:r>
+          </a:p>
+        </p:txBody>
+      </p:sp>
+      <p:pic>
+        <p:nvPicPr>
+          <p:cNvPr id="5" name="Picture 4" descr="Screen Shot 2017-11-09 at 7.49.11 PM.png"/>
+          <p:cNvPicPr>
+            <a:picLocks noChangeAspect="1"/>
+          </p:cNvPicPr>
+          <p:nvPr/>
+        </p:nvPicPr>
+        <p:blipFill>
+          <a:blip r:embed="rId3">
+            <a:extLst>
+              <a:ext uri="{28A0092B-C50C-407E-A947-70E740481C1C}">
+                <a14:useLocalDpi xmlns:a14="http://schemas.microsoft.com/office/drawing/2010/main" val="0"/>
+              </a:ext>
+            </a:extLst>
+          </a:blip>
+          <a:stretch>
+            <a:fillRect/>
+          </a:stretch>
+        </p:blipFill>
+        <p:spPr>
+          <a:xfrm>
+            <a:off x="1347266" y="3034592"/>
+            <a:ext cx="5308600" cy="2781300"/>
+          </a:xfrm>
+          <a:prstGeom prst="rect">
+            <a:avLst/>
+          </a:prstGeom>
+        </p:spPr>
+      </p:pic>
+    </p:spTree>
+    <p:extLst>
+      <p:ext uri="{BB962C8B-B14F-4D97-AF65-F5344CB8AC3E}">
+        <p14:creationId xmlns:p14="http://schemas.microsoft.com/office/powerpoint/2010/main" val="2390905707"/>
+      </p:ext>
+    </p:extLst>
+  </p:cSld>
+  <p:clrMapOvr>
+    <a:masterClrMapping/>
+  </p:clrMapOvr>
+  <p:timing>
+    <p:tnLst>
+      <p:par>
+        <p:cTn xmlns:p14="http://schemas.microsoft.com/office/powerpoint/2010/main" id="1" dur="indefinite" restart="never" nodeType="tmRoot">
+          <p:childTnLst>
+            <p:seq concurrent="1" nextAc="seek">
+              <p:cTn id="2" dur="indefinite" nodeType="mainSeq">
+                <p:childTnLst>
+                  <p:par>
+                    <p:cTn id="3" fill="hold">
+                      <p:stCondLst>
+                        <p:cond delay="indefinite"/>
+                      </p:stCondLst>
+                      <p:childTnLst>
+                        <p:par>
+                          <p:cTn id="4" fill="hold">
+                            <p:stCondLst>
+                              <p:cond delay="0"/>
+                            </p:stCondLst>
+                            <p:childTnLst>
+                              <p:par>
+                                <p:cTn id="5" presetID="42" presetClass="entr" presetSubtype="0" fill="hold" grpId="0" nodeType="clickEffect">
+                                  <p:stCondLst>
+                                    <p:cond delay="0"/>
+                                  </p:stCondLst>
+                                  <p:childTnLst>
+                                    <p:set>
+                                      <p:cBhvr>
+                                        <p:cTn id="6" dur="1" fill="hold">
+                                          <p:stCondLst>
+                                            <p:cond delay="0"/>
+                                          </p:stCondLst>
+                                        </p:cTn>
+                                        <p:tgtEl>
+                                          <p:spTgt spid="22"/>
+                                        </p:tgtEl>
+                                        <p:attrNameLst>
+                                          <p:attrName>style.visibility</p:attrName>
+                                        </p:attrNameLst>
+                                      </p:cBhvr>
+                                      <p:to>
+                                        <p:strVal val="visible"/>
+                                      </p:to>
+                                    </p:set>
+                                    <p:animEffect transition="in" filter="fade">
+                                      <p:cBhvr>
+                                        <p:cTn id="7" dur="1000"/>
+                                        <p:tgtEl>
+                                          <p:spTgt spid="22"/>
+                                        </p:tgtEl>
+                                      </p:cBhvr>
+                                    </p:animEffect>
+                                    <p:anim calcmode="lin" valueType="num">
+                                      <p:cBhvr>
+                                        <p:cTn id="8" dur="1000" fill="hold"/>
+                                        <p:tgtEl>
+                                          <p:spTgt spid="22"/>
+                                        </p:tgtEl>
+                                        <p:attrNameLst>
+                                          <p:attrName>ppt_x</p:attrName>
+                                        </p:attrNameLst>
+                                      </p:cBhvr>
+                                      <p:tavLst>
+                                        <p:tav tm="0">
+                                          <p:val>
+                                            <p:strVal val="#ppt_x"/>
+                                          </p:val>
+                                        </p:tav>
+                                        <p:tav tm="100000">
+                                          <p:val>
+                                            <p:strVal val="#ppt_x"/>
+                                          </p:val>
+                                        </p:tav>
+                                      </p:tavLst>
+                                    </p:anim>
+                                    <p:anim calcmode="lin" valueType="num">
+                                      <p:cBhvr>
+                                        <p:cTn id="9" dur="1000" fill="hold"/>
+                                        <p:tgtEl>
+                                          <p:spTgt spid="22"/>
+                                        </p:tgtEl>
+                                        <p:attrNameLst>
+                                          <p:attrName>ppt_y</p:attrName>
+                                        </p:attrNameLst>
+                                      </p:cBhvr>
+                                      <p:tavLst>
+                                        <p:tav tm="0">
+                                          <p:val>
+                                            <p:strVal val="#ppt_y+.1"/>
+                                          </p:val>
+                                        </p:tav>
+                                        <p:tav tm="100000">
+                                          <p:val>
+                                            <p:strVal val="#ppt_y"/>
+                                          </p:val>
+                                        </p:tav>
+                                      </p:tavLst>
+                                    </p:anim>
+                                  </p:childTnLst>
+                                </p:cTn>
+                              </p:par>
+                            </p:childTnLst>
+                          </p:cTn>
+                        </p:par>
+                      </p:childTnLst>
+                    </p:cTn>
+                  </p:par>
+                </p:childTnLst>
+              </p:cTn>
+              <p:prevCondLst>
+                <p:cond evt="onPrev" delay="0">
+                  <p:tgtEl>
+                    <p:sldTgt/>
+                  </p:tgtEl>
+                </p:cond>
+              </p:prevCondLst>
+              <p:nextCondLst>
+                <p:cond evt="onNext" delay="0">
+                  <p:tgtEl>
+                    <p:sldTgt/>
+                  </p:tgtEl>
+                </p:cond>
+              </p:nextCondLst>
+            </p:seq>
+          </p:childTnLst>
+        </p:cTn>
+      </p:par>
+    </p:tnLst>
+    <p:bldLst>
+      <p:bldP spid="22" grpId="0"/>
+    </p:bldLst>
+  </p:timing>
+</p:sld>
+</file>
+
+<file path=ppt/slides/slide12.xml><?xml version="1.0" encoding="utf-8"?>
+<p:sld xmlns:a="http://schemas.openxmlformats.org/drawingml/2006/main" xmlns:r="http://schemas.openxmlformats.org/officeDocument/2006/relationships" xmlns:p="http://schemas.openxmlformats.org/presentationml/2006/main">
+  <p:cSld>
+    <p:spTree>
+      <p:nvGrpSpPr>
+        <p:cNvPr id="1" name=""/>
+        <p:cNvGrpSpPr/>
+        <p:nvPr/>
+      </p:nvGrpSpPr>
+      <p:grpSpPr>
+        <a:xfrm>
+          <a:off x="0" y="0"/>
+          <a:ext cx="0" cy="0"/>
+          <a:chOff x="0" y="0"/>
+          <a:chExt cx="0" cy="0"/>
+        </a:xfrm>
+      </p:grpSpPr>
+      <p:pic>
+        <p:nvPicPr>
+          <p:cNvPr id="6" name="Picture 5"/>
+          <p:cNvPicPr>
+            <a:picLocks noChangeAspect="1"/>
+          </p:cNvPicPr>
+          <p:nvPr/>
+        </p:nvPicPr>
+        <p:blipFill>
+          <a:blip r:embed="rId2">
+            <a:extLst>
+              <a:ext uri="{28A0092B-C50C-407E-A947-70E740481C1C}">
+                <a14:useLocalDpi xmlns:a14="http://schemas.microsoft.com/office/drawing/2010/main" val="0"/>
+              </a:ext>
+            </a:extLst>
+          </a:blip>
+          <a:stretch>
+            <a:fillRect/>
+          </a:stretch>
+        </p:blipFill>
+        <p:spPr>
+          <a:xfrm>
+            <a:off x="10148454" y="41565"/>
+            <a:ext cx="1263536" cy="1263536"/>
+          </a:xfrm>
+          <a:prstGeom prst="rect">
+            <a:avLst/>
+          </a:prstGeom>
+        </p:spPr>
+      </p:pic>
+      <p:sp>
+        <p:nvSpPr>
+          <p:cNvPr id="22" name="TextBox 21"/>
+          <p:cNvSpPr txBox="1"/>
+          <p:nvPr/>
+        </p:nvSpPr>
+        <p:spPr>
+          <a:xfrm>
+            <a:off x="825594" y="673333"/>
+            <a:ext cx="4271722" cy="584776"/>
+          </a:xfrm>
+          <a:prstGeom prst="rect">
+            <a:avLst/>
+          </a:prstGeom>
+          <a:noFill/>
+        </p:spPr>
+        <p:txBody>
+          <a:bodyPr wrap="none" rtlCol="0">
+            <a:spAutoFit/>
+          </a:bodyPr>
+          <a:lstStyle/>
+          <a:p>
+            <a:r>
+              <a:rPr lang="en-US" sz="3200" b="1" u="sng" dirty="0" err="1" smtClean="0">
+                <a:solidFill>
+                  <a:schemeClr val="accent4"/>
+                </a:solidFill>
+              </a:rPr>
+              <a:t>Transpiling</a:t>
+            </a:r>
+            <a:r>
+              <a:rPr lang="en-US" sz="3200" b="1" u="sng" dirty="0" smtClean="0">
+                <a:solidFill>
+                  <a:schemeClr val="accent4"/>
+                </a:solidFill>
+              </a:rPr>
+              <a:t> </a:t>
+            </a:r>
+            <a:r>
+              <a:rPr lang="en-US" sz="3200" b="1" u="sng" dirty="0">
+                <a:solidFill>
+                  <a:schemeClr val="accent4"/>
+                </a:solidFill>
+              </a:rPr>
+              <a:t>Locations</a:t>
+            </a:r>
+          </a:p>
+        </p:txBody>
+      </p:sp>
+      <p:sp>
+        <p:nvSpPr>
+          <p:cNvPr id="3" name="TextBox 2"/>
+          <p:cNvSpPr txBox="1"/>
+          <p:nvPr/>
+        </p:nvSpPr>
+        <p:spPr>
+          <a:xfrm>
+            <a:off x="976848" y="1514574"/>
+            <a:ext cx="10028293" cy="646331"/>
+          </a:xfrm>
+          <a:prstGeom prst="rect">
+            <a:avLst/>
+          </a:prstGeom>
+          <a:noFill/>
+        </p:spPr>
+        <p:txBody>
+          <a:bodyPr wrap="none" rtlCol="0">
+            <a:spAutoFit/>
+          </a:bodyPr>
+          <a:lstStyle/>
+          <a:p>
+            <a:r>
+              <a:rPr lang="en-US" dirty="0">
+                <a:solidFill>
+                  <a:schemeClr val="bg1"/>
+                </a:solidFill>
+              </a:rPr>
+              <a:t>Our browsers don’t know how to read </a:t>
+            </a:r>
+            <a:r>
+              <a:rPr lang="en-US" dirty="0" err="1">
+                <a:solidFill>
+                  <a:schemeClr val="bg1"/>
+                </a:solidFill>
+              </a:rPr>
+              <a:t>TypeScript</a:t>
+            </a:r>
+            <a:r>
+              <a:rPr lang="en-US" dirty="0">
+                <a:solidFill>
+                  <a:schemeClr val="bg1"/>
+                </a:solidFill>
+              </a:rPr>
+              <a:t> out of the box, so we have two </a:t>
+            </a:r>
+            <a:r>
+              <a:rPr lang="en-US" dirty="0" smtClean="0">
+                <a:solidFill>
+                  <a:schemeClr val="bg1"/>
+                </a:solidFill>
+              </a:rPr>
+              <a:t>options</a:t>
+            </a:r>
+          </a:p>
+          <a:p>
+            <a:r>
+              <a:rPr lang="en-US" dirty="0" smtClean="0">
+                <a:solidFill>
+                  <a:schemeClr val="bg1"/>
+                </a:solidFill>
+              </a:rPr>
+              <a:t>when </a:t>
+            </a:r>
+            <a:r>
+              <a:rPr lang="en-US" dirty="0">
+                <a:solidFill>
+                  <a:schemeClr val="bg1"/>
+                </a:solidFill>
+              </a:rPr>
+              <a:t>it comes to changing our </a:t>
+            </a:r>
+            <a:r>
+              <a:rPr lang="en-US" dirty="0" err="1">
+                <a:solidFill>
+                  <a:schemeClr val="bg1"/>
+                </a:solidFill>
+              </a:rPr>
+              <a:t>TypeScript</a:t>
+            </a:r>
+            <a:r>
+              <a:rPr lang="en-US" dirty="0">
+                <a:solidFill>
+                  <a:schemeClr val="bg1"/>
+                </a:solidFill>
+              </a:rPr>
+              <a:t> code into JavaScript.</a:t>
+            </a:r>
+          </a:p>
+        </p:txBody>
+      </p:sp>
+      <p:sp>
+        <p:nvSpPr>
+          <p:cNvPr id="11" name="TextBox 10"/>
+          <p:cNvSpPr txBox="1"/>
+          <p:nvPr/>
+        </p:nvSpPr>
+        <p:spPr>
+          <a:xfrm>
+            <a:off x="995386" y="2330560"/>
+            <a:ext cx="4286563" cy="369332"/>
+          </a:xfrm>
+          <a:prstGeom prst="rect">
+            <a:avLst/>
+          </a:prstGeom>
+          <a:noFill/>
+        </p:spPr>
+        <p:txBody>
+          <a:bodyPr wrap="none" rtlCol="0">
+            <a:spAutoFit/>
+          </a:bodyPr>
+          <a:lstStyle/>
+          <a:p>
+            <a:r>
+              <a:rPr lang="en-US" dirty="0" err="1">
+                <a:solidFill>
+                  <a:schemeClr val="bg1"/>
+                </a:solidFill>
+              </a:rPr>
+              <a:t>Transpile</a:t>
+            </a:r>
+            <a:r>
+              <a:rPr lang="en-US" dirty="0">
+                <a:solidFill>
+                  <a:schemeClr val="bg1"/>
+                </a:solidFill>
+              </a:rPr>
+              <a:t> to JavaScript in the browser</a:t>
+            </a:r>
+          </a:p>
+        </p:txBody>
+      </p:sp>
+      <p:sp>
+        <p:nvSpPr>
+          <p:cNvPr id="7" name="TextBox 6"/>
+          <p:cNvSpPr txBox="1"/>
+          <p:nvPr/>
+        </p:nvSpPr>
+        <p:spPr>
+          <a:xfrm>
+            <a:off x="5975237" y="2330560"/>
+            <a:ext cx="5707287" cy="369332"/>
+          </a:xfrm>
+          <a:prstGeom prst="rect">
+            <a:avLst/>
+          </a:prstGeom>
+          <a:noFill/>
+        </p:spPr>
+        <p:txBody>
+          <a:bodyPr wrap="none" rtlCol="0">
+            <a:spAutoFit/>
+          </a:bodyPr>
+          <a:lstStyle/>
+          <a:p>
+            <a:r>
+              <a:rPr lang="en-US" dirty="0" err="1">
+                <a:solidFill>
+                  <a:schemeClr val="bg1"/>
+                </a:solidFill>
+              </a:rPr>
+              <a:t>Transpile</a:t>
+            </a:r>
+            <a:r>
+              <a:rPr lang="en-US" dirty="0">
+                <a:solidFill>
+                  <a:schemeClr val="bg1"/>
+                </a:solidFill>
+              </a:rPr>
+              <a:t> to JavaScript before shipping to browser</a:t>
+            </a:r>
+          </a:p>
+        </p:txBody>
+      </p:sp>
+      <p:pic>
+        <p:nvPicPr>
+          <p:cNvPr id="2" name="Picture 1" descr="Screen Shot 2017-11-09 at 7.54.04 PM.png"/>
+          <p:cNvPicPr>
+            <a:picLocks noChangeAspect="1"/>
+          </p:cNvPicPr>
+          <p:nvPr/>
+        </p:nvPicPr>
+        <p:blipFill>
+          <a:blip r:embed="rId3">
+            <a:extLst>
+              <a:ext uri="{28A0092B-C50C-407E-A947-70E740481C1C}">
+                <a14:useLocalDpi xmlns:a14="http://schemas.microsoft.com/office/drawing/2010/main" val="0"/>
+              </a:ext>
+            </a:extLst>
+          </a:blip>
+          <a:stretch>
+            <a:fillRect/>
+          </a:stretch>
+        </p:blipFill>
+        <p:spPr>
+          <a:xfrm>
+            <a:off x="1160840" y="2956367"/>
+            <a:ext cx="9734671" cy="3302642"/>
+          </a:xfrm>
+          <a:prstGeom prst="rect">
+            <a:avLst/>
+          </a:prstGeom>
+        </p:spPr>
+      </p:pic>
+    </p:spTree>
+    <p:extLst>
+      <p:ext uri="{BB962C8B-B14F-4D97-AF65-F5344CB8AC3E}">
+        <p14:creationId xmlns:p14="http://schemas.microsoft.com/office/powerpoint/2010/main" val="3664763662"/>
+      </p:ext>
+    </p:extLst>
+  </p:cSld>
+  <p:clrMapOvr>
+    <a:masterClrMapping/>
+  </p:clrMapOvr>
+  <p:timing>
+    <p:tnLst>
+      <p:par>
+        <p:cTn xmlns:p14="http://schemas.microsoft.com/office/powerpoint/2010/main" id="1" dur="indefinite" restart="never" nodeType="tmRoot">
+          <p:childTnLst>
+            <p:seq concurrent="1" nextAc="seek">
+              <p:cTn id="2" dur="indefinite" nodeType="mainSeq">
+                <p:childTnLst>
+                  <p:par>
+                    <p:cTn id="3" fill="hold">
+                      <p:stCondLst>
+                        <p:cond delay="indefinite"/>
+                      </p:stCondLst>
+                      <p:childTnLst>
+                        <p:par>
+                          <p:cTn id="4" fill="hold">
+                            <p:stCondLst>
+                              <p:cond delay="0"/>
+                            </p:stCondLst>
+                            <p:childTnLst>
+                              <p:par>
+                                <p:cTn id="5" presetID="42" presetClass="entr" presetSubtype="0" fill="hold" grpId="0" nodeType="clickEffect">
+                                  <p:stCondLst>
+                                    <p:cond delay="0"/>
+                                  </p:stCondLst>
+                                  <p:childTnLst>
+                                    <p:set>
+                                      <p:cBhvr>
+                                        <p:cTn id="6" dur="1" fill="hold">
+                                          <p:stCondLst>
+                                            <p:cond delay="0"/>
+                                          </p:stCondLst>
+                                        </p:cTn>
+                                        <p:tgtEl>
+                                          <p:spTgt spid="22"/>
+                                        </p:tgtEl>
+                                        <p:attrNameLst>
+                                          <p:attrName>style.visibility</p:attrName>
+                                        </p:attrNameLst>
+                                      </p:cBhvr>
+                                      <p:to>
+                                        <p:strVal val="visible"/>
+                                      </p:to>
+                                    </p:set>
+                                    <p:animEffect transition="in" filter="fade">
+                                      <p:cBhvr>
+                                        <p:cTn id="7" dur="1000"/>
+                                        <p:tgtEl>
+                                          <p:spTgt spid="22"/>
+                                        </p:tgtEl>
+                                      </p:cBhvr>
+                                    </p:animEffect>
+                                    <p:anim calcmode="lin" valueType="num">
+                                      <p:cBhvr>
+                                        <p:cTn id="8" dur="1000" fill="hold"/>
+                                        <p:tgtEl>
+                                          <p:spTgt spid="22"/>
+                                        </p:tgtEl>
+                                        <p:attrNameLst>
+                                          <p:attrName>ppt_x</p:attrName>
+                                        </p:attrNameLst>
+                                      </p:cBhvr>
+                                      <p:tavLst>
+                                        <p:tav tm="0">
+                                          <p:val>
+                                            <p:strVal val="#ppt_x"/>
+                                          </p:val>
+                                        </p:tav>
+                                        <p:tav tm="100000">
+                                          <p:val>
+                                            <p:strVal val="#ppt_x"/>
+                                          </p:val>
+                                        </p:tav>
+                                      </p:tavLst>
+                                    </p:anim>
+                                    <p:anim calcmode="lin" valueType="num">
+                                      <p:cBhvr>
+                                        <p:cTn id="9" dur="1000" fill="hold"/>
+                                        <p:tgtEl>
+                                          <p:spTgt spid="22"/>
+                                        </p:tgtEl>
+                                        <p:attrNameLst>
+                                          <p:attrName>ppt_y</p:attrName>
+                                        </p:attrNameLst>
+                                      </p:cBhvr>
+                                      <p:tavLst>
+                                        <p:tav tm="0">
+                                          <p:val>
+                                            <p:strVal val="#ppt_y+.1"/>
+                                          </p:val>
+                                        </p:tav>
+                                        <p:tav tm="100000">
+                                          <p:val>
+                                            <p:strVal val="#ppt_y"/>
+                                          </p:val>
+                                        </p:tav>
+                                      </p:tavLst>
+                                    </p:anim>
+                                  </p:childTnLst>
+                                </p:cTn>
+                              </p:par>
+                            </p:childTnLst>
+                          </p:cTn>
+                        </p:par>
+                      </p:childTnLst>
+                    </p:cTn>
+                  </p:par>
+                </p:childTnLst>
+              </p:cTn>
+              <p:prevCondLst>
+                <p:cond evt="onPrev" delay="0">
+                  <p:tgtEl>
+                    <p:sldTgt/>
+                  </p:tgtEl>
+                </p:cond>
+              </p:prevCondLst>
+              <p:nextCondLst>
+                <p:cond evt="onNext" delay="0">
+                  <p:tgtEl>
+                    <p:sldTgt/>
+                  </p:tgtEl>
+                </p:cond>
+              </p:nextCondLst>
+            </p:seq>
+          </p:childTnLst>
+        </p:cTn>
+      </p:par>
+    </p:tnLst>
+    <p:bldLst>
+      <p:bldP spid="22" grpId="0"/>
+    </p:bldLst>
+  </p:timing>
+</p:sld>
+</file>
+
+<file path=ppt/slides/slide13.xml><?xml version="1.0" encoding="utf-8"?>
+<p:sld xmlns:a="http://schemas.openxmlformats.org/drawingml/2006/main" xmlns:r="http://schemas.openxmlformats.org/officeDocument/2006/relationships" xmlns:p="http://schemas.openxmlformats.org/presentationml/2006/main">
+  <p:cSld>
+    <p:spTree>
+      <p:nvGrpSpPr>
+        <p:cNvPr id="1" name=""/>
+        <p:cNvGrpSpPr/>
+        <p:nvPr/>
+      </p:nvGrpSpPr>
+      <p:grpSpPr>
+        <a:xfrm>
+          <a:off x="0" y="0"/>
+          <a:ext cx="0" cy="0"/>
+          <a:chOff x="0" y="0"/>
+          <a:chExt cx="0" cy="0"/>
+        </a:xfrm>
+      </p:grpSpPr>
+      <p:pic>
+        <p:nvPicPr>
+          <p:cNvPr id="6" name="Picture 5"/>
+          <p:cNvPicPr>
+            <a:picLocks noChangeAspect="1"/>
+          </p:cNvPicPr>
+          <p:nvPr/>
+        </p:nvPicPr>
+        <p:blipFill>
+          <a:blip r:embed="rId2">
+            <a:extLst>
+              <a:ext uri="{28A0092B-C50C-407E-A947-70E740481C1C}">
+                <a14:useLocalDpi xmlns:a14="http://schemas.microsoft.com/office/drawing/2010/main" val="0"/>
+              </a:ext>
+            </a:extLst>
+          </a:blip>
+          <a:stretch>
+            <a:fillRect/>
+          </a:stretch>
+        </p:blipFill>
+        <p:spPr>
+          <a:xfrm>
+            <a:off x="10148454" y="41565"/>
+            <a:ext cx="1263536" cy="1263536"/>
+          </a:xfrm>
+          <a:prstGeom prst="rect">
+            <a:avLst/>
+          </a:prstGeom>
+        </p:spPr>
+      </p:pic>
+      <p:sp>
+        <p:nvSpPr>
+          <p:cNvPr id="22" name="TextBox 21"/>
+          <p:cNvSpPr txBox="1"/>
+          <p:nvPr/>
+        </p:nvSpPr>
+        <p:spPr>
+          <a:xfrm>
+            <a:off x="825594" y="673333"/>
+            <a:ext cx="6133811" cy="584776"/>
+          </a:xfrm>
+          <a:prstGeom prst="rect">
+            <a:avLst/>
+          </a:prstGeom>
+          <a:noFill/>
+        </p:spPr>
+        <p:txBody>
+          <a:bodyPr wrap="none" rtlCol="0">
+            <a:spAutoFit/>
+          </a:bodyPr>
+          <a:lstStyle/>
+          <a:p>
+            <a:r>
+              <a:rPr lang="en-US" sz="3200" b="1" u="sng" dirty="0">
+                <a:solidFill>
+                  <a:schemeClr val="accent4"/>
+                </a:solidFill>
+              </a:rPr>
+              <a:t>Writing Our First </a:t>
+            </a:r>
+            <a:r>
+              <a:rPr lang="en-US" sz="3200" b="1" u="sng" dirty="0" err="1">
+                <a:solidFill>
+                  <a:schemeClr val="accent4"/>
+                </a:solidFill>
+              </a:rPr>
+              <a:t>TypeScript</a:t>
+            </a:r>
+            <a:r>
+              <a:rPr lang="en-US" sz="3200" b="1" u="sng">
+                <a:solidFill>
+                  <a:schemeClr val="accent4"/>
+                </a:solidFill>
+              </a:rPr>
+              <a:t> File</a:t>
+            </a:r>
+            <a:endParaRPr lang="en-US" sz="3200" b="1" u="sng" dirty="0">
+              <a:solidFill>
+                <a:schemeClr val="accent4"/>
+              </a:solidFill>
+            </a:endParaRPr>
+          </a:p>
+        </p:txBody>
+      </p:sp>
+    </p:spTree>
+    <p:extLst>
+      <p:ext uri="{BB962C8B-B14F-4D97-AF65-F5344CB8AC3E}">
+        <p14:creationId xmlns:p14="http://schemas.microsoft.com/office/powerpoint/2010/main" val="448694862"/>
+      </p:ext>
+    </p:extLst>
+  </p:cSld>
+  <p:clrMapOvr>
+    <a:masterClrMapping/>
+  </p:clrMapOvr>
+  <p:timing>
+    <p:tnLst>
+      <p:par>
+        <p:cTn xmlns:p14="http://schemas.microsoft.com/office/powerpoint/2010/main" id="1" dur="indefinite" restart="never" nodeType="tmRoot">
+          <p:childTnLst>
+            <p:seq concurrent="1" nextAc="seek">
+              <p:cTn id="2" dur="indefinite" nodeType="mainSeq">
+                <p:childTnLst>
+                  <p:par>
+                    <p:cTn id="3" fill="hold">
+                      <p:stCondLst>
+                        <p:cond delay="indefinite"/>
+                      </p:stCondLst>
+                      <p:childTnLst>
+                        <p:par>
+                          <p:cTn id="4" fill="hold">
+                            <p:stCondLst>
+                              <p:cond delay="0"/>
+                            </p:stCondLst>
+                            <p:childTnLst>
+                              <p:par>
+                                <p:cTn id="5" presetID="42" presetClass="entr" presetSubtype="0" fill="hold" grpId="0" nodeType="clickEffect">
+                                  <p:stCondLst>
+                                    <p:cond delay="0"/>
+                                  </p:stCondLst>
+                                  <p:childTnLst>
+                                    <p:set>
+                                      <p:cBhvr>
+                                        <p:cTn id="6" dur="1" fill="hold">
+                                          <p:stCondLst>
+                                            <p:cond delay="0"/>
+                                          </p:stCondLst>
+                                        </p:cTn>
+                                        <p:tgtEl>
+                                          <p:spTgt spid="22"/>
+                                        </p:tgtEl>
+                                        <p:attrNameLst>
+                                          <p:attrName>style.visibility</p:attrName>
+                                        </p:attrNameLst>
+                                      </p:cBhvr>
+                                      <p:to>
+                                        <p:strVal val="visible"/>
+                                      </p:to>
+                                    </p:set>
+                                    <p:animEffect transition="in" filter="fade">
+                                      <p:cBhvr>
+                                        <p:cTn id="7" dur="1000"/>
+                                        <p:tgtEl>
+                                          <p:spTgt spid="22"/>
+                                        </p:tgtEl>
+                                      </p:cBhvr>
+                                    </p:animEffect>
+                                    <p:anim calcmode="lin" valueType="num">
+                                      <p:cBhvr>
+                                        <p:cTn id="8" dur="1000" fill="hold"/>
+                                        <p:tgtEl>
+                                          <p:spTgt spid="22"/>
+                                        </p:tgtEl>
+                                        <p:attrNameLst>
+                                          <p:attrName>ppt_x</p:attrName>
+                                        </p:attrNameLst>
+                                      </p:cBhvr>
+                                      <p:tavLst>
+                                        <p:tav tm="0">
+                                          <p:val>
+                                            <p:strVal val="#ppt_x"/>
+                                          </p:val>
+                                        </p:tav>
+                                        <p:tav tm="100000">
+                                          <p:val>
+                                            <p:strVal val="#ppt_x"/>
+                                          </p:val>
+                                        </p:tav>
+                                      </p:tavLst>
+                                    </p:anim>
+                                    <p:anim calcmode="lin" valueType="num">
+                                      <p:cBhvr>
+                                        <p:cTn id="9" dur="1000" fill="hold"/>
+                                        <p:tgtEl>
+                                          <p:spTgt spid="22"/>
+                                        </p:tgtEl>
+                                        <p:attrNameLst>
+                                          <p:attrName>ppt_y</p:attrName>
+                                        </p:attrNameLst>
+                                      </p:cBhvr>
+                                      <p:tavLst>
+                                        <p:tav tm="0">
+                                          <p:val>
+                                            <p:strVal val="#ppt_y+.1"/>
+                                          </p:val>
+                                        </p:tav>
+                                        <p:tav tm="100000">
+                                          <p:val>
+                                            <p:strVal val="#ppt_y"/>
+                                          </p:val>
+                                        </p:tav>
+                                      </p:tavLst>
+                                    </p:anim>
+                                  </p:childTnLst>
+                                </p:cTn>
+                              </p:par>
+                            </p:childTnLst>
+                          </p:cTn>
+                        </p:par>
+                      </p:childTnLst>
+                    </p:cTn>
+                  </p:par>
+                </p:childTnLst>
+              </p:cTn>
+              <p:prevCondLst>
+                <p:cond evt="onPrev" delay="0">
+                  <p:tgtEl>
+                    <p:sldTgt/>
+                  </p:tgtEl>
+                </p:cond>
+              </p:prevCondLst>
+              <p:nextCondLst>
+                <p:cond evt="onNext" delay="0">
+                  <p:tgtEl>
+                    <p:sldTgt/>
+                  </p:tgtEl>
+                </p:cond>
+              </p:nextCondLst>
+            </p:seq>
+          </p:childTnLst>
+        </p:cTn>
+      </p:par>
+    </p:tnLst>
+    <p:bldLst>
+      <p:bldP spid="22" grpId="0"/>
+    </p:bldLst>
+  </p:timing>
+</p:sld>
+</file>
+
 <file path=ppt/slides/slide2.xml><?xml version="1.0" encoding="utf-8"?>
 <p:sld xmlns:a="http://schemas.openxmlformats.org/drawingml/2006/main" xmlns:r="http://schemas.openxmlformats.org/officeDocument/2006/relationships" xmlns:p="http://schemas.openxmlformats.org/presentationml/2006/main">
   <p:cSld>
@@ -14370,7 +15914,7 @@
   <p:timing>
     <p:tnLst>
       <p:par>
-        <p:cTn id="1" dur="indefinite" restart="never" nodeType="tmRoot">
+        <p:cTn xmlns:p14="http://schemas.microsoft.com/office/powerpoint/2010/main" id="1" dur="indefinite" restart="never" nodeType="tmRoot">
           <p:childTnLst>
             <p:seq concurrent="1" nextAc="seek">
               <p:cTn id="2" dur="indefinite" nodeType="mainSeq">
@@ -14938,7 +16482,7 @@
   <p:timing>
     <p:tnLst>
       <p:par>
-        <p:cTn id="1" dur="indefinite" restart="never" nodeType="tmRoot">
+        <p:cTn xmlns:p14="http://schemas.microsoft.com/office/powerpoint/2010/main" id="1" dur="indefinite" restart="never" nodeType="tmRoot">
           <p:childTnLst>
             <p:seq concurrent="1" nextAc="seek">
               <p:cTn id="2" dur="indefinite" nodeType="mainSeq">
@@ -15705,7 +17249,7 @@
   <p:timing>
     <p:tnLst>
       <p:par>
-        <p:cTn id="1" dur="indefinite" restart="never" nodeType="tmRoot">
+        <p:cTn xmlns:p14="http://schemas.microsoft.com/office/powerpoint/2010/main" id="1" dur="indefinite" restart="never" nodeType="tmRoot">
           <p:childTnLst>
             <p:seq concurrent="1" nextAc="seek">
               <p:cTn id="2" dur="indefinite" nodeType="mainSeq">
@@ -16437,7 +17981,7 @@
   <p:timing>
     <p:tnLst>
       <p:par>
-        <p:cTn id="1" dur="indefinite" restart="never" nodeType="tmRoot">
+        <p:cTn xmlns:p14="http://schemas.microsoft.com/office/powerpoint/2010/main" id="1" dur="indefinite" restart="never" nodeType="tmRoot">
           <p:childTnLst>
             <p:seq concurrent="1" nextAc="seek">
               <p:cTn id="2" dur="indefinite" nodeType="mainSeq">
@@ -16910,11 +18454,6 @@
               </a:rPr>
               <a:t>What Is Angular?</a:t>
             </a:r>
-            <a:endParaRPr lang="en-US" sz="3200" b="1" u="sng" dirty="0">
-              <a:solidFill>
-                <a:schemeClr val="accent4"/>
-              </a:solidFill>
-            </a:endParaRPr>
           </a:p>
         </p:txBody>
       </p:sp>
@@ -17083,7 +18622,7 @@
   <p:timing>
     <p:tnLst>
       <p:par>
-        <p:cTn id="1" dur="indefinite" restart="never" nodeType="tmRoot">
+        <p:cTn xmlns:p14="http://schemas.microsoft.com/office/powerpoint/2010/main" id="1" dur="indefinite" restart="never" nodeType="tmRoot">
           <p:childTnLst>
             <p:seq concurrent="1" nextAc="seek">
               <p:cTn id="2" dur="indefinite" nodeType="mainSeq">
@@ -17473,11 +19012,6 @@
               </a:rPr>
               <a:t>What Will This Course Cover?</a:t>
             </a:r>
-            <a:endParaRPr lang="en-US" sz="3200" b="1" u="sng" dirty="0">
-              <a:solidFill>
-                <a:schemeClr val="accent4"/>
-              </a:solidFill>
-            </a:endParaRPr>
           </a:p>
         </p:txBody>
       </p:sp>
@@ -17511,11 +19045,6 @@
               </a:rPr>
               <a:t>Level 1</a:t>
             </a:r>
-            <a:endParaRPr lang="en-US" sz="1600" dirty="0">
-              <a:solidFill>
-                <a:schemeClr val="bg1"/>
-              </a:solidFill>
-            </a:endParaRPr>
           </a:p>
         </p:txBody>
       </p:sp>
@@ -17776,7 +19305,7 @@
   <p:timing>
     <p:tnLst>
       <p:par>
-        <p:cTn id="1" dur="indefinite" restart="never" nodeType="tmRoot">
+        <p:cTn xmlns:p14="http://schemas.microsoft.com/office/powerpoint/2010/main" id="1" dur="indefinite" restart="never" nodeType="tmRoot">
           <p:childTnLst>
             <p:seq concurrent="1" nextAc="seek">
               <p:cTn id="2" dur="indefinite" nodeType="mainSeq">
@@ -18659,11 +20188,6 @@
               </a:rPr>
               <a:t>What Do You Need to Know to Take This Course?</a:t>
             </a:r>
-            <a:endParaRPr lang="en-US" sz="3200" b="1" u="sng" dirty="0">
-              <a:solidFill>
-                <a:schemeClr val="accent4"/>
-              </a:solidFill>
-            </a:endParaRPr>
           </a:p>
         </p:txBody>
       </p:sp>
@@ -18983,7 +20507,7 @@
   <p:timing>
     <p:tnLst>
       <p:par>
-        <p:cTn id="1" dur="indefinite" restart="never" nodeType="tmRoot">
+        <p:cTn xmlns:p14="http://schemas.microsoft.com/office/powerpoint/2010/main" id="1" dur="indefinite" restart="never" nodeType="tmRoot">
           <p:childTnLst>
             <p:seq concurrent="1" nextAc="seek">
               <p:cTn id="2" dur="indefinite" nodeType="mainSeq">
@@ -20060,7 +21584,7 @@
         <p:spPr>
           <a:xfrm>
             <a:off x="825594" y="673333"/>
-            <a:ext cx="9353843" cy="584775"/>
+            <a:ext cx="9343423" cy="584776"/>
           </a:xfrm>
           <a:prstGeom prst="rect">
             <a:avLst/>
@@ -20079,7 +21603,15 @@
                   <a:schemeClr val="accent4"/>
                 </a:solidFill>
               </a:rPr>
-              <a:t>What Is the Difference Between Angular 1 &amp; 2?</a:t>
+              <a:t>What Is the Difference Between Angular 1 &amp; 2</a:t>
+            </a:r>
+            <a:r>
+              <a:rPr lang="en-US" sz="3200" b="1" u="sng" dirty="0" smtClean="0">
+                <a:solidFill>
+                  <a:schemeClr val="accent4"/>
+                </a:solidFill>
+              </a:rPr>
+              <a:t>?</a:t>
             </a:r>
             <a:endParaRPr lang="en-US" sz="3200" b="1" u="sng" dirty="0">
               <a:solidFill>
@@ -20353,18 +21885,13 @@
               </a:rPr>
               <a:t>Many more small improvements.</a:t>
             </a:r>
-            <a:endParaRPr lang="en-US" dirty="0">
-              <a:solidFill>
-                <a:schemeClr val="bg1"/>
-              </a:solidFill>
-            </a:endParaRPr>
           </a:p>
         </p:txBody>
       </p:sp>
     </p:spTree>
     <p:extLst>
       <p:ext uri="{BB962C8B-B14F-4D97-AF65-F5344CB8AC3E}">
-        <p14:creationId xmlns:p14="http://schemas.microsoft.com/office/powerpoint/2010/main" val="1338026464"/>
+        <p14:creationId xmlns:p14="http://schemas.microsoft.com/office/powerpoint/2010/main" val="2602709678"/>
       </p:ext>
     </p:extLst>
   </p:cSld>
@@ -20374,7 +21901,7 @@
   <p:timing>
     <p:tnLst>
       <p:par>
-        <p:cTn id="1" dur="indefinite" restart="never" nodeType="tmRoot">
+        <p:cTn xmlns:p14="http://schemas.microsoft.com/office/powerpoint/2010/main" id="1" dur="indefinite" restart="never" nodeType="tmRoot">
           <p:childTnLst>
             <p:seq concurrent="1" nextAc="seek">
               <p:cTn id="2" dur="indefinite" nodeType="mainSeq">
@@ -21059,7 +22586,7 @@
     </a:clrScheme>
     <a:fontScheme name="Ion Boardroom">
       <a:majorFont>
-        <a:latin typeface="Century Gothic" panose="020B0502020202020204"/>
+        <a:latin typeface="Century Gothic"/>
         <a:ea typeface=""/>
         <a:cs typeface=""/>
         <a:font script="Jpan" typeface="メイリオ"/>
@@ -21094,7 +22621,7 @@
         <a:font script="Geor" typeface="Sylfaen"/>
       </a:majorFont>
       <a:minorFont>
-        <a:latin typeface="Century Gothic" panose="020B0502020202020204"/>
+        <a:latin typeface="Century Gothic"/>
         <a:ea typeface=""/>
         <a:cs typeface=""/>
         <a:font script="Jpan" typeface="メイリオ"/>
@@ -21274,7 +22801,7 @@
   <a:extraClrSchemeLst/>
   <a:extLst>
     <a:ext uri="{05A4C25C-085E-4340-85A3-A5531E510DB2}">
-      <thm15:themeFamily xmlns:thm15="http://schemas.microsoft.com/office/thememl/2012/main" name="Ion Boardroom" id="{FC33163D-4339-46B1-8EED-24C834239D99}" vid="{B8502691-933B-45FE-8764-BA278511EF27}"/>
+      <thm15:themeFamily xmlns="" xmlns:thm15="http://schemas.microsoft.com/office/thememl/2012/main" name="Ion Boardroom" id="{FC33163D-4339-46B1-8EED-24C834239D99}" vid="{B8502691-933B-45FE-8764-BA278511EF27}"/>
     </a:ext>
   </a:extLst>
 </a:theme>
@@ -21323,7 +22850,7 @@
     </a:clrScheme>
     <a:fontScheme name="Office">
       <a:majorFont>
-        <a:latin typeface="Calibri Light" panose="020F0302020204030204"/>
+        <a:latin typeface="Calibri Light"/>
         <a:ea typeface=""/>
         <a:cs typeface=""/>
         <a:font script="Jpan" typeface="游ゴシック Light"/>
@@ -21358,7 +22885,7 @@
         <a:font script="Geor" typeface="Sylfaen"/>
       </a:majorFont>
       <a:minorFont>
-        <a:latin typeface="Calibri" panose="020F0502020204030204"/>
+        <a:latin typeface="Calibri"/>
         <a:ea typeface=""/>
         <a:cs typeface=""/>
         <a:font script="Jpan" typeface="游ゴシック"/>
@@ -21535,7 +23062,7 @@
   <a:extraClrSchemeLst/>
   <a:extLst>
     <a:ext uri="{05A4C25C-085E-4340-85A3-A5531E510DB2}">
-      <thm15:themeFamily xmlns:thm15="http://schemas.microsoft.com/office/thememl/2012/main" name="Office Theme" id="{62F939B6-93AF-4DB8-9C6B-D6C7DFDC589F}" vid="{4A3C46E8-61CC-4603-A589-7422A47A8E4A}"/>
+      <thm15:themeFamily xmlns="" xmlns:thm15="http://schemas.microsoft.com/office/thememl/2012/main" name="Office Theme" id="{62F939B6-93AF-4DB8-9C6B-D6C7DFDC589F}" vid="{4A3C46E8-61CC-4603-A589-7422A47A8E4A}"/>
     </a:ext>
   </a:extLst>
 </a:theme>
@@ -21584,7 +23111,7 @@
     </a:clrScheme>
     <a:fontScheme name="Office">
       <a:majorFont>
-        <a:latin typeface="Calibri Light" panose="020F0302020204030204"/>
+        <a:latin typeface="Calibri Light"/>
         <a:ea typeface=""/>
         <a:cs typeface=""/>
         <a:font script="Jpan" typeface="游ゴシック Light"/>
@@ -21619,7 +23146,7 @@
         <a:font script="Geor" typeface="Sylfaen"/>
       </a:majorFont>
       <a:minorFont>
-        <a:latin typeface="Calibri" panose="020F0502020204030204"/>
+        <a:latin typeface="Calibri"/>
         <a:ea typeface=""/>
         <a:cs typeface=""/>
         <a:font script="Jpan" typeface="游ゴシック"/>
@@ -21796,7 +23323,7 @@
   <a:extraClrSchemeLst/>
   <a:extLst>
     <a:ext uri="{05A4C25C-085E-4340-85A3-A5531E510DB2}">
-      <thm15:themeFamily xmlns:thm15="http://schemas.microsoft.com/office/thememl/2012/main" name="Office Theme" id="{62F939B6-93AF-4DB8-9C6B-D6C7DFDC589F}" vid="{4A3C46E8-61CC-4603-A589-7422A47A8E4A}"/>
+      <thm15:themeFamily xmlns="" xmlns:thm15="http://schemas.microsoft.com/office/thememl/2012/main" name="Office Theme" id="{62F939B6-93AF-4DB8-9C6B-D6C7DFDC589F}" vid="{4A3C46E8-61CC-4603-A589-7422A47A8E4A}"/>
     </a:ext>
   </a:extLst>
 </a:theme>
